--- a/Presentation Materials/MVA-ApplicationsOnAzure-01.pptx
+++ b/Presentation Materials/MVA-ApplicationsOnAzure-01.pptx
@@ -5,15 +5,25 @@
     <p:sldMasterId id="2147483660" r:id="rId4"/>
   </p:sldMasterIdLst>
   <p:notesMasterIdLst>
-    <p:notesMasterId r:id="rId8"/>
+    <p:notesMasterId r:id="rId18"/>
   </p:notesMasterIdLst>
   <p:handoutMasterIdLst>
-    <p:handoutMasterId r:id="rId9"/>
+    <p:handoutMasterId r:id="rId19"/>
   </p:handoutMasterIdLst>
   <p:sldIdLst>
-    <p:sldId id="277" r:id="rId5"/>
-    <p:sldId id="278" r:id="rId6"/>
-    <p:sldId id="282" r:id="rId7"/>
+    <p:sldId id="271" r:id="rId5"/>
+    <p:sldId id="272" r:id="rId6"/>
+    <p:sldId id="284" r:id="rId7"/>
+    <p:sldId id="292" r:id="rId8"/>
+    <p:sldId id="274" r:id="rId9"/>
+    <p:sldId id="275" r:id="rId10"/>
+    <p:sldId id="293" r:id="rId11"/>
+    <p:sldId id="286" r:id="rId12"/>
+    <p:sldId id="288" r:id="rId13"/>
+    <p:sldId id="287" r:id="rId14"/>
+    <p:sldId id="285" r:id="rId15"/>
+    <p:sldId id="289" r:id="rId16"/>
+    <p:sldId id="269" r:id="rId17"/>
   </p:sldIdLst>
   <p:sldSz cx="12192000" cy="6858000"/>
   <p:notesSz cx="6858000" cy="9144000"/>
@@ -114,7 +124,18 @@
   </p:defaultTextStyle>
   <p:extLst>
     <p:ext uri="{EFAFB233-063F-42B5-8137-9DF3F51BA10A}">
-      <p15:sldGuideLst xmlns:p15="http://schemas.microsoft.com/office/powerpoint/2012/main"/>
+      <p15:sldGuideLst xmlns:p15="http://schemas.microsoft.com/office/powerpoint/2012/main">
+        <p15:guide id="1" orient="horz" pos="2160">
+          <p15:clr>
+            <a:srgbClr val="A4A3A4"/>
+          </p15:clr>
+        </p15:guide>
+        <p15:guide id="2" pos="3840">
+          <p15:clr>
+            <a:srgbClr val="A4A3A4"/>
+          </p15:clr>
+        </p15:guide>
+      </p15:sldGuideLst>
     </p:ext>
     <p:ext uri="{2D200454-40CA-4A62-9FC3-DE9A4176ACB9}">
       <p15:notesGuideLst xmlns:p15="http://schemas.microsoft.com/office/powerpoint/2012/main"/>
@@ -205,7 +226,7 @@
           <a:p>
             <a:fld id="{312E7B4A-039C-48A2-9B2C-AF16AA3873D8}" type="datetimeFigureOut">
               <a:rPr lang="en-US" smtClean="0"/>
-              <a:t>10/14/2015</a:t>
+              <a:t>11/8/2015</a:t>
             </a:fld>
             <a:endParaRPr lang="en-US"/>
           </a:p>
@@ -370,7 +391,7 @@
           <a:p>
             <a:fld id="{DA005A0C-54D9-45AA-87D4-C551D08DFCE1}" type="datetimeFigureOut">
               <a:rPr lang="en-US" smtClean="0"/>
-              <a:t>10/14/2015</a:t>
+              <a:t>11/8/2015</a:t>
             </a:fld>
             <a:endParaRPr lang="en-US"/>
           </a:p>
@@ -718,7 +739,191 @@
     </p:spTree>
     <p:extLst>
       <p:ext uri="{BB962C8B-B14F-4D97-AF65-F5344CB8AC3E}">
-        <p14:creationId xmlns:p14="http://schemas.microsoft.com/office/powerpoint/2010/main" val="1088711496"/>
+        <p14:creationId xmlns:p14="http://schemas.microsoft.com/office/powerpoint/2010/main" val="180611100"/>
+      </p:ext>
+    </p:extLst>
+  </p:cSld>
+  <p:clrMapOvr>
+    <a:masterClrMapping/>
+  </p:clrMapOvr>
+</p:notes>
+</file>
+
+<file path=ppt/notesSlides/notesSlide10.xml><?xml version="1.0" encoding="utf-8"?>
+<p:notes xmlns:a="http://schemas.openxmlformats.org/drawingml/2006/main" xmlns:r="http://schemas.openxmlformats.org/officeDocument/2006/relationships" xmlns:p="http://schemas.openxmlformats.org/presentationml/2006/main">
+  <p:cSld>
+    <p:spTree>
+      <p:nvGrpSpPr>
+        <p:cNvPr id="1" name=""/>
+        <p:cNvGrpSpPr/>
+        <p:nvPr/>
+      </p:nvGrpSpPr>
+      <p:grpSpPr>
+        <a:xfrm>
+          <a:off x="0" y="0"/>
+          <a:ext cx="0" cy="0"/>
+          <a:chOff x="0" y="0"/>
+          <a:chExt cx="0" cy="0"/>
+        </a:xfrm>
+      </p:grpSpPr>
+      <p:sp>
+        <p:nvSpPr>
+          <p:cNvPr id="2" name="Slide Image Placeholder 1"/>
+          <p:cNvSpPr>
+            <a:spLocks noGrp="1" noRot="1" noChangeAspect="1"/>
+          </p:cNvSpPr>
+          <p:nvPr>
+            <p:ph type="sldImg"/>
+          </p:nvPr>
+        </p:nvSpPr>
+        <p:spPr>
+          <a:xfrm>
+            <a:off x="381000" y="685800"/>
+            <a:ext cx="6096000" cy="3429000"/>
+          </a:xfrm>
+        </p:spPr>
+      </p:sp>
+      <p:sp>
+        <p:nvSpPr>
+          <p:cNvPr id="3" name="Notes Placeholder 2"/>
+          <p:cNvSpPr>
+            <a:spLocks noGrp="1"/>
+          </p:cNvSpPr>
+          <p:nvPr>
+            <p:ph type="body" idx="1"/>
+          </p:nvPr>
+        </p:nvSpPr>
+        <p:spPr/>
+        <p:txBody>
+          <a:bodyPr>
+            <a:normAutofit/>
+          </a:bodyPr>
+          <a:lstStyle/>
+          <a:p>
+            <a:endParaRPr lang="en-CA" b="0" dirty="0" smtClean="0"/>
+          </a:p>
+        </p:txBody>
+      </p:sp>
+      <p:sp>
+        <p:nvSpPr>
+          <p:cNvPr id="4" name="Slide Number Placeholder 3"/>
+          <p:cNvSpPr>
+            <a:spLocks noGrp="1"/>
+          </p:cNvSpPr>
+          <p:nvPr>
+            <p:ph type="sldNum" sz="quarter" idx="10"/>
+          </p:nvPr>
+        </p:nvSpPr>
+        <p:spPr/>
+        <p:txBody>
+          <a:bodyPr/>
+          <a:lstStyle/>
+          <a:p>
+            <a:fld id="{13F0F35F-DD44-4607-AEC1-49D7A4BC4066}" type="slidenum">
+              <a:rPr lang="en-US" smtClean="0"/>
+              <a:pPr/>
+              <a:t>10</a:t>
+            </a:fld>
+            <a:endParaRPr lang="en-US" dirty="0"/>
+          </a:p>
+        </p:txBody>
+      </p:sp>
+    </p:spTree>
+    <p:extLst>
+      <p:ext uri="{BB962C8B-B14F-4D97-AF65-F5344CB8AC3E}">
+        <p14:creationId xmlns:p14="http://schemas.microsoft.com/office/powerpoint/2010/main" val="2151300504"/>
+      </p:ext>
+    </p:extLst>
+  </p:cSld>
+  <p:clrMapOvr>
+    <a:masterClrMapping/>
+  </p:clrMapOvr>
+</p:notes>
+</file>
+
+<file path=ppt/notesSlides/notesSlide11.xml><?xml version="1.0" encoding="utf-8"?>
+<p:notes xmlns:a="http://schemas.openxmlformats.org/drawingml/2006/main" xmlns:r="http://schemas.openxmlformats.org/officeDocument/2006/relationships" xmlns:p="http://schemas.openxmlformats.org/presentationml/2006/main">
+  <p:cSld>
+    <p:spTree>
+      <p:nvGrpSpPr>
+        <p:cNvPr id="1" name=""/>
+        <p:cNvGrpSpPr/>
+        <p:nvPr/>
+      </p:nvGrpSpPr>
+      <p:grpSpPr>
+        <a:xfrm>
+          <a:off x="0" y="0"/>
+          <a:ext cx="0" cy="0"/>
+          <a:chOff x="0" y="0"/>
+          <a:chExt cx="0" cy="0"/>
+        </a:xfrm>
+      </p:grpSpPr>
+      <p:sp>
+        <p:nvSpPr>
+          <p:cNvPr id="2" name="Slide Image Placeholder 1"/>
+          <p:cNvSpPr>
+            <a:spLocks noGrp="1" noRot="1" noChangeAspect="1"/>
+          </p:cNvSpPr>
+          <p:nvPr>
+            <p:ph type="sldImg"/>
+          </p:nvPr>
+        </p:nvSpPr>
+        <p:spPr>
+          <a:xfrm>
+            <a:off x="381000" y="685800"/>
+            <a:ext cx="6096000" cy="3429000"/>
+          </a:xfrm>
+        </p:spPr>
+      </p:sp>
+      <p:sp>
+        <p:nvSpPr>
+          <p:cNvPr id="3" name="Notes Placeholder 2"/>
+          <p:cNvSpPr>
+            <a:spLocks noGrp="1"/>
+          </p:cNvSpPr>
+          <p:nvPr>
+            <p:ph type="body" idx="1"/>
+          </p:nvPr>
+        </p:nvSpPr>
+        <p:spPr/>
+        <p:txBody>
+          <a:bodyPr>
+            <a:normAutofit/>
+          </a:bodyPr>
+          <a:lstStyle/>
+          <a:p>
+            <a:endParaRPr lang="en-CA" b="0" dirty="0" smtClean="0"/>
+          </a:p>
+        </p:txBody>
+      </p:sp>
+      <p:sp>
+        <p:nvSpPr>
+          <p:cNvPr id="4" name="Slide Number Placeholder 3"/>
+          <p:cNvSpPr>
+            <a:spLocks noGrp="1"/>
+          </p:cNvSpPr>
+          <p:nvPr>
+            <p:ph type="sldNum" sz="quarter" idx="10"/>
+          </p:nvPr>
+        </p:nvSpPr>
+        <p:spPr/>
+        <p:txBody>
+          <a:bodyPr/>
+          <a:lstStyle/>
+          <a:p>
+            <a:fld id="{13F0F35F-DD44-4607-AEC1-49D7A4BC4066}" type="slidenum">
+              <a:rPr lang="en-US" smtClean="0"/>
+              <a:pPr/>
+              <a:t>11</a:t>
+            </a:fld>
+            <a:endParaRPr lang="en-US" dirty="0"/>
+          </a:p>
+        </p:txBody>
+      </p:sp>
+    </p:spTree>
+    <p:extLst>
+      <p:ext uri="{BB962C8B-B14F-4D97-AF65-F5344CB8AC3E}">
+        <p14:creationId xmlns:p14="http://schemas.microsoft.com/office/powerpoint/2010/main" val="1542080254"/>
       </p:ext>
     </p:extLst>
   </p:cSld>
@@ -769,17 +974,10 @@
         </p:nvSpPr>
         <p:spPr/>
         <p:txBody>
-          <a:bodyPr>
-            <a:noAutofit/>
-          </a:bodyPr>
+          <a:bodyPr/>
           <a:lstStyle/>
           <a:p>
-            <a:endParaRPr lang="en-GB" dirty="0">
-              <a:solidFill>
-                <a:schemeClr val="tx2"/>
-              </a:solidFill>
-              <a:latin typeface="Segoe" pitchFamily="34" charset="0"/>
-            </a:endParaRPr>
+            <a:endParaRPr lang="en-US" dirty="0"/>
           </a:p>
         </p:txBody>
       </p:sp>
@@ -810,7 +1008,7 @@
     </p:spTree>
     <p:extLst>
       <p:ext uri="{BB962C8B-B14F-4D97-AF65-F5344CB8AC3E}">
-        <p14:creationId xmlns:p14="http://schemas.microsoft.com/office/powerpoint/2010/main" val="1542757562"/>
+        <p14:creationId xmlns:p14="http://schemas.microsoft.com/office/powerpoint/2010/main" val="2300594579"/>
       </p:ext>
     </p:extLst>
   </p:cSld>
@@ -864,7 +1062,7 @@
           <a:bodyPr/>
           <a:lstStyle/>
           <a:p>
-            <a:endParaRPr lang="en-US"/>
+            <a:endParaRPr lang="en-US" dirty="0"/>
           </a:p>
         </p:txBody>
       </p:sp>
@@ -883,18 +1081,654 @@
           <a:bodyPr/>
           <a:lstStyle/>
           <a:p>
-            <a:fld id="{4CFD207A-07DF-40AD-A916-9872E089CE7A}" type="slidenum">
+            <a:fld id="{13F0F35F-DD44-4607-AEC1-49D7A4BC4066}" type="slidenum">
               <a:rPr lang="en-US" smtClean="0"/>
+              <a:pPr/>
               <a:t>3</a:t>
             </a:fld>
-            <a:endParaRPr lang="en-US"/>
+            <a:endParaRPr lang="en-US" dirty="0"/>
           </a:p>
         </p:txBody>
       </p:sp>
     </p:spTree>
     <p:extLst>
       <p:ext uri="{BB962C8B-B14F-4D97-AF65-F5344CB8AC3E}">
-        <p14:creationId xmlns:p14="http://schemas.microsoft.com/office/powerpoint/2010/main" val="1692121609"/>
+        <p14:creationId xmlns:p14="http://schemas.microsoft.com/office/powerpoint/2010/main" val="4166466010"/>
+      </p:ext>
+    </p:extLst>
+  </p:cSld>
+  <p:clrMapOvr>
+    <a:masterClrMapping/>
+  </p:clrMapOvr>
+</p:notes>
+</file>
+
+<file path=ppt/notesSlides/notesSlide4.xml><?xml version="1.0" encoding="utf-8"?>
+<p:notes xmlns:a="http://schemas.openxmlformats.org/drawingml/2006/main" xmlns:r="http://schemas.openxmlformats.org/officeDocument/2006/relationships" xmlns:p="http://schemas.openxmlformats.org/presentationml/2006/main">
+  <p:cSld>
+    <p:spTree>
+      <p:nvGrpSpPr>
+        <p:cNvPr id="1" name=""/>
+        <p:cNvGrpSpPr/>
+        <p:nvPr/>
+      </p:nvGrpSpPr>
+      <p:grpSpPr>
+        <a:xfrm>
+          <a:off x="0" y="0"/>
+          <a:ext cx="0" cy="0"/>
+          <a:chOff x="0" y="0"/>
+          <a:chExt cx="0" cy="0"/>
+        </a:xfrm>
+      </p:grpSpPr>
+      <p:sp>
+        <p:nvSpPr>
+          <p:cNvPr id="2" name="Slide Image Placeholder 1"/>
+          <p:cNvSpPr>
+            <a:spLocks noGrp="1" noRot="1" noChangeAspect="1"/>
+          </p:cNvSpPr>
+          <p:nvPr>
+            <p:ph type="sldImg"/>
+          </p:nvPr>
+        </p:nvSpPr>
+        <p:spPr>
+          <a:xfrm>
+            <a:off x="381000" y="685800"/>
+            <a:ext cx="6096000" cy="3429000"/>
+          </a:xfrm>
+        </p:spPr>
+      </p:sp>
+      <p:sp>
+        <p:nvSpPr>
+          <p:cNvPr id="4" name="Slide Number Placeholder 3"/>
+          <p:cNvSpPr>
+            <a:spLocks noGrp="1"/>
+          </p:cNvSpPr>
+          <p:nvPr>
+            <p:ph type="sldNum" sz="quarter" idx="10"/>
+          </p:nvPr>
+        </p:nvSpPr>
+        <p:spPr/>
+        <p:txBody>
+          <a:bodyPr/>
+          <a:lstStyle/>
+          <a:p>
+            <a:fld id="{13F0F35F-DD44-4607-AEC1-49D7A4BC4066}" type="slidenum">
+              <a:rPr lang="en-US" smtClean="0"/>
+              <a:pPr/>
+              <a:t>4</a:t>
+            </a:fld>
+            <a:endParaRPr lang="en-US" dirty="0"/>
+          </a:p>
+        </p:txBody>
+      </p:sp>
+      <p:sp>
+        <p:nvSpPr>
+          <p:cNvPr id="3" name="Notes Placeholder 2"/>
+          <p:cNvSpPr>
+            <a:spLocks noGrp="1"/>
+          </p:cNvSpPr>
+          <p:nvPr>
+            <p:ph type="body" idx="1"/>
+          </p:nvPr>
+        </p:nvSpPr>
+        <p:spPr/>
+        <p:txBody>
+          <a:bodyPr/>
+          <a:lstStyle/>
+          <a:p>
+            <a:endParaRPr lang="en-US" dirty="0"/>
+          </a:p>
+        </p:txBody>
+      </p:sp>
+    </p:spTree>
+    <p:extLst>
+      <p:ext uri="{BB962C8B-B14F-4D97-AF65-F5344CB8AC3E}">
+        <p14:creationId xmlns:p14="http://schemas.microsoft.com/office/powerpoint/2010/main" val="1686092717"/>
+      </p:ext>
+    </p:extLst>
+  </p:cSld>
+  <p:clrMapOvr>
+    <a:masterClrMapping/>
+  </p:clrMapOvr>
+</p:notes>
+</file>
+
+<file path=ppt/notesSlides/notesSlide5.xml><?xml version="1.0" encoding="utf-8"?>
+<p:notes xmlns:a="http://schemas.openxmlformats.org/drawingml/2006/main" xmlns:r="http://schemas.openxmlformats.org/officeDocument/2006/relationships" xmlns:p="http://schemas.openxmlformats.org/presentationml/2006/main">
+  <p:cSld>
+    <p:spTree>
+      <p:nvGrpSpPr>
+        <p:cNvPr id="1" name=""/>
+        <p:cNvGrpSpPr/>
+        <p:nvPr/>
+      </p:nvGrpSpPr>
+      <p:grpSpPr>
+        <a:xfrm>
+          <a:off x="0" y="0"/>
+          <a:ext cx="0" cy="0"/>
+          <a:chOff x="0" y="0"/>
+          <a:chExt cx="0" cy="0"/>
+        </a:xfrm>
+      </p:grpSpPr>
+      <p:sp>
+        <p:nvSpPr>
+          <p:cNvPr id="2" name="Slide Image Placeholder 1"/>
+          <p:cNvSpPr>
+            <a:spLocks noGrp="1" noRot="1" noChangeAspect="1"/>
+          </p:cNvSpPr>
+          <p:nvPr>
+            <p:ph type="sldImg"/>
+          </p:nvPr>
+        </p:nvSpPr>
+        <p:spPr/>
+      </p:sp>
+      <p:sp>
+        <p:nvSpPr>
+          <p:cNvPr id="3" name="Notes Placeholder 2"/>
+          <p:cNvSpPr>
+            <a:spLocks noGrp="1"/>
+          </p:cNvSpPr>
+          <p:nvPr>
+            <p:ph type="body" idx="1"/>
+          </p:nvPr>
+        </p:nvSpPr>
+        <p:spPr/>
+        <p:txBody>
+          <a:bodyPr/>
+          <a:lstStyle/>
+          <a:p>
+            <a:endParaRPr lang="en-US" dirty="0"/>
+          </a:p>
+        </p:txBody>
+      </p:sp>
+      <p:sp>
+        <p:nvSpPr>
+          <p:cNvPr id="4" name="Slide Number Placeholder 3"/>
+          <p:cNvSpPr>
+            <a:spLocks noGrp="1"/>
+          </p:cNvSpPr>
+          <p:nvPr>
+            <p:ph type="sldNum" sz="quarter" idx="10"/>
+          </p:nvPr>
+        </p:nvSpPr>
+        <p:spPr/>
+        <p:txBody>
+          <a:bodyPr/>
+          <a:lstStyle/>
+          <a:p>
+            <a:fld id="{13F0F35F-DD44-4607-AEC1-49D7A4BC4066}" type="slidenum">
+              <a:rPr lang="en-US" smtClean="0"/>
+              <a:pPr/>
+              <a:t>5</a:t>
+            </a:fld>
+            <a:endParaRPr lang="en-US" dirty="0"/>
+          </a:p>
+        </p:txBody>
+      </p:sp>
+    </p:spTree>
+    <p:extLst>
+      <p:ext uri="{BB962C8B-B14F-4D97-AF65-F5344CB8AC3E}">
+        <p14:creationId xmlns:p14="http://schemas.microsoft.com/office/powerpoint/2010/main" val="2595756465"/>
+      </p:ext>
+    </p:extLst>
+  </p:cSld>
+  <p:clrMapOvr>
+    <a:masterClrMapping/>
+  </p:clrMapOvr>
+</p:notes>
+</file>
+
+<file path=ppt/notesSlides/notesSlide6.xml><?xml version="1.0" encoding="utf-8"?>
+<p:notes xmlns:a="http://schemas.openxmlformats.org/drawingml/2006/main" xmlns:r="http://schemas.openxmlformats.org/officeDocument/2006/relationships" xmlns:p="http://schemas.openxmlformats.org/presentationml/2006/main">
+  <p:cSld>
+    <p:spTree>
+      <p:nvGrpSpPr>
+        <p:cNvPr id="1" name=""/>
+        <p:cNvGrpSpPr/>
+        <p:nvPr/>
+      </p:nvGrpSpPr>
+      <p:grpSpPr>
+        <a:xfrm>
+          <a:off x="0" y="0"/>
+          <a:ext cx="0" cy="0"/>
+          <a:chOff x="0" y="0"/>
+          <a:chExt cx="0" cy="0"/>
+        </a:xfrm>
+      </p:grpSpPr>
+      <p:sp>
+        <p:nvSpPr>
+          <p:cNvPr id="2" name="Slide Image Placeholder 1"/>
+          <p:cNvSpPr>
+            <a:spLocks noGrp="1" noRot="1" noChangeAspect="1"/>
+          </p:cNvSpPr>
+          <p:nvPr>
+            <p:ph type="sldImg"/>
+          </p:nvPr>
+        </p:nvSpPr>
+        <p:spPr>
+          <a:xfrm>
+            <a:off x="381000" y="685800"/>
+            <a:ext cx="6096000" cy="3429000"/>
+          </a:xfrm>
+        </p:spPr>
+      </p:sp>
+      <p:sp>
+        <p:nvSpPr>
+          <p:cNvPr id="3" name="Notes Placeholder 2"/>
+          <p:cNvSpPr>
+            <a:spLocks noGrp="1"/>
+          </p:cNvSpPr>
+          <p:nvPr>
+            <p:ph type="body" idx="1"/>
+          </p:nvPr>
+        </p:nvSpPr>
+        <p:spPr/>
+        <p:txBody>
+          <a:bodyPr>
+            <a:normAutofit/>
+          </a:bodyPr>
+          <a:lstStyle/>
+          <a:p>
+            <a:endParaRPr lang="en-CA" b="0" dirty="0" smtClean="0"/>
+          </a:p>
+        </p:txBody>
+      </p:sp>
+      <p:sp>
+        <p:nvSpPr>
+          <p:cNvPr id="4" name="Slide Number Placeholder 3"/>
+          <p:cNvSpPr>
+            <a:spLocks noGrp="1"/>
+          </p:cNvSpPr>
+          <p:nvPr>
+            <p:ph type="sldNum" sz="quarter" idx="10"/>
+          </p:nvPr>
+        </p:nvSpPr>
+        <p:spPr/>
+        <p:txBody>
+          <a:bodyPr/>
+          <a:lstStyle/>
+          <a:p>
+            <a:fld id="{13F0F35F-DD44-4607-AEC1-49D7A4BC4066}" type="slidenum">
+              <a:rPr lang="en-US" smtClean="0"/>
+              <a:pPr/>
+              <a:t>6</a:t>
+            </a:fld>
+            <a:endParaRPr lang="en-US" dirty="0"/>
+          </a:p>
+        </p:txBody>
+      </p:sp>
+    </p:spTree>
+    <p:extLst>
+      <p:ext uri="{BB962C8B-B14F-4D97-AF65-F5344CB8AC3E}">
+        <p14:creationId xmlns:p14="http://schemas.microsoft.com/office/powerpoint/2010/main" val="2911304509"/>
+      </p:ext>
+    </p:extLst>
+  </p:cSld>
+  <p:clrMapOvr>
+    <a:masterClrMapping/>
+  </p:clrMapOvr>
+</p:notes>
+</file>
+
+<file path=ppt/notesSlides/notesSlide7.xml><?xml version="1.0" encoding="utf-8"?>
+<p:notes xmlns:a="http://schemas.openxmlformats.org/drawingml/2006/main" xmlns:r="http://schemas.openxmlformats.org/officeDocument/2006/relationships" xmlns:p="http://schemas.openxmlformats.org/presentationml/2006/main">
+  <p:cSld>
+    <p:spTree>
+      <p:nvGrpSpPr>
+        <p:cNvPr id="1" name=""/>
+        <p:cNvGrpSpPr/>
+        <p:nvPr/>
+      </p:nvGrpSpPr>
+      <p:grpSpPr>
+        <a:xfrm>
+          <a:off x="0" y="0"/>
+          <a:ext cx="0" cy="0"/>
+          <a:chOff x="0" y="0"/>
+          <a:chExt cx="0" cy="0"/>
+        </a:xfrm>
+      </p:grpSpPr>
+      <p:sp>
+        <p:nvSpPr>
+          <p:cNvPr id="2" name="Slide Image Placeholder 1"/>
+          <p:cNvSpPr>
+            <a:spLocks noGrp="1" noRot="1" noChangeAspect="1"/>
+          </p:cNvSpPr>
+          <p:nvPr>
+            <p:ph type="sldImg"/>
+          </p:nvPr>
+        </p:nvSpPr>
+        <p:spPr>
+          <a:xfrm>
+            <a:off x="381000" y="685800"/>
+            <a:ext cx="6096000" cy="3429000"/>
+          </a:xfrm>
+        </p:spPr>
+      </p:sp>
+      <p:sp>
+        <p:nvSpPr>
+          <p:cNvPr id="4" name="Slide Number Placeholder 3"/>
+          <p:cNvSpPr>
+            <a:spLocks noGrp="1"/>
+          </p:cNvSpPr>
+          <p:nvPr>
+            <p:ph type="sldNum" sz="quarter" idx="10"/>
+          </p:nvPr>
+        </p:nvSpPr>
+        <p:spPr/>
+        <p:txBody>
+          <a:bodyPr/>
+          <a:lstStyle/>
+          <a:p>
+            <a:fld id="{13F0F35F-DD44-4607-AEC1-49D7A4BC4066}" type="slidenum">
+              <a:rPr lang="en-US" smtClean="0"/>
+              <a:pPr/>
+              <a:t>7</a:t>
+            </a:fld>
+            <a:endParaRPr lang="en-US" dirty="0"/>
+          </a:p>
+        </p:txBody>
+      </p:sp>
+      <p:sp>
+        <p:nvSpPr>
+          <p:cNvPr id="3" name="Notes Placeholder 2"/>
+          <p:cNvSpPr>
+            <a:spLocks noGrp="1"/>
+          </p:cNvSpPr>
+          <p:nvPr>
+            <p:ph type="body" idx="1"/>
+          </p:nvPr>
+        </p:nvSpPr>
+        <p:spPr/>
+        <p:txBody>
+          <a:bodyPr/>
+          <a:lstStyle/>
+          <a:p>
+            <a:endParaRPr lang="en-US" dirty="0"/>
+          </a:p>
+        </p:txBody>
+      </p:sp>
+    </p:spTree>
+    <p:extLst>
+      <p:ext uri="{BB962C8B-B14F-4D97-AF65-F5344CB8AC3E}">
+        <p14:creationId xmlns:p14="http://schemas.microsoft.com/office/powerpoint/2010/main" val="1686092717"/>
+      </p:ext>
+    </p:extLst>
+  </p:cSld>
+  <p:clrMapOvr>
+    <a:masterClrMapping/>
+  </p:clrMapOvr>
+</p:notes>
+</file>
+
+<file path=ppt/notesSlides/notesSlide8.xml><?xml version="1.0" encoding="utf-8"?>
+<p:notes xmlns:a="http://schemas.openxmlformats.org/drawingml/2006/main" xmlns:r="http://schemas.openxmlformats.org/officeDocument/2006/relationships" xmlns:p="http://schemas.openxmlformats.org/presentationml/2006/main">
+  <p:cSld>
+    <p:spTree>
+      <p:nvGrpSpPr>
+        <p:cNvPr id="1" name=""/>
+        <p:cNvGrpSpPr/>
+        <p:nvPr/>
+      </p:nvGrpSpPr>
+      <p:grpSpPr>
+        <a:xfrm>
+          <a:off x="0" y="0"/>
+          <a:ext cx="0" cy="0"/>
+          <a:chOff x="0" y="0"/>
+          <a:chExt cx="0" cy="0"/>
+        </a:xfrm>
+      </p:grpSpPr>
+      <p:sp>
+        <p:nvSpPr>
+          <p:cNvPr id="2" name="Slide Image Placeholder 1"/>
+          <p:cNvSpPr>
+            <a:spLocks noGrp="1" noRot="1" noChangeAspect="1"/>
+          </p:cNvSpPr>
+          <p:nvPr>
+            <p:ph type="sldImg"/>
+          </p:nvPr>
+        </p:nvSpPr>
+        <p:spPr>
+          <a:xfrm>
+            <a:off x="381000" y="685800"/>
+            <a:ext cx="6096000" cy="3429000"/>
+          </a:xfrm>
+        </p:spPr>
+      </p:sp>
+      <p:sp>
+        <p:nvSpPr>
+          <p:cNvPr id="3" name="Notes Placeholder 2"/>
+          <p:cNvSpPr>
+            <a:spLocks noGrp="1"/>
+          </p:cNvSpPr>
+          <p:nvPr>
+            <p:ph type="body" idx="1"/>
+          </p:nvPr>
+        </p:nvSpPr>
+        <p:spPr/>
+        <p:txBody>
+          <a:bodyPr>
+            <a:normAutofit/>
+          </a:bodyPr>
+          <a:lstStyle/>
+          <a:p>
+            <a:r>
+              <a:rPr lang="en-CA" b="0" dirty="0" smtClean="0"/>
+              <a:t>These are all the regions</a:t>
+            </a:r>
+          </a:p>
+          <a:p>
+            <a:r>
+              <a:rPr lang="en-CA" b="0" dirty="0" smtClean="0"/>
+              <a:t>5 in the US,</a:t>
+            </a:r>
+            <a:r>
+              <a:rPr lang="en-CA" b="0" baseline="0" dirty="0" smtClean="0"/>
+              <a:t> + two government ones</a:t>
+            </a:r>
+          </a:p>
+          <a:p>
+            <a:r>
+              <a:rPr lang="en-CA" b="0" baseline="0" dirty="0" smtClean="0"/>
+              <a:t>Two in Europe</a:t>
+            </a:r>
+          </a:p>
+          <a:p>
+            <a:r>
+              <a:rPr lang="en-CA" b="0" baseline="0" dirty="0" smtClean="0"/>
+              <a:t>Hong </a:t>
+            </a:r>
+            <a:r>
+              <a:rPr lang="en-CA" b="0" baseline="0" dirty="0" err="1" smtClean="0"/>
+              <a:t>kong</a:t>
+            </a:r>
+            <a:endParaRPr lang="en-CA" b="0" baseline="0" dirty="0" smtClean="0"/>
+          </a:p>
+          <a:p>
+            <a:r>
+              <a:rPr lang="en-CA" b="0" baseline="0" dirty="0" err="1" smtClean="0"/>
+              <a:t>singapore</a:t>
+            </a:r>
+            <a:endParaRPr lang="en-CA" b="0" baseline="0" dirty="0" smtClean="0"/>
+          </a:p>
+          <a:p>
+            <a:r>
+              <a:rPr lang="en-CA" b="0" baseline="0" dirty="0" smtClean="0"/>
+              <a:t>2 in japan</a:t>
+            </a:r>
+          </a:p>
+          <a:p>
+            <a:r>
+              <a:rPr lang="en-CA" b="0" baseline="0" dirty="0" smtClean="0"/>
+              <a:t>Brazil</a:t>
+            </a:r>
+          </a:p>
+          <a:p>
+            <a:r>
+              <a:rPr lang="en-CA" b="0" baseline="0" dirty="0" smtClean="0"/>
+              <a:t>2 in Australia</a:t>
+            </a:r>
+          </a:p>
+          <a:p>
+            <a:r>
+              <a:rPr lang="en-CA" b="0" baseline="0" dirty="0" smtClean="0"/>
+              <a:t>3 in </a:t>
+            </a:r>
+            <a:r>
+              <a:rPr lang="en-CA" b="0" baseline="0" dirty="0" err="1" smtClean="0"/>
+              <a:t>india</a:t>
+            </a:r>
+            <a:endParaRPr lang="en-CA" b="0" baseline="0" dirty="0" smtClean="0"/>
+          </a:p>
+          <a:p>
+            <a:r>
+              <a:rPr lang="en-CA" b="0" baseline="0" dirty="0" smtClean="0"/>
+              <a:t>Coming 2 in Canada some time in 2016 Toronto and Quebec City</a:t>
+            </a:r>
+            <a:endParaRPr lang="en-CA" b="0" dirty="0" smtClean="0"/>
+          </a:p>
+        </p:txBody>
+      </p:sp>
+      <p:sp>
+        <p:nvSpPr>
+          <p:cNvPr id="4" name="Slide Number Placeholder 3"/>
+          <p:cNvSpPr>
+            <a:spLocks noGrp="1"/>
+          </p:cNvSpPr>
+          <p:nvPr>
+            <p:ph type="sldNum" sz="quarter" idx="10"/>
+          </p:nvPr>
+        </p:nvSpPr>
+        <p:spPr/>
+        <p:txBody>
+          <a:bodyPr/>
+          <a:lstStyle/>
+          <a:p>
+            <a:fld id="{13F0F35F-DD44-4607-AEC1-49D7A4BC4066}" type="slidenum">
+              <a:rPr lang="en-US" smtClean="0"/>
+              <a:pPr/>
+              <a:t>8</a:t>
+            </a:fld>
+            <a:endParaRPr lang="en-US" dirty="0"/>
+          </a:p>
+        </p:txBody>
+      </p:sp>
+    </p:spTree>
+    <p:extLst>
+      <p:ext uri="{BB962C8B-B14F-4D97-AF65-F5344CB8AC3E}">
+        <p14:creationId xmlns:p14="http://schemas.microsoft.com/office/powerpoint/2010/main" val="1942650621"/>
+      </p:ext>
+    </p:extLst>
+  </p:cSld>
+  <p:clrMapOvr>
+    <a:masterClrMapping/>
+  </p:clrMapOvr>
+</p:notes>
+</file>
+
+<file path=ppt/notesSlides/notesSlide9.xml><?xml version="1.0" encoding="utf-8"?>
+<p:notes xmlns:a="http://schemas.openxmlformats.org/drawingml/2006/main" xmlns:r="http://schemas.openxmlformats.org/officeDocument/2006/relationships" xmlns:p="http://schemas.openxmlformats.org/presentationml/2006/main">
+  <p:cSld>
+    <p:spTree>
+      <p:nvGrpSpPr>
+        <p:cNvPr id="1" name=""/>
+        <p:cNvGrpSpPr/>
+        <p:nvPr/>
+      </p:nvGrpSpPr>
+      <p:grpSpPr>
+        <a:xfrm>
+          <a:off x="0" y="0"/>
+          <a:ext cx="0" cy="0"/>
+          <a:chOff x="0" y="0"/>
+          <a:chExt cx="0" cy="0"/>
+        </a:xfrm>
+      </p:grpSpPr>
+      <p:sp>
+        <p:nvSpPr>
+          <p:cNvPr id="2" name="Slide Image Placeholder 1"/>
+          <p:cNvSpPr>
+            <a:spLocks noGrp="1" noRot="1" noChangeAspect="1"/>
+          </p:cNvSpPr>
+          <p:nvPr>
+            <p:ph type="sldImg"/>
+          </p:nvPr>
+        </p:nvSpPr>
+        <p:spPr/>
+      </p:sp>
+      <p:sp>
+        <p:nvSpPr>
+          <p:cNvPr id="3" name="Notes Placeholder 2"/>
+          <p:cNvSpPr>
+            <a:spLocks noGrp="1"/>
+          </p:cNvSpPr>
+          <p:nvPr>
+            <p:ph type="body" idx="1"/>
+          </p:nvPr>
+        </p:nvSpPr>
+        <p:spPr/>
+        <p:txBody>
+          <a:bodyPr/>
+          <a:lstStyle/>
+          <a:p>
+            <a:r>
+              <a:rPr lang="en-US" dirty="0" smtClean="0"/>
+              <a:t>Aardvark, aardwolf, bazaar </a:t>
+            </a:r>
+            <a:r>
+              <a:rPr lang="en-US" baseline="0" dirty="0" smtClean="0"/>
+              <a:t>all other words with two As in them</a:t>
+            </a:r>
+          </a:p>
+          <a:p>
+            <a:endParaRPr lang="en-US" baseline="0" dirty="0" smtClean="0"/>
+          </a:p>
+          <a:p>
+            <a:r>
+              <a:rPr lang="en-US" baseline="0" dirty="0" err="1" smtClean="0"/>
+              <a:t>Hanselman’s</a:t>
+            </a:r>
+            <a:r>
+              <a:rPr lang="en-US" baseline="0" dirty="0" smtClean="0"/>
+              <a:t> </a:t>
+            </a:r>
+            <a:r>
+              <a:rPr lang="en-US" baseline="0" dirty="0" err="1" smtClean="0"/>
+              <a:t>explination</a:t>
+            </a:r>
+            <a:r>
+              <a:rPr lang="en-US" baseline="0" dirty="0" smtClean="0"/>
+              <a:t> of taxi, rental car and owning a car</a:t>
+            </a:r>
+            <a:endParaRPr lang="en-US" dirty="0"/>
+          </a:p>
+        </p:txBody>
+      </p:sp>
+      <p:sp>
+        <p:nvSpPr>
+          <p:cNvPr id="4" name="Slide Number Placeholder 3"/>
+          <p:cNvSpPr>
+            <a:spLocks noGrp="1"/>
+          </p:cNvSpPr>
+          <p:nvPr>
+            <p:ph type="sldNum" sz="quarter" idx="10"/>
+          </p:nvPr>
+        </p:nvSpPr>
+        <p:spPr/>
+        <p:txBody>
+          <a:bodyPr/>
+          <a:lstStyle/>
+          <a:p>
+            <a:fld id="{4CFD207A-07DF-40AD-A916-9872E089CE7A}" type="slidenum">
+              <a:rPr lang="en-US" smtClean="0"/>
+              <a:t>9</a:t>
+            </a:fld>
+            <a:endParaRPr lang="en-US"/>
+          </a:p>
+        </p:txBody>
+      </p:sp>
+    </p:spTree>
+    <p:extLst>
+      <p:ext uri="{BB962C8B-B14F-4D97-AF65-F5344CB8AC3E}">
+        <p14:creationId xmlns:p14="http://schemas.microsoft.com/office/powerpoint/2010/main" val="30606489"/>
       </p:ext>
     </p:extLst>
   </p:cSld>
@@ -1321,6 +2155,1323 @@
 </file>
 
 <file path=ppt/slideLayouts/slideLayout2.xml><?xml version="1.0" encoding="utf-8"?>
+<p:sldLayout xmlns:a="http://schemas.openxmlformats.org/drawingml/2006/main" xmlns:r="http://schemas.openxmlformats.org/officeDocument/2006/relationships" xmlns:p="http://schemas.openxmlformats.org/presentationml/2006/main" preserve="1" userDrawn="1">
+  <p:cSld name="DEMO Layout">
+    <p:spTree>
+      <p:nvGrpSpPr>
+        <p:cNvPr id="1" name=""/>
+        <p:cNvGrpSpPr/>
+        <p:nvPr/>
+      </p:nvGrpSpPr>
+      <p:grpSpPr>
+        <a:xfrm>
+          <a:off x="0" y="0"/>
+          <a:ext cx="0" cy="0"/>
+          <a:chOff x="0" y="0"/>
+          <a:chExt cx="0" cy="0"/>
+        </a:xfrm>
+      </p:grpSpPr>
+      <p:sp>
+        <p:nvSpPr>
+          <p:cNvPr id="3" name="Title Placeholder 9"/>
+          <p:cNvSpPr>
+            <a:spLocks noGrp="1"/>
+          </p:cNvSpPr>
+          <p:nvPr>
+            <p:ph type="title"/>
+          </p:nvPr>
+        </p:nvSpPr>
+        <p:spPr>
+          <a:xfrm>
+            <a:off x="608171" y="4468764"/>
+            <a:ext cx="11432977" cy="1676400"/>
+          </a:xfrm>
+          <a:prstGeom prst="rect">
+            <a:avLst/>
+          </a:prstGeom>
+        </p:spPr>
+        <p:txBody>
+          <a:bodyPr vert="horz" lIns="91409" tIns="45705" rIns="91409" bIns="45705" rtlCol="0" anchor="t" anchorCtr="0">
+            <a:normAutofit/>
+          </a:bodyPr>
+          <a:lstStyle>
+            <a:lvl1pPr>
+              <a:defRPr sz="3600"/>
+            </a:lvl1pPr>
+          </a:lstStyle>
+          <a:p>
+            <a:r>
+              <a:rPr lang="en-US" dirty="0" smtClean="0"/>
+              <a:t>Click to edit Master title style</a:t>
+            </a:r>
+            <a:endParaRPr lang="en-US" dirty="0"/>
+          </a:p>
+        </p:txBody>
+      </p:sp>
+      <p:sp>
+        <p:nvSpPr>
+          <p:cNvPr id="2" name="TextBox 1"/>
+          <p:cNvSpPr txBox="1"/>
+          <p:nvPr userDrawn="1"/>
+        </p:nvSpPr>
+        <p:spPr>
+          <a:xfrm>
+            <a:off x="608171" y="3087325"/>
+            <a:ext cx="11356757" cy="1107996"/>
+          </a:xfrm>
+          <a:prstGeom prst="rect">
+            <a:avLst/>
+          </a:prstGeom>
+          <a:noFill/>
+        </p:spPr>
+        <p:txBody>
+          <a:bodyPr wrap="square" rtlCol="0">
+            <a:spAutoFit/>
+          </a:bodyPr>
+          <a:lstStyle/>
+          <a:p>
+            <a:pPr defTabSz="914088"/>
+            <a:r>
+              <a:rPr lang="en-US" sz="6600" dirty="0">
+                <a:solidFill>
+                  <a:prstClr val="black"/>
+                </a:solidFill>
+                <a:latin typeface="Segoe UI Light" pitchFamily="34" charset="0"/>
+                <a:ea typeface="Segoe UI" pitchFamily="34" charset="0"/>
+                <a:cs typeface="Segoe UI" pitchFamily="34" charset="0"/>
+              </a:rPr>
+              <a:t>DEMO</a:t>
+            </a:r>
+          </a:p>
+        </p:txBody>
+      </p:sp>
+      <p:cxnSp>
+        <p:nvCxnSpPr>
+          <p:cNvPr id="6" name="Straight Connector 5"/>
+          <p:cNvCxnSpPr/>
+          <p:nvPr userDrawn="1"/>
+        </p:nvCxnSpPr>
+        <p:spPr>
+          <a:xfrm>
+            <a:off x="608171" y="4077925"/>
+            <a:ext cx="11356757" cy="0"/>
+          </a:xfrm>
+          <a:prstGeom prst="line">
+            <a:avLst/>
+          </a:prstGeom>
+          <a:ln>
+            <a:solidFill>
+              <a:schemeClr val="tx1"/>
+            </a:solidFill>
+          </a:ln>
+          <a:effectLst>
+            <a:outerShdw blurRad="50800" dist="38100" dir="2700000" algn="tl" rotWithShape="0">
+              <a:prstClr val="black">
+                <a:alpha val="40000"/>
+              </a:prstClr>
+            </a:outerShdw>
+          </a:effectLst>
+        </p:spPr>
+        <p:style>
+          <a:lnRef idx="1">
+            <a:schemeClr val="accent1"/>
+          </a:lnRef>
+          <a:fillRef idx="0">
+            <a:schemeClr val="accent1"/>
+          </a:fillRef>
+          <a:effectRef idx="0">
+            <a:schemeClr val="accent1"/>
+          </a:effectRef>
+          <a:fontRef idx="minor">
+            <a:schemeClr val="tx1"/>
+          </a:fontRef>
+        </p:style>
+      </p:cxnSp>
+      <p:sp>
+        <p:nvSpPr>
+          <p:cNvPr id="7" name="TextBox 6"/>
+          <p:cNvSpPr txBox="1"/>
+          <p:nvPr userDrawn="1"/>
+        </p:nvSpPr>
+        <p:spPr>
+          <a:xfrm>
+            <a:off x="193271" y="164177"/>
+            <a:ext cx="3691466" cy="246221"/>
+          </a:xfrm>
+          <a:prstGeom prst="rect">
+            <a:avLst/>
+          </a:prstGeom>
+          <a:noFill/>
+        </p:spPr>
+        <p:txBody>
+          <a:bodyPr wrap="square" lIns="0" tIns="0" rIns="0" bIns="0" rtlCol="0" anchor="ctr">
+            <a:spAutoFit/>
+          </a:bodyPr>
+          <a:lstStyle/>
+          <a:p>
+            <a:pPr algn="l"/>
+            <a:r>
+              <a:rPr lang="en-US" sz="1600" dirty="0" smtClean="0">
+                <a:solidFill>
+                  <a:schemeClr val="tx1">
+                    <a:lumMod val="75000"/>
+                    <a:lumOff val="25000"/>
+                    <a:alpha val="99000"/>
+                  </a:schemeClr>
+                </a:solidFill>
+                <a:latin typeface="Segoe UI" panose="020B0502040204020203" pitchFamily="34" charset="0"/>
+                <a:cs typeface="Segoe UI" panose="020B0502040204020203" pitchFamily="34" charset="0"/>
+              </a:rPr>
+              <a:t>Microsoft</a:t>
+            </a:r>
+            <a:r>
+              <a:rPr lang="en-US" sz="1600" baseline="0" dirty="0" smtClean="0">
+                <a:solidFill>
+                  <a:schemeClr val="tx1">
+                    <a:lumMod val="75000"/>
+                    <a:lumOff val="25000"/>
+                    <a:alpha val="99000"/>
+                  </a:schemeClr>
+                </a:solidFill>
+                <a:latin typeface="Segoe UI" panose="020B0502040204020203" pitchFamily="34" charset="0"/>
+                <a:cs typeface="Segoe UI" panose="020B0502040204020203" pitchFamily="34" charset="0"/>
+              </a:rPr>
+              <a:t> Virtual Academy</a:t>
+            </a:r>
+            <a:endParaRPr lang="en-US" sz="1600" dirty="0" smtClean="0">
+              <a:solidFill>
+                <a:schemeClr val="tx1">
+                  <a:lumMod val="75000"/>
+                  <a:lumOff val="25000"/>
+                  <a:alpha val="99000"/>
+                </a:schemeClr>
+              </a:solidFill>
+              <a:latin typeface="Segoe UI" panose="020B0502040204020203" pitchFamily="34" charset="0"/>
+              <a:cs typeface="Segoe UI" panose="020B0502040204020203" pitchFamily="34" charset="0"/>
+            </a:endParaRPr>
+          </a:p>
+        </p:txBody>
+      </p:sp>
+    </p:spTree>
+    <p:extLst>
+      <p:ext uri="{BB962C8B-B14F-4D97-AF65-F5344CB8AC3E}">
+        <p14:creationId xmlns:p14="http://schemas.microsoft.com/office/powerpoint/2010/main" val="3823260024"/>
+      </p:ext>
+    </p:extLst>
+  </p:cSld>
+  <p:clrMapOvr>
+    <a:masterClrMapping/>
+  </p:clrMapOvr>
+  <p:timing>
+    <p:tnLst>
+      <p:par>
+        <p:cTn id="1" dur="indefinite" restart="never" nodeType="tmRoot"/>
+      </p:par>
+    </p:tnLst>
+  </p:timing>
+</p:sldLayout>
+</file>
+
+<file path=ppt/slideLayouts/slideLayout3.xml><?xml version="1.0" encoding="utf-8"?>
+<p:sldLayout xmlns:a="http://schemas.openxmlformats.org/drawingml/2006/main" xmlns:r="http://schemas.openxmlformats.org/officeDocument/2006/relationships" xmlns:p="http://schemas.openxmlformats.org/presentationml/2006/main" preserve="1" userDrawn="1">
+  <p:cSld name="Title and Content">
+    <p:spTree>
+      <p:nvGrpSpPr>
+        <p:cNvPr id="1" name=""/>
+        <p:cNvGrpSpPr/>
+        <p:nvPr/>
+      </p:nvGrpSpPr>
+      <p:grpSpPr>
+        <a:xfrm>
+          <a:off x="0" y="0"/>
+          <a:ext cx="0" cy="0"/>
+          <a:chOff x="0" y="0"/>
+          <a:chExt cx="0" cy="0"/>
+        </a:xfrm>
+      </p:grpSpPr>
+      <p:sp>
+        <p:nvSpPr>
+          <p:cNvPr id="3" name="Title 2"/>
+          <p:cNvSpPr>
+            <a:spLocks noGrp="1"/>
+          </p:cNvSpPr>
+          <p:nvPr>
+            <p:ph type="title"/>
+          </p:nvPr>
+        </p:nvSpPr>
+        <p:spPr/>
+        <p:txBody>
+          <a:bodyPr/>
+          <a:lstStyle/>
+          <a:p>
+            <a:r>
+              <a:rPr lang="en-US" dirty="0" smtClean="0"/>
+              <a:t>Click to edit Master title style</a:t>
+            </a:r>
+            <a:endParaRPr lang="en-US" dirty="0"/>
+          </a:p>
+        </p:txBody>
+      </p:sp>
+      <p:sp>
+        <p:nvSpPr>
+          <p:cNvPr id="6" name="Content Placeholder 5"/>
+          <p:cNvSpPr>
+            <a:spLocks noGrp="1"/>
+          </p:cNvSpPr>
+          <p:nvPr>
+            <p:ph sz="quarter" idx="10"/>
+          </p:nvPr>
+        </p:nvSpPr>
+        <p:spPr>
+          <a:xfrm>
+            <a:off x="379413" y="1388226"/>
+            <a:ext cx="11525250" cy="5290388"/>
+          </a:xfrm>
+          <a:prstGeom prst="rect">
+            <a:avLst/>
+          </a:prstGeom>
+        </p:spPr>
+        <p:txBody>
+          <a:bodyPr/>
+          <a:lstStyle>
+            <a:lvl1pPr>
+              <a:spcBef>
+                <a:spcPts val="1400"/>
+              </a:spcBef>
+              <a:defRPr b="0">
+                <a:solidFill>
+                  <a:schemeClr val="tx1"/>
+                </a:solidFill>
+              </a:defRPr>
+            </a:lvl1pPr>
+            <a:lvl2pPr>
+              <a:defRPr>
+                <a:solidFill>
+                  <a:schemeClr val="tx1"/>
+                </a:solidFill>
+              </a:defRPr>
+            </a:lvl2pPr>
+            <a:lvl3pPr>
+              <a:defRPr>
+                <a:solidFill>
+                  <a:schemeClr val="tx1"/>
+                </a:solidFill>
+              </a:defRPr>
+            </a:lvl3pPr>
+            <a:lvl4pPr>
+              <a:defRPr>
+                <a:solidFill>
+                  <a:schemeClr val="tx1"/>
+                </a:solidFill>
+              </a:defRPr>
+            </a:lvl4pPr>
+            <a:lvl5pPr>
+              <a:defRPr>
+                <a:solidFill>
+                  <a:schemeClr val="tx1"/>
+                </a:solidFill>
+              </a:defRPr>
+            </a:lvl5pPr>
+          </a:lstStyle>
+          <a:p>
+            <a:pPr lvl="0"/>
+            <a:r>
+              <a:rPr lang="en-US" dirty="0" smtClean="0"/>
+              <a:t>Click to edit Master text styles</a:t>
+            </a:r>
+          </a:p>
+          <a:p>
+            <a:pPr lvl="1"/>
+            <a:r>
+              <a:rPr lang="en-US" dirty="0" smtClean="0"/>
+              <a:t>Second level</a:t>
+            </a:r>
+          </a:p>
+          <a:p>
+            <a:pPr lvl="2"/>
+            <a:r>
+              <a:rPr lang="en-US" dirty="0" smtClean="0"/>
+              <a:t>Third level</a:t>
+            </a:r>
+          </a:p>
+          <a:p>
+            <a:pPr lvl="3"/>
+            <a:r>
+              <a:rPr lang="en-US" dirty="0" smtClean="0"/>
+              <a:t>Fourth level</a:t>
+            </a:r>
+          </a:p>
+          <a:p>
+            <a:pPr lvl="4"/>
+            <a:r>
+              <a:rPr lang="en-US" dirty="0" smtClean="0"/>
+              <a:t>Fifth level</a:t>
+            </a:r>
+            <a:endParaRPr lang="en-US" dirty="0"/>
+          </a:p>
+        </p:txBody>
+      </p:sp>
+    </p:spTree>
+    <p:extLst>
+      <p:ext uri="{BB962C8B-B14F-4D97-AF65-F5344CB8AC3E}">
+        <p14:creationId xmlns:p14="http://schemas.microsoft.com/office/powerpoint/2010/main" val="1607745834"/>
+      </p:ext>
+    </p:extLst>
+  </p:cSld>
+  <p:clrMapOvr>
+    <a:masterClrMapping/>
+  </p:clrMapOvr>
+  <p:timing>
+    <p:tnLst>
+      <p:par>
+        <p:cTn id="1" dur="indefinite" restart="never" nodeType="tmRoot"/>
+      </p:par>
+    </p:tnLst>
+  </p:timing>
+</p:sldLayout>
+</file>
+
+<file path=ppt/slideLayouts/slideLayout4.xml><?xml version="1.0" encoding="utf-8"?>
+<p:sldLayout xmlns:a="http://schemas.openxmlformats.org/drawingml/2006/main" xmlns:r="http://schemas.openxmlformats.org/officeDocument/2006/relationships" xmlns:p="http://schemas.openxmlformats.org/presentationml/2006/main" preserve="1" userDrawn="1">
+  <p:cSld name="Two Content">
+    <p:spTree>
+      <p:nvGrpSpPr>
+        <p:cNvPr id="1" name=""/>
+        <p:cNvGrpSpPr/>
+        <p:nvPr/>
+      </p:nvGrpSpPr>
+      <p:grpSpPr>
+        <a:xfrm>
+          <a:off x="0" y="0"/>
+          <a:ext cx="0" cy="0"/>
+          <a:chOff x="0" y="0"/>
+          <a:chExt cx="0" cy="0"/>
+        </a:xfrm>
+      </p:grpSpPr>
+      <p:sp>
+        <p:nvSpPr>
+          <p:cNvPr id="8" name="Content Placeholder 3"/>
+          <p:cNvSpPr>
+            <a:spLocks noGrp="1"/>
+          </p:cNvSpPr>
+          <p:nvPr>
+            <p:ph sz="half" idx="2"/>
+          </p:nvPr>
+        </p:nvSpPr>
+        <p:spPr>
+          <a:xfrm>
+            <a:off x="379511" y="1371601"/>
+            <a:ext cx="5616915" cy="4953001"/>
+          </a:xfrm>
+          <a:prstGeom prst="rect">
+            <a:avLst/>
+          </a:prstGeom>
+        </p:spPr>
+        <p:txBody>
+          <a:bodyPr>
+            <a:normAutofit/>
+          </a:bodyPr>
+          <a:lstStyle>
+            <a:lvl1pPr>
+              <a:defRPr sz="3200"/>
+            </a:lvl1pPr>
+            <a:lvl2pPr>
+              <a:defRPr sz="2800"/>
+            </a:lvl2pPr>
+            <a:lvl3pPr>
+              <a:defRPr sz="2400"/>
+            </a:lvl3pPr>
+            <a:lvl4pPr>
+              <a:defRPr sz="2000"/>
+            </a:lvl4pPr>
+            <a:lvl5pPr>
+              <a:defRPr sz="2000"/>
+            </a:lvl5pPr>
+            <a:lvl6pPr>
+              <a:defRPr sz="1600"/>
+            </a:lvl6pPr>
+            <a:lvl7pPr>
+              <a:defRPr sz="1600"/>
+            </a:lvl7pPr>
+            <a:lvl8pPr>
+              <a:defRPr sz="1600"/>
+            </a:lvl8pPr>
+            <a:lvl9pPr>
+              <a:defRPr sz="1600"/>
+            </a:lvl9pPr>
+          </a:lstStyle>
+          <a:p>
+            <a:pPr lvl="0"/>
+            <a:r>
+              <a:rPr lang="en-US" dirty="0" smtClean="0"/>
+              <a:t>Click to edit Master text styles</a:t>
+            </a:r>
+          </a:p>
+          <a:p>
+            <a:pPr lvl="1"/>
+            <a:r>
+              <a:rPr lang="en-US" dirty="0" smtClean="0"/>
+              <a:t>Second level</a:t>
+            </a:r>
+          </a:p>
+          <a:p>
+            <a:pPr lvl="2"/>
+            <a:r>
+              <a:rPr lang="en-US" dirty="0" smtClean="0"/>
+              <a:t>Third level</a:t>
+            </a:r>
+          </a:p>
+          <a:p>
+            <a:pPr lvl="3"/>
+            <a:r>
+              <a:rPr lang="en-US" dirty="0" smtClean="0"/>
+              <a:t>Fourth level</a:t>
+            </a:r>
+          </a:p>
+          <a:p>
+            <a:pPr lvl="4"/>
+            <a:r>
+              <a:rPr lang="en-US" dirty="0" smtClean="0"/>
+              <a:t>Fifth level</a:t>
+            </a:r>
+            <a:endParaRPr lang="en-US" dirty="0"/>
+          </a:p>
+        </p:txBody>
+      </p:sp>
+      <p:sp>
+        <p:nvSpPr>
+          <p:cNvPr id="9" name="Content Placeholder 5"/>
+          <p:cNvSpPr>
+            <a:spLocks noGrp="1"/>
+          </p:cNvSpPr>
+          <p:nvPr>
+            <p:ph sz="quarter" idx="4"/>
+          </p:nvPr>
+        </p:nvSpPr>
+        <p:spPr>
+          <a:xfrm>
+            <a:off x="6275742" y="1371601"/>
+            <a:ext cx="5619121" cy="4953001"/>
+          </a:xfrm>
+          <a:prstGeom prst="rect">
+            <a:avLst/>
+          </a:prstGeom>
+        </p:spPr>
+        <p:txBody>
+          <a:bodyPr>
+            <a:normAutofit/>
+          </a:bodyPr>
+          <a:lstStyle>
+            <a:lvl1pPr>
+              <a:defRPr sz="3200"/>
+            </a:lvl1pPr>
+            <a:lvl2pPr>
+              <a:defRPr sz="2800"/>
+            </a:lvl2pPr>
+            <a:lvl3pPr>
+              <a:defRPr sz="2400"/>
+            </a:lvl3pPr>
+            <a:lvl4pPr>
+              <a:defRPr sz="2000"/>
+            </a:lvl4pPr>
+            <a:lvl5pPr>
+              <a:defRPr sz="2000"/>
+            </a:lvl5pPr>
+            <a:lvl6pPr>
+              <a:defRPr sz="1600"/>
+            </a:lvl6pPr>
+            <a:lvl7pPr>
+              <a:defRPr sz="1600"/>
+            </a:lvl7pPr>
+            <a:lvl8pPr>
+              <a:defRPr sz="1600"/>
+            </a:lvl8pPr>
+            <a:lvl9pPr>
+              <a:defRPr sz="1600"/>
+            </a:lvl9pPr>
+          </a:lstStyle>
+          <a:p>
+            <a:pPr lvl="0"/>
+            <a:r>
+              <a:rPr lang="en-US" dirty="0" smtClean="0"/>
+              <a:t>Click to edit Master text styles</a:t>
+            </a:r>
+          </a:p>
+          <a:p>
+            <a:pPr lvl="1"/>
+            <a:r>
+              <a:rPr lang="en-US" dirty="0" smtClean="0"/>
+              <a:t>Second level</a:t>
+            </a:r>
+          </a:p>
+          <a:p>
+            <a:pPr lvl="2"/>
+            <a:r>
+              <a:rPr lang="en-US" dirty="0" smtClean="0"/>
+              <a:t>Third level</a:t>
+            </a:r>
+          </a:p>
+          <a:p>
+            <a:pPr lvl="3"/>
+            <a:r>
+              <a:rPr lang="en-US" dirty="0" smtClean="0"/>
+              <a:t>Fourth level</a:t>
+            </a:r>
+          </a:p>
+          <a:p>
+            <a:pPr lvl="4"/>
+            <a:r>
+              <a:rPr lang="en-US" dirty="0" smtClean="0"/>
+              <a:t>Fifth level</a:t>
+            </a:r>
+            <a:endParaRPr lang="en-US" dirty="0"/>
+          </a:p>
+        </p:txBody>
+      </p:sp>
+      <p:sp>
+        <p:nvSpPr>
+          <p:cNvPr id="2" name="Title 1"/>
+          <p:cNvSpPr>
+            <a:spLocks noGrp="1"/>
+          </p:cNvSpPr>
+          <p:nvPr>
+            <p:ph type="title"/>
+          </p:nvPr>
+        </p:nvSpPr>
+        <p:spPr/>
+        <p:txBody>
+          <a:bodyPr/>
+          <a:lstStyle/>
+          <a:p>
+            <a:r>
+              <a:rPr lang="en-US" smtClean="0"/>
+              <a:t>Click to edit Master title style</a:t>
+            </a:r>
+            <a:endParaRPr lang="en-US"/>
+          </a:p>
+        </p:txBody>
+      </p:sp>
+    </p:spTree>
+    <p:extLst>
+      <p:ext uri="{BB962C8B-B14F-4D97-AF65-F5344CB8AC3E}">
+        <p14:creationId xmlns:p14="http://schemas.microsoft.com/office/powerpoint/2010/main" val="3199461456"/>
+      </p:ext>
+    </p:extLst>
+  </p:cSld>
+  <p:clrMapOvr>
+    <a:masterClrMapping/>
+  </p:clrMapOvr>
+  <p:timing>
+    <p:tnLst>
+      <p:par>
+        <p:cTn id="1" dur="indefinite" restart="never" nodeType="tmRoot"/>
+      </p:par>
+    </p:tnLst>
+  </p:timing>
+</p:sldLayout>
+</file>
+
+<file path=ppt/slideLayouts/slideLayout5.xml><?xml version="1.0" encoding="utf-8"?>
+<p:sldLayout xmlns:a="http://schemas.openxmlformats.org/drawingml/2006/main" xmlns:r="http://schemas.openxmlformats.org/officeDocument/2006/relationships" xmlns:p="http://schemas.openxmlformats.org/presentationml/2006/main" preserve="1" userDrawn="1">
+  <p:cSld name="Comparison">
+    <p:spTree>
+      <p:nvGrpSpPr>
+        <p:cNvPr id="1" name=""/>
+        <p:cNvGrpSpPr/>
+        <p:nvPr/>
+      </p:nvGrpSpPr>
+      <p:grpSpPr>
+        <a:xfrm>
+          <a:off x="0" y="0"/>
+          <a:ext cx="0" cy="0"/>
+          <a:chOff x="0" y="0"/>
+          <a:chExt cx="0" cy="0"/>
+        </a:xfrm>
+      </p:grpSpPr>
+      <p:sp>
+        <p:nvSpPr>
+          <p:cNvPr id="3" name="Text Placeholder 2"/>
+          <p:cNvSpPr>
+            <a:spLocks noGrp="1"/>
+          </p:cNvSpPr>
+          <p:nvPr>
+            <p:ph type="body" idx="1"/>
+          </p:nvPr>
+        </p:nvSpPr>
+        <p:spPr>
+          <a:xfrm>
+            <a:off x="379511" y="1330656"/>
+            <a:ext cx="5616915" cy="639762"/>
+          </a:xfrm>
+          <a:prstGeom prst="rect">
+            <a:avLst/>
+          </a:prstGeom>
+          <a:solidFill>
+            <a:srgbClr val="86C400"/>
+          </a:solidFill>
+        </p:spPr>
+        <p:txBody>
+          <a:bodyPr anchor="b">
+            <a:normAutofit/>
+          </a:bodyPr>
+          <a:lstStyle>
+            <a:lvl1pPr marL="0" indent="0">
+              <a:buNone/>
+              <a:defRPr sz="3200" b="1">
+                <a:solidFill>
+                  <a:schemeClr val="bg1"/>
+                </a:solidFill>
+                <a:effectLst/>
+              </a:defRPr>
+            </a:lvl1pPr>
+            <a:lvl2pPr marL="457044" indent="0">
+              <a:buNone/>
+              <a:defRPr sz="2000" b="1"/>
+            </a:lvl2pPr>
+            <a:lvl3pPr marL="914088" indent="0">
+              <a:buNone/>
+              <a:defRPr sz="1800" b="1"/>
+            </a:lvl3pPr>
+            <a:lvl4pPr marL="1371133" indent="0">
+              <a:buNone/>
+              <a:defRPr sz="1600" b="1"/>
+            </a:lvl4pPr>
+            <a:lvl5pPr marL="1828178" indent="0">
+              <a:buNone/>
+              <a:defRPr sz="1600" b="1"/>
+            </a:lvl5pPr>
+            <a:lvl6pPr marL="2285222" indent="0">
+              <a:buNone/>
+              <a:defRPr sz="1600" b="1"/>
+            </a:lvl6pPr>
+            <a:lvl7pPr marL="2742267" indent="0">
+              <a:buNone/>
+              <a:defRPr sz="1600" b="1"/>
+            </a:lvl7pPr>
+            <a:lvl8pPr marL="3199311" indent="0">
+              <a:buNone/>
+              <a:defRPr sz="1600" b="1"/>
+            </a:lvl8pPr>
+            <a:lvl9pPr marL="3656358" indent="0">
+              <a:buNone/>
+              <a:defRPr sz="1600" b="1"/>
+            </a:lvl9pPr>
+          </a:lstStyle>
+          <a:p>
+            <a:pPr lvl="0"/>
+            <a:r>
+              <a:rPr lang="en-US" dirty="0" smtClean="0"/>
+              <a:t>Click to edit Master text styles</a:t>
+            </a:r>
+          </a:p>
+        </p:txBody>
+      </p:sp>
+      <p:sp>
+        <p:nvSpPr>
+          <p:cNvPr id="4" name="Content Placeholder 3"/>
+          <p:cNvSpPr>
+            <a:spLocks noGrp="1"/>
+          </p:cNvSpPr>
+          <p:nvPr>
+            <p:ph sz="half" idx="2"/>
+          </p:nvPr>
+        </p:nvSpPr>
+        <p:spPr>
+          <a:xfrm>
+            <a:off x="379511" y="1981200"/>
+            <a:ext cx="5616915" cy="4648200"/>
+          </a:xfrm>
+          <a:prstGeom prst="rect">
+            <a:avLst/>
+          </a:prstGeom>
+        </p:spPr>
+        <p:txBody>
+          <a:bodyPr/>
+          <a:lstStyle>
+            <a:lvl1pPr>
+              <a:defRPr sz="2800"/>
+            </a:lvl1pPr>
+            <a:lvl2pPr>
+              <a:defRPr sz="2400"/>
+            </a:lvl2pPr>
+            <a:lvl3pPr>
+              <a:defRPr sz="2000"/>
+            </a:lvl3pPr>
+            <a:lvl4pPr>
+              <a:defRPr sz="1800"/>
+            </a:lvl4pPr>
+            <a:lvl5pPr>
+              <a:defRPr sz="1800"/>
+            </a:lvl5pPr>
+            <a:lvl6pPr>
+              <a:defRPr sz="1600"/>
+            </a:lvl6pPr>
+            <a:lvl7pPr>
+              <a:defRPr sz="1600"/>
+            </a:lvl7pPr>
+            <a:lvl8pPr>
+              <a:defRPr sz="1600"/>
+            </a:lvl8pPr>
+            <a:lvl9pPr>
+              <a:defRPr sz="1600"/>
+            </a:lvl9pPr>
+          </a:lstStyle>
+          <a:p>
+            <a:pPr lvl="0"/>
+            <a:r>
+              <a:rPr lang="en-US" dirty="0" smtClean="0"/>
+              <a:t>Click to edit Master text styles</a:t>
+            </a:r>
+          </a:p>
+          <a:p>
+            <a:pPr lvl="1"/>
+            <a:r>
+              <a:rPr lang="en-US" dirty="0" smtClean="0"/>
+              <a:t>Second level</a:t>
+            </a:r>
+          </a:p>
+          <a:p>
+            <a:pPr lvl="2"/>
+            <a:r>
+              <a:rPr lang="en-US" dirty="0" smtClean="0"/>
+              <a:t>Third level</a:t>
+            </a:r>
+          </a:p>
+          <a:p>
+            <a:pPr lvl="3"/>
+            <a:r>
+              <a:rPr lang="en-US" dirty="0" smtClean="0"/>
+              <a:t>Fourth level</a:t>
+            </a:r>
+          </a:p>
+          <a:p>
+            <a:pPr lvl="4"/>
+            <a:r>
+              <a:rPr lang="en-US" dirty="0" smtClean="0"/>
+              <a:t>Fifth level</a:t>
+            </a:r>
+            <a:endParaRPr lang="en-US" dirty="0"/>
+          </a:p>
+        </p:txBody>
+      </p:sp>
+      <p:sp>
+        <p:nvSpPr>
+          <p:cNvPr id="5" name="Text Placeholder 4"/>
+          <p:cNvSpPr>
+            <a:spLocks noGrp="1"/>
+          </p:cNvSpPr>
+          <p:nvPr>
+            <p:ph type="body" sz="quarter" idx="3"/>
+          </p:nvPr>
+        </p:nvSpPr>
+        <p:spPr>
+          <a:xfrm>
+            <a:off x="6345807" y="1330656"/>
+            <a:ext cx="5619121" cy="639762"/>
+          </a:xfrm>
+          <a:prstGeom prst="rect">
+            <a:avLst/>
+          </a:prstGeom>
+          <a:solidFill>
+            <a:srgbClr val="1F497D"/>
+          </a:solidFill>
+        </p:spPr>
+        <p:txBody>
+          <a:bodyPr anchor="b">
+            <a:normAutofit/>
+          </a:bodyPr>
+          <a:lstStyle>
+            <a:lvl1pPr marL="0" indent="0">
+              <a:buNone/>
+              <a:defRPr sz="3200" b="1">
+                <a:solidFill>
+                  <a:schemeClr val="bg1"/>
+                </a:solidFill>
+                <a:effectLst/>
+              </a:defRPr>
+            </a:lvl1pPr>
+            <a:lvl2pPr marL="457044" indent="0">
+              <a:buNone/>
+              <a:defRPr sz="2000" b="1"/>
+            </a:lvl2pPr>
+            <a:lvl3pPr marL="914088" indent="0">
+              <a:buNone/>
+              <a:defRPr sz="1800" b="1"/>
+            </a:lvl3pPr>
+            <a:lvl4pPr marL="1371133" indent="0">
+              <a:buNone/>
+              <a:defRPr sz="1600" b="1"/>
+            </a:lvl4pPr>
+            <a:lvl5pPr marL="1828178" indent="0">
+              <a:buNone/>
+              <a:defRPr sz="1600" b="1"/>
+            </a:lvl5pPr>
+            <a:lvl6pPr marL="2285222" indent="0">
+              <a:buNone/>
+              <a:defRPr sz="1600" b="1"/>
+            </a:lvl6pPr>
+            <a:lvl7pPr marL="2742267" indent="0">
+              <a:buNone/>
+              <a:defRPr sz="1600" b="1"/>
+            </a:lvl7pPr>
+            <a:lvl8pPr marL="3199311" indent="0">
+              <a:buNone/>
+              <a:defRPr sz="1600" b="1"/>
+            </a:lvl8pPr>
+            <a:lvl9pPr marL="3656358" indent="0">
+              <a:buNone/>
+              <a:defRPr sz="1600" b="1"/>
+            </a:lvl9pPr>
+          </a:lstStyle>
+          <a:p>
+            <a:pPr lvl="0"/>
+            <a:r>
+              <a:rPr lang="en-US" dirty="0" smtClean="0"/>
+              <a:t>Click to edit Master text styles</a:t>
+            </a:r>
+          </a:p>
+        </p:txBody>
+      </p:sp>
+      <p:sp>
+        <p:nvSpPr>
+          <p:cNvPr id="6" name="Content Placeholder 5"/>
+          <p:cNvSpPr>
+            <a:spLocks noGrp="1"/>
+          </p:cNvSpPr>
+          <p:nvPr>
+            <p:ph sz="quarter" idx="4"/>
+          </p:nvPr>
+        </p:nvSpPr>
+        <p:spPr>
+          <a:xfrm>
+            <a:off x="6345807" y="1981200"/>
+            <a:ext cx="5619121" cy="4648200"/>
+          </a:xfrm>
+          <a:prstGeom prst="rect">
+            <a:avLst/>
+          </a:prstGeom>
+        </p:spPr>
+        <p:txBody>
+          <a:bodyPr/>
+          <a:lstStyle>
+            <a:lvl1pPr>
+              <a:defRPr sz="2800"/>
+            </a:lvl1pPr>
+            <a:lvl2pPr>
+              <a:defRPr sz="2400"/>
+            </a:lvl2pPr>
+            <a:lvl3pPr>
+              <a:defRPr sz="2000"/>
+            </a:lvl3pPr>
+            <a:lvl4pPr>
+              <a:defRPr sz="1800"/>
+            </a:lvl4pPr>
+            <a:lvl5pPr>
+              <a:defRPr sz="1800"/>
+            </a:lvl5pPr>
+            <a:lvl6pPr>
+              <a:defRPr sz="1600"/>
+            </a:lvl6pPr>
+            <a:lvl7pPr>
+              <a:defRPr sz="1600"/>
+            </a:lvl7pPr>
+            <a:lvl8pPr>
+              <a:defRPr sz="1600"/>
+            </a:lvl8pPr>
+            <a:lvl9pPr>
+              <a:defRPr sz="1600"/>
+            </a:lvl9pPr>
+          </a:lstStyle>
+          <a:p>
+            <a:pPr lvl="0"/>
+            <a:r>
+              <a:rPr lang="en-US" dirty="0" smtClean="0"/>
+              <a:t>Click to edit Master text styles</a:t>
+            </a:r>
+          </a:p>
+          <a:p>
+            <a:pPr lvl="1"/>
+            <a:r>
+              <a:rPr lang="en-US" dirty="0" smtClean="0"/>
+              <a:t>Second level</a:t>
+            </a:r>
+          </a:p>
+          <a:p>
+            <a:pPr lvl="2"/>
+            <a:r>
+              <a:rPr lang="en-US" dirty="0" smtClean="0"/>
+              <a:t>Third level</a:t>
+            </a:r>
+          </a:p>
+          <a:p>
+            <a:pPr lvl="3"/>
+            <a:r>
+              <a:rPr lang="en-US" dirty="0" smtClean="0"/>
+              <a:t>Fourth level</a:t>
+            </a:r>
+          </a:p>
+          <a:p>
+            <a:pPr lvl="4"/>
+            <a:r>
+              <a:rPr lang="en-US" dirty="0" smtClean="0"/>
+              <a:t>Fifth level</a:t>
+            </a:r>
+            <a:endParaRPr lang="en-US" dirty="0"/>
+          </a:p>
+        </p:txBody>
+      </p:sp>
+      <p:sp>
+        <p:nvSpPr>
+          <p:cNvPr id="2" name="Title 1"/>
+          <p:cNvSpPr>
+            <a:spLocks noGrp="1"/>
+          </p:cNvSpPr>
+          <p:nvPr>
+            <p:ph type="title"/>
+          </p:nvPr>
+        </p:nvSpPr>
+        <p:spPr/>
+        <p:txBody>
+          <a:bodyPr/>
+          <a:lstStyle/>
+          <a:p>
+            <a:r>
+              <a:rPr lang="en-US" smtClean="0"/>
+              <a:t>Click to edit Master title style</a:t>
+            </a:r>
+            <a:endParaRPr lang="en-US"/>
+          </a:p>
+        </p:txBody>
+      </p:sp>
+    </p:spTree>
+    <p:extLst>
+      <p:ext uri="{BB962C8B-B14F-4D97-AF65-F5344CB8AC3E}">
+        <p14:creationId xmlns:p14="http://schemas.microsoft.com/office/powerpoint/2010/main" val="669021601"/>
+      </p:ext>
+    </p:extLst>
+  </p:cSld>
+  <p:clrMapOvr>
+    <a:masterClrMapping/>
+  </p:clrMapOvr>
+  <p:timing>
+    <p:tnLst>
+      <p:par>
+        <p:cTn id="1" dur="indefinite" restart="never" nodeType="tmRoot"/>
+      </p:par>
+    </p:tnLst>
+  </p:timing>
+</p:sldLayout>
+</file>
+
+<file path=ppt/slideLayouts/slideLayout6.xml><?xml version="1.0" encoding="utf-8"?>
+<p:sldLayout xmlns:a="http://schemas.openxmlformats.org/drawingml/2006/main" xmlns:r="http://schemas.openxmlformats.org/officeDocument/2006/relationships" xmlns:p="http://schemas.openxmlformats.org/presentationml/2006/main" preserve="1" userDrawn="1">
+  <p:cSld name="Title Only">
+    <p:spTree>
+      <p:nvGrpSpPr>
+        <p:cNvPr id="1" name=""/>
+        <p:cNvGrpSpPr/>
+        <p:nvPr/>
+      </p:nvGrpSpPr>
+      <p:grpSpPr>
+        <a:xfrm>
+          <a:off x="0" y="0"/>
+          <a:ext cx="0" cy="0"/>
+          <a:chOff x="0" y="0"/>
+          <a:chExt cx="0" cy="0"/>
+        </a:xfrm>
+      </p:grpSpPr>
+      <p:sp>
+        <p:nvSpPr>
+          <p:cNvPr id="2" name="Title 1"/>
+          <p:cNvSpPr>
+            <a:spLocks noGrp="1"/>
+          </p:cNvSpPr>
+          <p:nvPr>
+            <p:ph type="title"/>
+          </p:nvPr>
+        </p:nvSpPr>
+        <p:spPr/>
+        <p:txBody>
+          <a:bodyPr/>
+          <a:lstStyle/>
+          <a:p>
+            <a:r>
+              <a:rPr lang="en-US" smtClean="0"/>
+              <a:t>Click to edit Master title style</a:t>
+            </a:r>
+            <a:endParaRPr lang="en-US"/>
+          </a:p>
+        </p:txBody>
+      </p:sp>
+    </p:spTree>
+    <p:extLst>
+      <p:ext uri="{BB962C8B-B14F-4D97-AF65-F5344CB8AC3E}">
+        <p14:creationId xmlns:p14="http://schemas.microsoft.com/office/powerpoint/2010/main" val="67839895"/>
+      </p:ext>
+    </p:extLst>
+  </p:cSld>
+  <p:clrMapOvr>
+    <a:masterClrMapping/>
+  </p:clrMapOvr>
+  <p:timing>
+    <p:tnLst>
+      <p:par>
+        <p:cTn id="1" dur="indefinite" restart="never" nodeType="tmRoot"/>
+      </p:par>
+    </p:tnLst>
+  </p:timing>
+</p:sldLayout>
+</file>
+
+<file path=ppt/slideLayouts/slideLayout7.xml><?xml version="1.0" encoding="utf-8"?>
+<p:sldLayout xmlns:a="http://schemas.openxmlformats.org/drawingml/2006/main" xmlns:r="http://schemas.openxmlformats.org/officeDocument/2006/relationships" xmlns:p="http://schemas.openxmlformats.org/presentationml/2006/main" type="blank" preserve="1">
+  <p:cSld name="Blank">
+    <p:spTree>
+      <p:nvGrpSpPr>
+        <p:cNvPr id="1" name=""/>
+        <p:cNvGrpSpPr/>
+        <p:nvPr/>
+      </p:nvGrpSpPr>
+      <p:grpSpPr>
+        <a:xfrm>
+          <a:off x="0" y="0"/>
+          <a:ext cx="0" cy="0"/>
+          <a:chOff x="0" y="0"/>
+          <a:chExt cx="0" cy="0"/>
+        </a:xfrm>
+      </p:grpSpPr>
+    </p:spTree>
+    <p:extLst>
+      <p:ext uri="{BB962C8B-B14F-4D97-AF65-F5344CB8AC3E}">
+        <p14:creationId xmlns:p14="http://schemas.microsoft.com/office/powerpoint/2010/main" val="1728541262"/>
+      </p:ext>
+    </p:extLst>
+  </p:cSld>
+  <p:clrMapOvr>
+    <a:masterClrMapping/>
+  </p:clrMapOvr>
+  <p:timing>
+    <p:tnLst>
+      <p:par>
+        <p:cTn id="1" dur="indefinite" restart="never" nodeType="tmRoot"/>
+      </p:par>
+    </p:tnLst>
+  </p:timing>
+</p:sldLayout>
+</file>
+
+<file path=ppt/slideLayouts/slideLayout8.xml><?xml version="1.0" encoding="utf-8"?>
+<p:sldLayout xmlns:a="http://schemas.openxmlformats.org/drawingml/2006/main" xmlns:r="http://schemas.openxmlformats.org/officeDocument/2006/relationships" xmlns:p="http://schemas.openxmlformats.org/presentationml/2006/main" preserve="1" userDrawn="1">
+  <p:cSld name="5_Blank Color 1 Layout">
+    <p:spTree>
+      <p:nvGrpSpPr>
+        <p:cNvPr id="1" name=""/>
+        <p:cNvGrpSpPr/>
+        <p:nvPr/>
+      </p:nvGrpSpPr>
+      <p:grpSpPr>
+        <a:xfrm>
+          <a:off x="0" y="0"/>
+          <a:ext cx="0" cy="0"/>
+          <a:chOff x="0" y="0"/>
+          <a:chExt cx="0" cy="0"/>
+        </a:xfrm>
+      </p:grpSpPr>
+      <p:sp>
+        <p:nvSpPr>
+          <p:cNvPr id="6" name="top right small rectangle"/>
+          <p:cNvSpPr/>
+          <p:nvPr userDrawn="1"/>
+        </p:nvSpPr>
+        <p:spPr bwMode="auto">
+          <a:xfrm>
+            <a:off x="0" y="0"/>
+            <a:ext cx="12192000" cy="6858000"/>
+          </a:xfrm>
+          <a:prstGeom prst="rect">
+            <a:avLst/>
+          </a:prstGeom>
+          <a:solidFill>
+            <a:srgbClr val="002050"/>
+          </a:solidFill>
+          <a:ln>
+            <a:noFill/>
+            <a:headEnd type="none" w="med" len="med"/>
+            <a:tailEnd type="none" w="med" len="med"/>
+          </a:ln>
+        </p:spPr>
+        <p:style>
+          <a:lnRef idx="2">
+            <a:schemeClr val="accent5">
+              <a:shade val="50000"/>
+            </a:schemeClr>
+          </a:lnRef>
+          <a:fillRef idx="1">
+            <a:schemeClr val="accent5"/>
+          </a:fillRef>
+          <a:effectRef idx="0">
+            <a:schemeClr val="accent5"/>
+          </a:effectRef>
+          <a:fontRef idx="minor">
+            <a:schemeClr val="lt1"/>
+          </a:fontRef>
+        </p:style>
+        <p:txBody>
+          <a:bodyPr vert="horz" wrap="square" lIns="91404" tIns="45703" rIns="91404" bIns="45703" numCol="1" rtlCol="0" anchor="ctr" anchorCtr="0" compatLnSpc="1">
+            <a:prstTxWarp prst="textNoShape">
+              <a:avLst/>
+            </a:prstTxWarp>
+          </a:bodyPr>
+          <a:lstStyle/>
+          <a:p>
+            <a:pPr algn="ctr" defTabSz="913788" fontAlgn="base">
+              <a:spcBef>
+                <a:spcPct val="0"/>
+              </a:spcBef>
+              <a:spcAft>
+                <a:spcPct val="0"/>
+              </a:spcAft>
+            </a:pPr>
+            <a:endParaRPr lang="en-US" sz="2200" dirty="0">
+              <a:gradFill>
+                <a:gsLst>
+                  <a:gs pos="0">
+                    <a:srgbClr val="FFFFFF"/>
+                  </a:gs>
+                  <a:gs pos="100000">
+                    <a:srgbClr val="FFFFFF"/>
+                  </a:gs>
+                </a:gsLst>
+                <a:lin ang="5400000" scaled="0"/>
+              </a:gradFill>
+            </a:endParaRPr>
+          </a:p>
+        </p:txBody>
+      </p:sp>
+      <p:sp>
+        <p:nvSpPr>
+          <p:cNvPr id="11" name="Rectangle 2"/>
+          <p:cNvSpPr>
+            <a:spLocks noChangeArrowheads="1"/>
+          </p:cNvSpPr>
+          <p:nvPr userDrawn="1"/>
+        </p:nvSpPr>
+        <p:spPr bwMode="auto">
+          <a:xfrm>
+            <a:off x="530087" y="5960743"/>
+            <a:ext cx="11078818" cy="738664"/>
+          </a:xfrm>
+          <a:prstGeom prst="rect">
+            <a:avLst/>
+          </a:prstGeom>
+          <a:noFill/>
+          <a:ln w="9525">
+            <a:noFill/>
+            <a:miter lim="800000"/>
+            <a:headEnd/>
+            <a:tailEnd/>
+          </a:ln>
+        </p:spPr>
+        <p:txBody>
+          <a:bodyPr wrap="square">
+            <a:spAutoFit/>
+          </a:bodyPr>
+          <a:lstStyle/>
+          <a:p>
+            <a:pPr marL="0" lvl="1" defTabSz="914088">
+              <a:defRPr/>
+            </a:pPr>
+            <a:r>
+              <a:rPr lang="en-US" sz="1050" dirty="0">
+                <a:solidFill>
+                  <a:schemeClr val="bg1">
+                    <a:lumMod val="85000"/>
+                  </a:schemeClr>
+                </a:solidFill>
+              </a:rPr>
+              <a:t>©</a:t>
+            </a:r>
+            <a:r>
+              <a:rPr lang="en-US" sz="1050" dirty="0" smtClean="0">
+                <a:solidFill>
+                  <a:schemeClr val="bg1">
+                    <a:lumMod val="85000"/>
+                  </a:schemeClr>
+                </a:solidFill>
+              </a:rPr>
+              <a:t>2014 </a:t>
+            </a:r>
+            <a:r>
+              <a:rPr lang="en-US" sz="1050" dirty="0">
+                <a:solidFill>
+                  <a:schemeClr val="bg1">
+                    <a:lumMod val="85000"/>
+                  </a:schemeClr>
+                </a:solidFill>
+              </a:rPr>
+              <a:t>Microsoft Corporation. All rights reserved. Microsoft, Windows, Office, Azure, System Center, Dynamics and other product names are or may be registered trademarks and/or trademarks in the U.S. and/or other countries. The information herein is for informational purposes only and represents the current view of Microsoft Corporation as of the date of this presentation. Because Microsoft must respond to changing market conditions, it should not be interpreted to be a commitment on the part of Microsoft, and Microsoft cannot guarantee the accuracy of any information provided after the date of this presentation. MICROSOFT MAKES NO WARRANTIES, EXPRESS, IMPLIED OR STATUTORY, AS TO THE INFORMATION IN THIS PRESENTATION.</a:t>
+            </a:r>
+          </a:p>
+        </p:txBody>
+      </p:sp>
+      <p:pic>
+        <p:nvPicPr>
+          <p:cNvPr id="5" name="Picture 4"/>
+          <p:cNvPicPr>
+            <a:picLocks noChangeAspect="1"/>
+          </p:cNvPicPr>
+          <p:nvPr userDrawn="1"/>
+        </p:nvPicPr>
+        <p:blipFill rotWithShape="1">
+          <a:blip r:embed="rId2" cstate="print">
+            <a:extLst>
+              <a:ext uri="{28A0092B-C50C-407E-A947-70E740481C1C}">
+                <a14:useLocalDpi xmlns:a14="http://schemas.microsoft.com/office/drawing/2010/main" val="0"/>
+              </a:ext>
+            </a:extLst>
+          </a:blip>
+          <a:srcRect l="9719"/>
+          <a:stretch/>
+        </p:blipFill>
+        <p:spPr>
+          <a:xfrm>
+            <a:off x="530087" y="2940117"/>
+            <a:ext cx="5473148" cy="2229412"/>
+          </a:xfrm>
+          <a:prstGeom prst="rect">
+            <a:avLst/>
+          </a:prstGeom>
+        </p:spPr>
+      </p:pic>
+    </p:spTree>
+    <p:extLst>
+      <p:ext uri="{BB962C8B-B14F-4D97-AF65-F5344CB8AC3E}">
+        <p14:creationId xmlns:p14="http://schemas.microsoft.com/office/powerpoint/2010/main" val="2667837224"/>
+      </p:ext>
+    </p:extLst>
+  </p:cSld>
+  <p:clrMapOvr>
+    <a:masterClrMapping/>
+  </p:clrMapOvr>
+  <mc:AlternateContent xmlns:mc="http://schemas.openxmlformats.org/markup-compatibility/2006" xmlns:p14="http://schemas.microsoft.com/office/powerpoint/2010/main">
+    <mc:Choice Requires="p14">
+      <p:transition spd="slow" p14:dur="2000"/>
+    </mc:Choice>
+    <mc:Fallback xmlns="">
+      <p:transition spd="slow"/>
+    </mc:Fallback>
+  </mc:AlternateContent>
+  <p:timing>
+    <p:tnLst>
+      <p:par>
+        <p:cTn id="1" dur="indefinite" restart="never" nodeType="tmRoot"/>
+      </p:par>
+    </p:tnLst>
+  </p:timing>
+</p:sldLayout>
+</file>
+
+<file path=ppt/slideLayouts/slideLayout9.xml><?xml version="1.0" encoding="utf-8"?>
 <p:sldLayout xmlns:a="http://schemas.openxmlformats.org/drawingml/2006/main" xmlns:r="http://schemas.openxmlformats.org/officeDocument/2006/relationships" xmlns:p="http://schemas.openxmlformats.org/presentationml/2006/main" userDrawn="1">
   <p:cSld name="1_Section Header">
     <p:spTree>
@@ -1941,7 +4092,7 @@
     </p:spTree>
     <p:extLst>
       <p:ext uri="{BB962C8B-B14F-4D97-AF65-F5344CB8AC3E}">
-        <p14:creationId xmlns:p14="http://schemas.microsoft.com/office/powerpoint/2010/main" val="3891348690"/>
+        <p14:creationId xmlns:p14="http://schemas.microsoft.com/office/powerpoint/2010/main" val="671853356"/>
       </p:ext>
     </p:extLst>
   </p:cSld>
@@ -1974,1323 +4125,6 @@
 </p:sldLayout>
 </file>
 
-<file path=ppt/slideLayouts/slideLayout3.xml><?xml version="1.0" encoding="utf-8"?>
-<p:sldLayout xmlns:a="http://schemas.openxmlformats.org/drawingml/2006/main" xmlns:r="http://schemas.openxmlformats.org/officeDocument/2006/relationships" xmlns:p="http://schemas.openxmlformats.org/presentationml/2006/main" preserve="1" userDrawn="1">
-  <p:cSld name="DEMO Layout">
-    <p:spTree>
-      <p:nvGrpSpPr>
-        <p:cNvPr id="1" name=""/>
-        <p:cNvGrpSpPr/>
-        <p:nvPr/>
-      </p:nvGrpSpPr>
-      <p:grpSpPr>
-        <a:xfrm>
-          <a:off x="0" y="0"/>
-          <a:ext cx="0" cy="0"/>
-          <a:chOff x="0" y="0"/>
-          <a:chExt cx="0" cy="0"/>
-        </a:xfrm>
-      </p:grpSpPr>
-      <p:sp>
-        <p:nvSpPr>
-          <p:cNvPr id="3" name="Title Placeholder 9"/>
-          <p:cNvSpPr>
-            <a:spLocks noGrp="1"/>
-          </p:cNvSpPr>
-          <p:nvPr>
-            <p:ph type="title"/>
-          </p:nvPr>
-        </p:nvSpPr>
-        <p:spPr>
-          <a:xfrm>
-            <a:off x="608171" y="4468764"/>
-            <a:ext cx="11432977" cy="1676400"/>
-          </a:xfrm>
-          <a:prstGeom prst="rect">
-            <a:avLst/>
-          </a:prstGeom>
-        </p:spPr>
-        <p:txBody>
-          <a:bodyPr vert="horz" lIns="91409" tIns="45705" rIns="91409" bIns="45705" rtlCol="0" anchor="t" anchorCtr="0">
-            <a:normAutofit/>
-          </a:bodyPr>
-          <a:lstStyle>
-            <a:lvl1pPr>
-              <a:defRPr sz="3600"/>
-            </a:lvl1pPr>
-          </a:lstStyle>
-          <a:p>
-            <a:r>
-              <a:rPr lang="en-US" dirty="0" smtClean="0"/>
-              <a:t>Click to edit Master title style</a:t>
-            </a:r>
-            <a:endParaRPr lang="en-US" dirty="0"/>
-          </a:p>
-        </p:txBody>
-      </p:sp>
-      <p:sp>
-        <p:nvSpPr>
-          <p:cNvPr id="2" name="TextBox 1"/>
-          <p:cNvSpPr txBox="1"/>
-          <p:nvPr userDrawn="1"/>
-        </p:nvSpPr>
-        <p:spPr>
-          <a:xfrm>
-            <a:off x="608171" y="3087325"/>
-            <a:ext cx="11356757" cy="1107996"/>
-          </a:xfrm>
-          <a:prstGeom prst="rect">
-            <a:avLst/>
-          </a:prstGeom>
-          <a:noFill/>
-        </p:spPr>
-        <p:txBody>
-          <a:bodyPr wrap="square" rtlCol="0">
-            <a:spAutoFit/>
-          </a:bodyPr>
-          <a:lstStyle/>
-          <a:p>
-            <a:pPr defTabSz="914088"/>
-            <a:r>
-              <a:rPr lang="en-US" sz="6600" dirty="0">
-                <a:solidFill>
-                  <a:prstClr val="black"/>
-                </a:solidFill>
-                <a:latin typeface="Segoe UI Light" pitchFamily="34" charset="0"/>
-                <a:ea typeface="Segoe UI" pitchFamily="34" charset="0"/>
-                <a:cs typeface="Segoe UI" pitchFamily="34" charset="0"/>
-              </a:rPr>
-              <a:t>DEMO</a:t>
-            </a:r>
-          </a:p>
-        </p:txBody>
-      </p:sp>
-      <p:cxnSp>
-        <p:nvCxnSpPr>
-          <p:cNvPr id="6" name="Straight Connector 5"/>
-          <p:cNvCxnSpPr/>
-          <p:nvPr userDrawn="1"/>
-        </p:nvCxnSpPr>
-        <p:spPr>
-          <a:xfrm>
-            <a:off x="608171" y="4077925"/>
-            <a:ext cx="11356757" cy="0"/>
-          </a:xfrm>
-          <a:prstGeom prst="line">
-            <a:avLst/>
-          </a:prstGeom>
-          <a:ln>
-            <a:solidFill>
-              <a:schemeClr val="tx1"/>
-            </a:solidFill>
-          </a:ln>
-          <a:effectLst>
-            <a:outerShdw blurRad="50800" dist="38100" dir="2700000" algn="tl" rotWithShape="0">
-              <a:prstClr val="black">
-                <a:alpha val="40000"/>
-              </a:prstClr>
-            </a:outerShdw>
-          </a:effectLst>
-        </p:spPr>
-        <p:style>
-          <a:lnRef idx="1">
-            <a:schemeClr val="accent1"/>
-          </a:lnRef>
-          <a:fillRef idx="0">
-            <a:schemeClr val="accent1"/>
-          </a:fillRef>
-          <a:effectRef idx="0">
-            <a:schemeClr val="accent1"/>
-          </a:effectRef>
-          <a:fontRef idx="minor">
-            <a:schemeClr val="tx1"/>
-          </a:fontRef>
-        </p:style>
-      </p:cxnSp>
-      <p:sp>
-        <p:nvSpPr>
-          <p:cNvPr id="7" name="TextBox 6"/>
-          <p:cNvSpPr txBox="1"/>
-          <p:nvPr userDrawn="1"/>
-        </p:nvSpPr>
-        <p:spPr>
-          <a:xfrm>
-            <a:off x="193271" y="164177"/>
-            <a:ext cx="3691466" cy="246221"/>
-          </a:xfrm>
-          <a:prstGeom prst="rect">
-            <a:avLst/>
-          </a:prstGeom>
-          <a:noFill/>
-        </p:spPr>
-        <p:txBody>
-          <a:bodyPr wrap="square" lIns="0" tIns="0" rIns="0" bIns="0" rtlCol="0" anchor="ctr">
-            <a:spAutoFit/>
-          </a:bodyPr>
-          <a:lstStyle/>
-          <a:p>
-            <a:pPr algn="l"/>
-            <a:r>
-              <a:rPr lang="en-US" sz="1600" dirty="0" smtClean="0">
-                <a:solidFill>
-                  <a:schemeClr val="tx1">
-                    <a:lumMod val="75000"/>
-                    <a:lumOff val="25000"/>
-                    <a:alpha val="99000"/>
-                  </a:schemeClr>
-                </a:solidFill>
-                <a:latin typeface="Segoe UI" panose="020B0502040204020203" pitchFamily="34" charset="0"/>
-                <a:cs typeface="Segoe UI" panose="020B0502040204020203" pitchFamily="34" charset="0"/>
-              </a:rPr>
-              <a:t>Microsoft</a:t>
-            </a:r>
-            <a:r>
-              <a:rPr lang="en-US" sz="1600" baseline="0" dirty="0" smtClean="0">
-                <a:solidFill>
-                  <a:schemeClr val="tx1">
-                    <a:lumMod val="75000"/>
-                    <a:lumOff val="25000"/>
-                    <a:alpha val="99000"/>
-                  </a:schemeClr>
-                </a:solidFill>
-                <a:latin typeface="Segoe UI" panose="020B0502040204020203" pitchFamily="34" charset="0"/>
-                <a:cs typeface="Segoe UI" panose="020B0502040204020203" pitchFamily="34" charset="0"/>
-              </a:rPr>
-              <a:t> Virtual Academy</a:t>
-            </a:r>
-            <a:endParaRPr lang="en-US" sz="1600" dirty="0" smtClean="0">
-              <a:solidFill>
-                <a:schemeClr val="tx1">
-                  <a:lumMod val="75000"/>
-                  <a:lumOff val="25000"/>
-                  <a:alpha val="99000"/>
-                </a:schemeClr>
-              </a:solidFill>
-              <a:latin typeface="Segoe UI" panose="020B0502040204020203" pitchFamily="34" charset="0"/>
-              <a:cs typeface="Segoe UI" panose="020B0502040204020203" pitchFamily="34" charset="0"/>
-            </a:endParaRPr>
-          </a:p>
-        </p:txBody>
-      </p:sp>
-    </p:spTree>
-    <p:extLst>
-      <p:ext uri="{BB962C8B-B14F-4D97-AF65-F5344CB8AC3E}">
-        <p14:creationId xmlns:p14="http://schemas.microsoft.com/office/powerpoint/2010/main" val="3823260024"/>
-      </p:ext>
-    </p:extLst>
-  </p:cSld>
-  <p:clrMapOvr>
-    <a:masterClrMapping/>
-  </p:clrMapOvr>
-  <p:timing>
-    <p:tnLst>
-      <p:par>
-        <p:cTn id="1" dur="indefinite" restart="never" nodeType="tmRoot"/>
-      </p:par>
-    </p:tnLst>
-  </p:timing>
-</p:sldLayout>
-</file>
-
-<file path=ppt/slideLayouts/slideLayout4.xml><?xml version="1.0" encoding="utf-8"?>
-<p:sldLayout xmlns:a="http://schemas.openxmlformats.org/drawingml/2006/main" xmlns:r="http://schemas.openxmlformats.org/officeDocument/2006/relationships" xmlns:p="http://schemas.openxmlformats.org/presentationml/2006/main" preserve="1" userDrawn="1">
-  <p:cSld name="Title and Content">
-    <p:spTree>
-      <p:nvGrpSpPr>
-        <p:cNvPr id="1" name=""/>
-        <p:cNvGrpSpPr/>
-        <p:nvPr/>
-      </p:nvGrpSpPr>
-      <p:grpSpPr>
-        <a:xfrm>
-          <a:off x="0" y="0"/>
-          <a:ext cx="0" cy="0"/>
-          <a:chOff x="0" y="0"/>
-          <a:chExt cx="0" cy="0"/>
-        </a:xfrm>
-      </p:grpSpPr>
-      <p:sp>
-        <p:nvSpPr>
-          <p:cNvPr id="3" name="Title 2"/>
-          <p:cNvSpPr>
-            <a:spLocks noGrp="1"/>
-          </p:cNvSpPr>
-          <p:nvPr>
-            <p:ph type="title"/>
-          </p:nvPr>
-        </p:nvSpPr>
-        <p:spPr/>
-        <p:txBody>
-          <a:bodyPr/>
-          <a:lstStyle/>
-          <a:p>
-            <a:r>
-              <a:rPr lang="en-US" dirty="0" smtClean="0"/>
-              <a:t>Click to edit Master title style</a:t>
-            </a:r>
-            <a:endParaRPr lang="en-US" dirty="0"/>
-          </a:p>
-        </p:txBody>
-      </p:sp>
-      <p:sp>
-        <p:nvSpPr>
-          <p:cNvPr id="6" name="Content Placeholder 5"/>
-          <p:cNvSpPr>
-            <a:spLocks noGrp="1"/>
-          </p:cNvSpPr>
-          <p:nvPr>
-            <p:ph sz="quarter" idx="10"/>
-          </p:nvPr>
-        </p:nvSpPr>
-        <p:spPr>
-          <a:xfrm>
-            <a:off x="379413" y="1388226"/>
-            <a:ext cx="11525250" cy="5290388"/>
-          </a:xfrm>
-          <a:prstGeom prst="rect">
-            <a:avLst/>
-          </a:prstGeom>
-        </p:spPr>
-        <p:txBody>
-          <a:bodyPr/>
-          <a:lstStyle>
-            <a:lvl1pPr>
-              <a:spcBef>
-                <a:spcPts val="1400"/>
-              </a:spcBef>
-              <a:defRPr b="0">
-                <a:solidFill>
-                  <a:schemeClr val="tx1"/>
-                </a:solidFill>
-              </a:defRPr>
-            </a:lvl1pPr>
-            <a:lvl2pPr>
-              <a:defRPr>
-                <a:solidFill>
-                  <a:schemeClr val="tx1"/>
-                </a:solidFill>
-              </a:defRPr>
-            </a:lvl2pPr>
-            <a:lvl3pPr>
-              <a:defRPr>
-                <a:solidFill>
-                  <a:schemeClr val="tx1"/>
-                </a:solidFill>
-              </a:defRPr>
-            </a:lvl3pPr>
-            <a:lvl4pPr>
-              <a:defRPr>
-                <a:solidFill>
-                  <a:schemeClr val="tx1"/>
-                </a:solidFill>
-              </a:defRPr>
-            </a:lvl4pPr>
-            <a:lvl5pPr>
-              <a:defRPr>
-                <a:solidFill>
-                  <a:schemeClr val="tx1"/>
-                </a:solidFill>
-              </a:defRPr>
-            </a:lvl5pPr>
-          </a:lstStyle>
-          <a:p>
-            <a:pPr lvl="0"/>
-            <a:r>
-              <a:rPr lang="en-US" dirty="0" smtClean="0"/>
-              <a:t>Click to edit Master text styles</a:t>
-            </a:r>
-          </a:p>
-          <a:p>
-            <a:pPr lvl="1"/>
-            <a:r>
-              <a:rPr lang="en-US" dirty="0" smtClean="0"/>
-              <a:t>Second level</a:t>
-            </a:r>
-          </a:p>
-          <a:p>
-            <a:pPr lvl="2"/>
-            <a:r>
-              <a:rPr lang="en-US" dirty="0" smtClean="0"/>
-              <a:t>Third level</a:t>
-            </a:r>
-          </a:p>
-          <a:p>
-            <a:pPr lvl="3"/>
-            <a:r>
-              <a:rPr lang="en-US" dirty="0" smtClean="0"/>
-              <a:t>Fourth level</a:t>
-            </a:r>
-          </a:p>
-          <a:p>
-            <a:pPr lvl="4"/>
-            <a:r>
-              <a:rPr lang="en-US" dirty="0" smtClean="0"/>
-              <a:t>Fifth level</a:t>
-            </a:r>
-            <a:endParaRPr lang="en-US" dirty="0"/>
-          </a:p>
-        </p:txBody>
-      </p:sp>
-    </p:spTree>
-    <p:extLst>
-      <p:ext uri="{BB962C8B-B14F-4D97-AF65-F5344CB8AC3E}">
-        <p14:creationId xmlns:p14="http://schemas.microsoft.com/office/powerpoint/2010/main" val="1607745834"/>
-      </p:ext>
-    </p:extLst>
-  </p:cSld>
-  <p:clrMapOvr>
-    <a:masterClrMapping/>
-  </p:clrMapOvr>
-  <p:timing>
-    <p:tnLst>
-      <p:par>
-        <p:cTn id="1" dur="indefinite" restart="never" nodeType="tmRoot"/>
-      </p:par>
-    </p:tnLst>
-  </p:timing>
-</p:sldLayout>
-</file>
-
-<file path=ppt/slideLayouts/slideLayout5.xml><?xml version="1.0" encoding="utf-8"?>
-<p:sldLayout xmlns:a="http://schemas.openxmlformats.org/drawingml/2006/main" xmlns:r="http://schemas.openxmlformats.org/officeDocument/2006/relationships" xmlns:p="http://schemas.openxmlformats.org/presentationml/2006/main" preserve="1" userDrawn="1">
-  <p:cSld name="Two Content">
-    <p:spTree>
-      <p:nvGrpSpPr>
-        <p:cNvPr id="1" name=""/>
-        <p:cNvGrpSpPr/>
-        <p:nvPr/>
-      </p:nvGrpSpPr>
-      <p:grpSpPr>
-        <a:xfrm>
-          <a:off x="0" y="0"/>
-          <a:ext cx="0" cy="0"/>
-          <a:chOff x="0" y="0"/>
-          <a:chExt cx="0" cy="0"/>
-        </a:xfrm>
-      </p:grpSpPr>
-      <p:sp>
-        <p:nvSpPr>
-          <p:cNvPr id="8" name="Content Placeholder 3"/>
-          <p:cNvSpPr>
-            <a:spLocks noGrp="1"/>
-          </p:cNvSpPr>
-          <p:nvPr>
-            <p:ph sz="half" idx="2"/>
-          </p:nvPr>
-        </p:nvSpPr>
-        <p:spPr>
-          <a:xfrm>
-            <a:off x="379511" y="1371601"/>
-            <a:ext cx="5616915" cy="4953001"/>
-          </a:xfrm>
-          <a:prstGeom prst="rect">
-            <a:avLst/>
-          </a:prstGeom>
-        </p:spPr>
-        <p:txBody>
-          <a:bodyPr>
-            <a:normAutofit/>
-          </a:bodyPr>
-          <a:lstStyle>
-            <a:lvl1pPr>
-              <a:defRPr sz="3200"/>
-            </a:lvl1pPr>
-            <a:lvl2pPr>
-              <a:defRPr sz="2800"/>
-            </a:lvl2pPr>
-            <a:lvl3pPr>
-              <a:defRPr sz="2400"/>
-            </a:lvl3pPr>
-            <a:lvl4pPr>
-              <a:defRPr sz="2000"/>
-            </a:lvl4pPr>
-            <a:lvl5pPr>
-              <a:defRPr sz="2000"/>
-            </a:lvl5pPr>
-            <a:lvl6pPr>
-              <a:defRPr sz="1600"/>
-            </a:lvl6pPr>
-            <a:lvl7pPr>
-              <a:defRPr sz="1600"/>
-            </a:lvl7pPr>
-            <a:lvl8pPr>
-              <a:defRPr sz="1600"/>
-            </a:lvl8pPr>
-            <a:lvl9pPr>
-              <a:defRPr sz="1600"/>
-            </a:lvl9pPr>
-          </a:lstStyle>
-          <a:p>
-            <a:pPr lvl="0"/>
-            <a:r>
-              <a:rPr lang="en-US" dirty="0" smtClean="0"/>
-              <a:t>Click to edit Master text styles</a:t>
-            </a:r>
-          </a:p>
-          <a:p>
-            <a:pPr lvl="1"/>
-            <a:r>
-              <a:rPr lang="en-US" dirty="0" smtClean="0"/>
-              <a:t>Second level</a:t>
-            </a:r>
-          </a:p>
-          <a:p>
-            <a:pPr lvl="2"/>
-            <a:r>
-              <a:rPr lang="en-US" dirty="0" smtClean="0"/>
-              <a:t>Third level</a:t>
-            </a:r>
-          </a:p>
-          <a:p>
-            <a:pPr lvl="3"/>
-            <a:r>
-              <a:rPr lang="en-US" dirty="0" smtClean="0"/>
-              <a:t>Fourth level</a:t>
-            </a:r>
-          </a:p>
-          <a:p>
-            <a:pPr lvl="4"/>
-            <a:r>
-              <a:rPr lang="en-US" dirty="0" smtClean="0"/>
-              <a:t>Fifth level</a:t>
-            </a:r>
-            <a:endParaRPr lang="en-US" dirty="0"/>
-          </a:p>
-        </p:txBody>
-      </p:sp>
-      <p:sp>
-        <p:nvSpPr>
-          <p:cNvPr id="9" name="Content Placeholder 5"/>
-          <p:cNvSpPr>
-            <a:spLocks noGrp="1"/>
-          </p:cNvSpPr>
-          <p:nvPr>
-            <p:ph sz="quarter" idx="4"/>
-          </p:nvPr>
-        </p:nvSpPr>
-        <p:spPr>
-          <a:xfrm>
-            <a:off x="6275742" y="1371601"/>
-            <a:ext cx="5619121" cy="4953001"/>
-          </a:xfrm>
-          <a:prstGeom prst="rect">
-            <a:avLst/>
-          </a:prstGeom>
-        </p:spPr>
-        <p:txBody>
-          <a:bodyPr>
-            <a:normAutofit/>
-          </a:bodyPr>
-          <a:lstStyle>
-            <a:lvl1pPr>
-              <a:defRPr sz="3200"/>
-            </a:lvl1pPr>
-            <a:lvl2pPr>
-              <a:defRPr sz="2800"/>
-            </a:lvl2pPr>
-            <a:lvl3pPr>
-              <a:defRPr sz="2400"/>
-            </a:lvl3pPr>
-            <a:lvl4pPr>
-              <a:defRPr sz="2000"/>
-            </a:lvl4pPr>
-            <a:lvl5pPr>
-              <a:defRPr sz="2000"/>
-            </a:lvl5pPr>
-            <a:lvl6pPr>
-              <a:defRPr sz="1600"/>
-            </a:lvl6pPr>
-            <a:lvl7pPr>
-              <a:defRPr sz="1600"/>
-            </a:lvl7pPr>
-            <a:lvl8pPr>
-              <a:defRPr sz="1600"/>
-            </a:lvl8pPr>
-            <a:lvl9pPr>
-              <a:defRPr sz="1600"/>
-            </a:lvl9pPr>
-          </a:lstStyle>
-          <a:p>
-            <a:pPr lvl="0"/>
-            <a:r>
-              <a:rPr lang="en-US" dirty="0" smtClean="0"/>
-              <a:t>Click to edit Master text styles</a:t>
-            </a:r>
-          </a:p>
-          <a:p>
-            <a:pPr lvl="1"/>
-            <a:r>
-              <a:rPr lang="en-US" dirty="0" smtClean="0"/>
-              <a:t>Second level</a:t>
-            </a:r>
-          </a:p>
-          <a:p>
-            <a:pPr lvl="2"/>
-            <a:r>
-              <a:rPr lang="en-US" dirty="0" smtClean="0"/>
-              <a:t>Third level</a:t>
-            </a:r>
-          </a:p>
-          <a:p>
-            <a:pPr lvl="3"/>
-            <a:r>
-              <a:rPr lang="en-US" dirty="0" smtClean="0"/>
-              <a:t>Fourth level</a:t>
-            </a:r>
-          </a:p>
-          <a:p>
-            <a:pPr lvl="4"/>
-            <a:r>
-              <a:rPr lang="en-US" dirty="0" smtClean="0"/>
-              <a:t>Fifth level</a:t>
-            </a:r>
-            <a:endParaRPr lang="en-US" dirty="0"/>
-          </a:p>
-        </p:txBody>
-      </p:sp>
-      <p:sp>
-        <p:nvSpPr>
-          <p:cNvPr id="2" name="Title 1"/>
-          <p:cNvSpPr>
-            <a:spLocks noGrp="1"/>
-          </p:cNvSpPr>
-          <p:nvPr>
-            <p:ph type="title"/>
-          </p:nvPr>
-        </p:nvSpPr>
-        <p:spPr/>
-        <p:txBody>
-          <a:bodyPr/>
-          <a:lstStyle/>
-          <a:p>
-            <a:r>
-              <a:rPr lang="en-US" smtClean="0"/>
-              <a:t>Click to edit Master title style</a:t>
-            </a:r>
-            <a:endParaRPr lang="en-US"/>
-          </a:p>
-        </p:txBody>
-      </p:sp>
-    </p:spTree>
-    <p:extLst>
-      <p:ext uri="{BB962C8B-B14F-4D97-AF65-F5344CB8AC3E}">
-        <p14:creationId xmlns:p14="http://schemas.microsoft.com/office/powerpoint/2010/main" val="3199461456"/>
-      </p:ext>
-    </p:extLst>
-  </p:cSld>
-  <p:clrMapOvr>
-    <a:masterClrMapping/>
-  </p:clrMapOvr>
-  <p:timing>
-    <p:tnLst>
-      <p:par>
-        <p:cTn id="1" dur="indefinite" restart="never" nodeType="tmRoot"/>
-      </p:par>
-    </p:tnLst>
-  </p:timing>
-</p:sldLayout>
-</file>
-
-<file path=ppt/slideLayouts/slideLayout6.xml><?xml version="1.0" encoding="utf-8"?>
-<p:sldLayout xmlns:a="http://schemas.openxmlformats.org/drawingml/2006/main" xmlns:r="http://schemas.openxmlformats.org/officeDocument/2006/relationships" xmlns:p="http://schemas.openxmlformats.org/presentationml/2006/main" preserve="1" userDrawn="1">
-  <p:cSld name="Comparison">
-    <p:spTree>
-      <p:nvGrpSpPr>
-        <p:cNvPr id="1" name=""/>
-        <p:cNvGrpSpPr/>
-        <p:nvPr/>
-      </p:nvGrpSpPr>
-      <p:grpSpPr>
-        <a:xfrm>
-          <a:off x="0" y="0"/>
-          <a:ext cx="0" cy="0"/>
-          <a:chOff x="0" y="0"/>
-          <a:chExt cx="0" cy="0"/>
-        </a:xfrm>
-      </p:grpSpPr>
-      <p:sp>
-        <p:nvSpPr>
-          <p:cNvPr id="3" name="Text Placeholder 2"/>
-          <p:cNvSpPr>
-            <a:spLocks noGrp="1"/>
-          </p:cNvSpPr>
-          <p:nvPr>
-            <p:ph type="body" idx="1"/>
-          </p:nvPr>
-        </p:nvSpPr>
-        <p:spPr>
-          <a:xfrm>
-            <a:off x="379511" y="1330656"/>
-            <a:ext cx="5616915" cy="639762"/>
-          </a:xfrm>
-          <a:prstGeom prst="rect">
-            <a:avLst/>
-          </a:prstGeom>
-          <a:solidFill>
-            <a:srgbClr val="86C400"/>
-          </a:solidFill>
-        </p:spPr>
-        <p:txBody>
-          <a:bodyPr anchor="b">
-            <a:normAutofit/>
-          </a:bodyPr>
-          <a:lstStyle>
-            <a:lvl1pPr marL="0" indent="0">
-              <a:buNone/>
-              <a:defRPr sz="3200" b="1">
-                <a:solidFill>
-                  <a:schemeClr val="bg1"/>
-                </a:solidFill>
-                <a:effectLst/>
-              </a:defRPr>
-            </a:lvl1pPr>
-            <a:lvl2pPr marL="457044" indent="0">
-              <a:buNone/>
-              <a:defRPr sz="2000" b="1"/>
-            </a:lvl2pPr>
-            <a:lvl3pPr marL="914088" indent="0">
-              <a:buNone/>
-              <a:defRPr sz="1800" b="1"/>
-            </a:lvl3pPr>
-            <a:lvl4pPr marL="1371133" indent="0">
-              <a:buNone/>
-              <a:defRPr sz="1600" b="1"/>
-            </a:lvl4pPr>
-            <a:lvl5pPr marL="1828178" indent="0">
-              <a:buNone/>
-              <a:defRPr sz="1600" b="1"/>
-            </a:lvl5pPr>
-            <a:lvl6pPr marL="2285222" indent="0">
-              <a:buNone/>
-              <a:defRPr sz="1600" b="1"/>
-            </a:lvl6pPr>
-            <a:lvl7pPr marL="2742267" indent="0">
-              <a:buNone/>
-              <a:defRPr sz="1600" b="1"/>
-            </a:lvl7pPr>
-            <a:lvl8pPr marL="3199311" indent="0">
-              <a:buNone/>
-              <a:defRPr sz="1600" b="1"/>
-            </a:lvl8pPr>
-            <a:lvl9pPr marL="3656358" indent="0">
-              <a:buNone/>
-              <a:defRPr sz="1600" b="1"/>
-            </a:lvl9pPr>
-          </a:lstStyle>
-          <a:p>
-            <a:pPr lvl="0"/>
-            <a:r>
-              <a:rPr lang="en-US" dirty="0" smtClean="0"/>
-              <a:t>Click to edit Master text styles</a:t>
-            </a:r>
-          </a:p>
-        </p:txBody>
-      </p:sp>
-      <p:sp>
-        <p:nvSpPr>
-          <p:cNvPr id="4" name="Content Placeholder 3"/>
-          <p:cNvSpPr>
-            <a:spLocks noGrp="1"/>
-          </p:cNvSpPr>
-          <p:nvPr>
-            <p:ph sz="half" idx="2"/>
-          </p:nvPr>
-        </p:nvSpPr>
-        <p:spPr>
-          <a:xfrm>
-            <a:off x="379511" y="1981200"/>
-            <a:ext cx="5616915" cy="4648200"/>
-          </a:xfrm>
-          <a:prstGeom prst="rect">
-            <a:avLst/>
-          </a:prstGeom>
-        </p:spPr>
-        <p:txBody>
-          <a:bodyPr/>
-          <a:lstStyle>
-            <a:lvl1pPr>
-              <a:defRPr sz="2800"/>
-            </a:lvl1pPr>
-            <a:lvl2pPr>
-              <a:defRPr sz="2400"/>
-            </a:lvl2pPr>
-            <a:lvl3pPr>
-              <a:defRPr sz="2000"/>
-            </a:lvl3pPr>
-            <a:lvl4pPr>
-              <a:defRPr sz="1800"/>
-            </a:lvl4pPr>
-            <a:lvl5pPr>
-              <a:defRPr sz="1800"/>
-            </a:lvl5pPr>
-            <a:lvl6pPr>
-              <a:defRPr sz="1600"/>
-            </a:lvl6pPr>
-            <a:lvl7pPr>
-              <a:defRPr sz="1600"/>
-            </a:lvl7pPr>
-            <a:lvl8pPr>
-              <a:defRPr sz="1600"/>
-            </a:lvl8pPr>
-            <a:lvl9pPr>
-              <a:defRPr sz="1600"/>
-            </a:lvl9pPr>
-          </a:lstStyle>
-          <a:p>
-            <a:pPr lvl="0"/>
-            <a:r>
-              <a:rPr lang="en-US" dirty="0" smtClean="0"/>
-              <a:t>Click to edit Master text styles</a:t>
-            </a:r>
-          </a:p>
-          <a:p>
-            <a:pPr lvl="1"/>
-            <a:r>
-              <a:rPr lang="en-US" dirty="0" smtClean="0"/>
-              <a:t>Second level</a:t>
-            </a:r>
-          </a:p>
-          <a:p>
-            <a:pPr lvl="2"/>
-            <a:r>
-              <a:rPr lang="en-US" dirty="0" smtClean="0"/>
-              <a:t>Third level</a:t>
-            </a:r>
-          </a:p>
-          <a:p>
-            <a:pPr lvl="3"/>
-            <a:r>
-              <a:rPr lang="en-US" dirty="0" smtClean="0"/>
-              <a:t>Fourth level</a:t>
-            </a:r>
-          </a:p>
-          <a:p>
-            <a:pPr lvl="4"/>
-            <a:r>
-              <a:rPr lang="en-US" dirty="0" smtClean="0"/>
-              <a:t>Fifth level</a:t>
-            </a:r>
-            <a:endParaRPr lang="en-US" dirty="0"/>
-          </a:p>
-        </p:txBody>
-      </p:sp>
-      <p:sp>
-        <p:nvSpPr>
-          <p:cNvPr id="5" name="Text Placeholder 4"/>
-          <p:cNvSpPr>
-            <a:spLocks noGrp="1"/>
-          </p:cNvSpPr>
-          <p:nvPr>
-            <p:ph type="body" sz="quarter" idx="3"/>
-          </p:nvPr>
-        </p:nvSpPr>
-        <p:spPr>
-          <a:xfrm>
-            <a:off x="6345807" y="1330656"/>
-            <a:ext cx="5619121" cy="639762"/>
-          </a:xfrm>
-          <a:prstGeom prst="rect">
-            <a:avLst/>
-          </a:prstGeom>
-          <a:solidFill>
-            <a:srgbClr val="1F497D"/>
-          </a:solidFill>
-        </p:spPr>
-        <p:txBody>
-          <a:bodyPr anchor="b">
-            <a:normAutofit/>
-          </a:bodyPr>
-          <a:lstStyle>
-            <a:lvl1pPr marL="0" indent="0">
-              <a:buNone/>
-              <a:defRPr sz="3200" b="1">
-                <a:solidFill>
-                  <a:schemeClr val="bg1"/>
-                </a:solidFill>
-                <a:effectLst/>
-              </a:defRPr>
-            </a:lvl1pPr>
-            <a:lvl2pPr marL="457044" indent="0">
-              <a:buNone/>
-              <a:defRPr sz="2000" b="1"/>
-            </a:lvl2pPr>
-            <a:lvl3pPr marL="914088" indent="0">
-              <a:buNone/>
-              <a:defRPr sz="1800" b="1"/>
-            </a:lvl3pPr>
-            <a:lvl4pPr marL="1371133" indent="0">
-              <a:buNone/>
-              <a:defRPr sz="1600" b="1"/>
-            </a:lvl4pPr>
-            <a:lvl5pPr marL="1828178" indent="0">
-              <a:buNone/>
-              <a:defRPr sz="1600" b="1"/>
-            </a:lvl5pPr>
-            <a:lvl6pPr marL="2285222" indent="0">
-              <a:buNone/>
-              <a:defRPr sz="1600" b="1"/>
-            </a:lvl6pPr>
-            <a:lvl7pPr marL="2742267" indent="0">
-              <a:buNone/>
-              <a:defRPr sz="1600" b="1"/>
-            </a:lvl7pPr>
-            <a:lvl8pPr marL="3199311" indent="0">
-              <a:buNone/>
-              <a:defRPr sz="1600" b="1"/>
-            </a:lvl8pPr>
-            <a:lvl9pPr marL="3656358" indent="0">
-              <a:buNone/>
-              <a:defRPr sz="1600" b="1"/>
-            </a:lvl9pPr>
-          </a:lstStyle>
-          <a:p>
-            <a:pPr lvl="0"/>
-            <a:r>
-              <a:rPr lang="en-US" dirty="0" smtClean="0"/>
-              <a:t>Click to edit Master text styles</a:t>
-            </a:r>
-          </a:p>
-        </p:txBody>
-      </p:sp>
-      <p:sp>
-        <p:nvSpPr>
-          <p:cNvPr id="6" name="Content Placeholder 5"/>
-          <p:cNvSpPr>
-            <a:spLocks noGrp="1"/>
-          </p:cNvSpPr>
-          <p:nvPr>
-            <p:ph sz="quarter" idx="4"/>
-          </p:nvPr>
-        </p:nvSpPr>
-        <p:spPr>
-          <a:xfrm>
-            <a:off x="6345807" y="1981200"/>
-            <a:ext cx="5619121" cy="4648200"/>
-          </a:xfrm>
-          <a:prstGeom prst="rect">
-            <a:avLst/>
-          </a:prstGeom>
-        </p:spPr>
-        <p:txBody>
-          <a:bodyPr/>
-          <a:lstStyle>
-            <a:lvl1pPr>
-              <a:defRPr sz="2800"/>
-            </a:lvl1pPr>
-            <a:lvl2pPr>
-              <a:defRPr sz="2400"/>
-            </a:lvl2pPr>
-            <a:lvl3pPr>
-              <a:defRPr sz="2000"/>
-            </a:lvl3pPr>
-            <a:lvl4pPr>
-              <a:defRPr sz="1800"/>
-            </a:lvl4pPr>
-            <a:lvl5pPr>
-              <a:defRPr sz="1800"/>
-            </a:lvl5pPr>
-            <a:lvl6pPr>
-              <a:defRPr sz="1600"/>
-            </a:lvl6pPr>
-            <a:lvl7pPr>
-              <a:defRPr sz="1600"/>
-            </a:lvl7pPr>
-            <a:lvl8pPr>
-              <a:defRPr sz="1600"/>
-            </a:lvl8pPr>
-            <a:lvl9pPr>
-              <a:defRPr sz="1600"/>
-            </a:lvl9pPr>
-          </a:lstStyle>
-          <a:p>
-            <a:pPr lvl="0"/>
-            <a:r>
-              <a:rPr lang="en-US" dirty="0" smtClean="0"/>
-              <a:t>Click to edit Master text styles</a:t>
-            </a:r>
-          </a:p>
-          <a:p>
-            <a:pPr lvl="1"/>
-            <a:r>
-              <a:rPr lang="en-US" dirty="0" smtClean="0"/>
-              <a:t>Second level</a:t>
-            </a:r>
-          </a:p>
-          <a:p>
-            <a:pPr lvl="2"/>
-            <a:r>
-              <a:rPr lang="en-US" dirty="0" smtClean="0"/>
-              <a:t>Third level</a:t>
-            </a:r>
-          </a:p>
-          <a:p>
-            <a:pPr lvl="3"/>
-            <a:r>
-              <a:rPr lang="en-US" dirty="0" smtClean="0"/>
-              <a:t>Fourth level</a:t>
-            </a:r>
-          </a:p>
-          <a:p>
-            <a:pPr lvl="4"/>
-            <a:r>
-              <a:rPr lang="en-US" dirty="0" smtClean="0"/>
-              <a:t>Fifth level</a:t>
-            </a:r>
-            <a:endParaRPr lang="en-US" dirty="0"/>
-          </a:p>
-        </p:txBody>
-      </p:sp>
-      <p:sp>
-        <p:nvSpPr>
-          <p:cNvPr id="2" name="Title 1"/>
-          <p:cNvSpPr>
-            <a:spLocks noGrp="1"/>
-          </p:cNvSpPr>
-          <p:nvPr>
-            <p:ph type="title"/>
-          </p:nvPr>
-        </p:nvSpPr>
-        <p:spPr/>
-        <p:txBody>
-          <a:bodyPr/>
-          <a:lstStyle/>
-          <a:p>
-            <a:r>
-              <a:rPr lang="en-US" smtClean="0"/>
-              <a:t>Click to edit Master title style</a:t>
-            </a:r>
-            <a:endParaRPr lang="en-US"/>
-          </a:p>
-        </p:txBody>
-      </p:sp>
-    </p:spTree>
-    <p:extLst>
-      <p:ext uri="{BB962C8B-B14F-4D97-AF65-F5344CB8AC3E}">
-        <p14:creationId xmlns:p14="http://schemas.microsoft.com/office/powerpoint/2010/main" val="669021601"/>
-      </p:ext>
-    </p:extLst>
-  </p:cSld>
-  <p:clrMapOvr>
-    <a:masterClrMapping/>
-  </p:clrMapOvr>
-  <p:timing>
-    <p:tnLst>
-      <p:par>
-        <p:cTn id="1" dur="indefinite" restart="never" nodeType="tmRoot"/>
-      </p:par>
-    </p:tnLst>
-  </p:timing>
-</p:sldLayout>
-</file>
-
-<file path=ppt/slideLayouts/slideLayout7.xml><?xml version="1.0" encoding="utf-8"?>
-<p:sldLayout xmlns:a="http://schemas.openxmlformats.org/drawingml/2006/main" xmlns:r="http://schemas.openxmlformats.org/officeDocument/2006/relationships" xmlns:p="http://schemas.openxmlformats.org/presentationml/2006/main" preserve="1" userDrawn="1">
-  <p:cSld name="Title Only">
-    <p:spTree>
-      <p:nvGrpSpPr>
-        <p:cNvPr id="1" name=""/>
-        <p:cNvGrpSpPr/>
-        <p:nvPr/>
-      </p:nvGrpSpPr>
-      <p:grpSpPr>
-        <a:xfrm>
-          <a:off x="0" y="0"/>
-          <a:ext cx="0" cy="0"/>
-          <a:chOff x="0" y="0"/>
-          <a:chExt cx="0" cy="0"/>
-        </a:xfrm>
-      </p:grpSpPr>
-      <p:sp>
-        <p:nvSpPr>
-          <p:cNvPr id="2" name="Title 1"/>
-          <p:cNvSpPr>
-            <a:spLocks noGrp="1"/>
-          </p:cNvSpPr>
-          <p:nvPr>
-            <p:ph type="title"/>
-          </p:nvPr>
-        </p:nvSpPr>
-        <p:spPr/>
-        <p:txBody>
-          <a:bodyPr/>
-          <a:lstStyle/>
-          <a:p>
-            <a:r>
-              <a:rPr lang="en-US" smtClean="0"/>
-              <a:t>Click to edit Master title style</a:t>
-            </a:r>
-            <a:endParaRPr lang="en-US"/>
-          </a:p>
-        </p:txBody>
-      </p:sp>
-    </p:spTree>
-    <p:extLst>
-      <p:ext uri="{BB962C8B-B14F-4D97-AF65-F5344CB8AC3E}">
-        <p14:creationId xmlns:p14="http://schemas.microsoft.com/office/powerpoint/2010/main" val="67839895"/>
-      </p:ext>
-    </p:extLst>
-  </p:cSld>
-  <p:clrMapOvr>
-    <a:masterClrMapping/>
-  </p:clrMapOvr>
-  <p:timing>
-    <p:tnLst>
-      <p:par>
-        <p:cTn id="1" dur="indefinite" restart="never" nodeType="tmRoot"/>
-      </p:par>
-    </p:tnLst>
-  </p:timing>
-</p:sldLayout>
-</file>
-
-<file path=ppt/slideLayouts/slideLayout8.xml><?xml version="1.0" encoding="utf-8"?>
-<p:sldLayout xmlns:a="http://schemas.openxmlformats.org/drawingml/2006/main" xmlns:r="http://schemas.openxmlformats.org/officeDocument/2006/relationships" xmlns:p="http://schemas.openxmlformats.org/presentationml/2006/main" type="blank" preserve="1">
-  <p:cSld name="Blank">
-    <p:spTree>
-      <p:nvGrpSpPr>
-        <p:cNvPr id="1" name=""/>
-        <p:cNvGrpSpPr/>
-        <p:nvPr/>
-      </p:nvGrpSpPr>
-      <p:grpSpPr>
-        <a:xfrm>
-          <a:off x="0" y="0"/>
-          <a:ext cx="0" cy="0"/>
-          <a:chOff x="0" y="0"/>
-          <a:chExt cx="0" cy="0"/>
-        </a:xfrm>
-      </p:grpSpPr>
-    </p:spTree>
-    <p:extLst>
-      <p:ext uri="{BB962C8B-B14F-4D97-AF65-F5344CB8AC3E}">
-        <p14:creationId xmlns:p14="http://schemas.microsoft.com/office/powerpoint/2010/main" val="1728541262"/>
-      </p:ext>
-    </p:extLst>
-  </p:cSld>
-  <p:clrMapOvr>
-    <a:masterClrMapping/>
-  </p:clrMapOvr>
-  <p:timing>
-    <p:tnLst>
-      <p:par>
-        <p:cTn id="1" dur="indefinite" restart="never" nodeType="tmRoot"/>
-      </p:par>
-    </p:tnLst>
-  </p:timing>
-</p:sldLayout>
-</file>
-
-<file path=ppt/slideLayouts/slideLayout9.xml><?xml version="1.0" encoding="utf-8"?>
-<p:sldLayout xmlns:a="http://schemas.openxmlformats.org/drawingml/2006/main" xmlns:r="http://schemas.openxmlformats.org/officeDocument/2006/relationships" xmlns:p="http://schemas.openxmlformats.org/presentationml/2006/main" preserve="1" userDrawn="1">
-  <p:cSld name="5_Blank Color 1 Layout">
-    <p:spTree>
-      <p:nvGrpSpPr>
-        <p:cNvPr id="1" name=""/>
-        <p:cNvGrpSpPr/>
-        <p:nvPr/>
-      </p:nvGrpSpPr>
-      <p:grpSpPr>
-        <a:xfrm>
-          <a:off x="0" y="0"/>
-          <a:ext cx="0" cy="0"/>
-          <a:chOff x="0" y="0"/>
-          <a:chExt cx="0" cy="0"/>
-        </a:xfrm>
-      </p:grpSpPr>
-      <p:sp>
-        <p:nvSpPr>
-          <p:cNvPr id="6" name="top right small rectangle"/>
-          <p:cNvSpPr/>
-          <p:nvPr userDrawn="1"/>
-        </p:nvSpPr>
-        <p:spPr bwMode="auto">
-          <a:xfrm>
-            <a:off x="0" y="0"/>
-            <a:ext cx="12192000" cy="6858000"/>
-          </a:xfrm>
-          <a:prstGeom prst="rect">
-            <a:avLst/>
-          </a:prstGeom>
-          <a:solidFill>
-            <a:srgbClr val="002050"/>
-          </a:solidFill>
-          <a:ln>
-            <a:noFill/>
-            <a:headEnd type="none" w="med" len="med"/>
-            <a:tailEnd type="none" w="med" len="med"/>
-          </a:ln>
-        </p:spPr>
-        <p:style>
-          <a:lnRef idx="2">
-            <a:schemeClr val="accent5">
-              <a:shade val="50000"/>
-            </a:schemeClr>
-          </a:lnRef>
-          <a:fillRef idx="1">
-            <a:schemeClr val="accent5"/>
-          </a:fillRef>
-          <a:effectRef idx="0">
-            <a:schemeClr val="accent5"/>
-          </a:effectRef>
-          <a:fontRef idx="minor">
-            <a:schemeClr val="lt1"/>
-          </a:fontRef>
-        </p:style>
-        <p:txBody>
-          <a:bodyPr vert="horz" wrap="square" lIns="91404" tIns="45703" rIns="91404" bIns="45703" numCol="1" rtlCol="0" anchor="ctr" anchorCtr="0" compatLnSpc="1">
-            <a:prstTxWarp prst="textNoShape">
-              <a:avLst/>
-            </a:prstTxWarp>
-          </a:bodyPr>
-          <a:lstStyle/>
-          <a:p>
-            <a:pPr algn="ctr" defTabSz="913788" fontAlgn="base">
-              <a:spcBef>
-                <a:spcPct val="0"/>
-              </a:spcBef>
-              <a:spcAft>
-                <a:spcPct val="0"/>
-              </a:spcAft>
-            </a:pPr>
-            <a:endParaRPr lang="en-US" sz="2200" dirty="0">
-              <a:gradFill>
-                <a:gsLst>
-                  <a:gs pos="0">
-                    <a:srgbClr val="FFFFFF"/>
-                  </a:gs>
-                  <a:gs pos="100000">
-                    <a:srgbClr val="FFFFFF"/>
-                  </a:gs>
-                </a:gsLst>
-                <a:lin ang="5400000" scaled="0"/>
-              </a:gradFill>
-            </a:endParaRPr>
-          </a:p>
-        </p:txBody>
-      </p:sp>
-      <p:sp>
-        <p:nvSpPr>
-          <p:cNvPr id="11" name="Rectangle 2"/>
-          <p:cNvSpPr>
-            <a:spLocks noChangeArrowheads="1"/>
-          </p:cNvSpPr>
-          <p:nvPr userDrawn="1"/>
-        </p:nvSpPr>
-        <p:spPr bwMode="auto">
-          <a:xfrm>
-            <a:off x="530087" y="5960743"/>
-            <a:ext cx="11078818" cy="738664"/>
-          </a:xfrm>
-          <a:prstGeom prst="rect">
-            <a:avLst/>
-          </a:prstGeom>
-          <a:noFill/>
-          <a:ln w="9525">
-            <a:noFill/>
-            <a:miter lim="800000"/>
-            <a:headEnd/>
-            <a:tailEnd/>
-          </a:ln>
-        </p:spPr>
-        <p:txBody>
-          <a:bodyPr wrap="square">
-            <a:spAutoFit/>
-          </a:bodyPr>
-          <a:lstStyle/>
-          <a:p>
-            <a:pPr marL="0" lvl="1" defTabSz="914088">
-              <a:defRPr/>
-            </a:pPr>
-            <a:r>
-              <a:rPr lang="en-US" sz="1050" dirty="0">
-                <a:solidFill>
-                  <a:schemeClr val="bg1">
-                    <a:lumMod val="85000"/>
-                  </a:schemeClr>
-                </a:solidFill>
-              </a:rPr>
-              <a:t>©</a:t>
-            </a:r>
-            <a:r>
-              <a:rPr lang="en-US" sz="1050" dirty="0" smtClean="0">
-                <a:solidFill>
-                  <a:schemeClr val="bg1">
-                    <a:lumMod val="85000"/>
-                  </a:schemeClr>
-                </a:solidFill>
-              </a:rPr>
-              <a:t>2014 </a:t>
-            </a:r>
-            <a:r>
-              <a:rPr lang="en-US" sz="1050" dirty="0">
-                <a:solidFill>
-                  <a:schemeClr val="bg1">
-                    <a:lumMod val="85000"/>
-                  </a:schemeClr>
-                </a:solidFill>
-              </a:rPr>
-              <a:t>Microsoft Corporation. All rights reserved. Microsoft, Windows, Office, Azure, System Center, Dynamics and other product names are or may be registered trademarks and/or trademarks in the U.S. and/or other countries. The information herein is for informational purposes only and represents the current view of Microsoft Corporation as of the date of this presentation. Because Microsoft must respond to changing market conditions, it should not be interpreted to be a commitment on the part of Microsoft, and Microsoft cannot guarantee the accuracy of any information provided after the date of this presentation. MICROSOFT MAKES NO WARRANTIES, EXPRESS, IMPLIED OR STATUTORY, AS TO THE INFORMATION IN THIS PRESENTATION.</a:t>
-            </a:r>
-          </a:p>
-        </p:txBody>
-      </p:sp>
-      <p:pic>
-        <p:nvPicPr>
-          <p:cNvPr id="5" name="Picture 4"/>
-          <p:cNvPicPr>
-            <a:picLocks noChangeAspect="1"/>
-          </p:cNvPicPr>
-          <p:nvPr userDrawn="1"/>
-        </p:nvPicPr>
-        <p:blipFill rotWithShape="1">
-          <a:blip r:embed="rId2" cstate="print">
-            <a:extLst>
-              <a:ext uri="{28A0092B-C50C-407E-A947-70E740481C1C}">
-                <a14:useLocalDpi xmlns:a14="http://schemas.microsoft.com/office/drawing/2010/main" val="0"/>
-              </a:ext>
-            </a:extLst>
-          </a:blip>
-          <a:srcRect l="9719"/>
-          <a:stretch/>
-        </p:blipFill>
-        <p:spPr>
-          <a:xfrm>
-            <a:off x="530087" y="2940117"/>
-            <a:ext cx="5473148" cy="2229412"/>
-          </a:xfrm>
-          <a:prstGeom prst="rect">
-            <a:avLst/>
-          </a:prstGeom>
-        </p:spPr>
-      </p:pic>
-    </p:spTree>
-    <p:extLst>
-      <p:ext uri="{BB962C8B-B14F-4D97-AF65-F5344CB8AC3E}">
-        <p14:creationId xmlns:p14="http://schemas.microsoft.com/office/powerpoint/2010/main" val="2667837224"/>
-      </p:ext>
-    </p:extLst>
-  </p:cSld>
-  <p:clrMapOvr>
-    <a:masterClrMapping/>
-  </p:clrMapOvr>
-  <mc:AlternateContent xmlns:mc="http://schemas.openxmlformats.org/markup-compatibility/2006" xmlns:p14="http://schemas.microsoft.com/office/powerpoint/2010/main">
-    <mc:Choice Requires="p14">
-      <p:transition spd="slow" p14:dur="2000"/>
-    </mc:Choice>
-    <mc:Fallback xmlns="">
-      <p:transition spd="slow"/>
-    </mc:Fallback>
-  </mc:AlternateContent>
-  <p:timing>
-    <p:tnLst>
-      <p:par>
-        <p:cTn id="1" dur="indefinite" restart="never" nodeType="tmRoot"/>
-      </p:par>
-    </p:tnLst>
-  </p:timing>
-</p:sldLayout>
-</file>
-
 <file path=ppt/slideMasters/slideMaster1.xml><?xml version="1.0" encoding="utf-8"?>
 <p:sldMaster xmlns:a="http://schemas.openxmlformats.org/drawingml/2006/main" xmlns:r="http://schemas.openxmlformats.org/officeDocument/2006/relationships" xmlns:p="http://schemas.openxmlformats.org/presentationml/2006/main" preserve="1">
   <p:cSld>
@@ -3356,14 +4190,14 @@
   <p:clrMap bg1="lt1" tx1="dk1" bg2="lt2" tx2="dk2" accent1="accent1" accent2="accent2" accent3="accent3" accent4="accent4" accent5="accent5" accent6="accent6" hlink="hlink" folHlink="folHlink"/>
   <p:sldLayoutIdLst>
     <p:sldLayoutId id="2147483661" r:id="rId1"/>
-    <p:sldLayoutId id="2147483671" r:id="rId2"/>
-    <p:sldLayoutId id="2147483667" r:id="rId3"/>
-    <p:sldLayoutId id="2147483663" r:id="rId4"/>
-    <p:sldLayoutId id="2147483664" r:id="rId5"/>
-    <p:sldLayoutId id="2147483665" r:id="rId6"/>
-    <p:sldLayoutId id="2147483666" r:id="rId7"/>
-    <p:sldLayoutId id="2147483668" r:id="rId8"/>
-    <p:sldLayoutId id="2147483669" r:id="rId9"/>
+    <p:sldLayoutId id="2147483667" r:id="rId2"/>
+    <p:sldLayoutId id="2147483663" r:id="rId3"/>
+    <p:sldLayoutId id="2147483664" r:id="rId4"/>
+    <p:sldLayoutId id="2147483665" r:id="rId5"/>
+    <p:sldLayoutId id="2147483666" r:id="rId6"/>
+    <p:sldLayoutId id="2147483668" r:id="rId7"/>
+    <p:sldLayoutId id="2147483669" r:id="rId8"/>
+    <p:sldLayoutId id="2147483670" r:id="rId9"/>
   </p:sldLayoutIdLst>
   <p:timing>
     <p:tnLst>
@@ -3653,85 +4487,820 @@
       </p:grpSpPr>
       <p:sp>
         <p:nvSpPr>
-          <p:cNvPr id="5" name="Text Placeholder 4"/>
+          <p:cNvPr id="4" name="Subtitle 3"/>
           <p:cNvSpPr>
             <a:spLocks noGrp="1"/>
           </p:cNvSpPr>
           <p:nvPr>
-            <p:ph type="body" sz="quarter" idx="10"/>
+            <p:ph type="subTitle" idx="1"/>
+          </p:nvPr>
+        </p:nvSpPr>
+        <p:spPr/>
+        <p:txBody>
+          <a:bodyPr/>
+          <a:lstStyle/>
+          <a:p>
+            <a:r>
+              <a:rPr lang="en-US" dirty="0" smtClean="0"/>
+              <a:t>James Chambers </a:t>
+            </a:r>
+            <a:r>
+              <a:rPr lang="en-US" dirty="0"/>
+              <a:t>| </a:t>
+            </a:r>
+            <a:r>
+              <a:rPr lang="en-US" dirty="0" smtClean="0"/>
+              <a:t>Software Engineer, Microsoft MVP</a:t>
+            </a:r>
+          </a:p>
+          <a:p>
+            <a:r>
+              <a:rPr lang="en-US" dirty="0" smtClean="0"/>
+              <a:t>Simon Timms </a:t>
+            </a:r>
+            <a:r>
+              <a:rPr lang="en-US" dirty="0"/>
+              <a:t>| Software Engineer, Microsoft MVP</a:t>
+            </a:r>
+          </a:p>
+        </p:txBody>
+      </p:sp>
+      <p:sp>
+        <p:nvSpPr>
+          <p:cNvPr id="2" name="Title 1"/>
+          <p:cNvSpPr>
+            <a:spLocks noGrp="1"/>
+          </p:cNvSpPr>
+          <p:nvPr>
+            <p:ph type="ctrTitle"/>
           </p:nvPr>
         </p:nvSpPr>
         <p:spPr>
           <a:solidFill>
             <a:srgbClr val="007233"/>
           </a:solidFill>
-          <a:ln>
-            <a:noFill/>
-          </a:ln>
         </p:spPr>
         <p:txBody>
           <a:bodyPr/>
           <a:lstStyle/>
           <a:p>
-            <a:pPr marL="914400" indent="-914400"/>
-            <a:r>
-              <a:rPr lang="en-US" dirty="0" smtClean="0"/>
-              <a:t>01 </a:t>
-            </a:r>
-            <a:r>
-              <a:rPr lang="en-US" smtClean="0"/>
-              <a:t>| </a:t>
-            </a:r>
-            <a:r>
-              <a:rPr lang="en-US"/>
-              <a:t>Introduction to Applications on Azure</a:t>
-            </a:r>
-            <a:endParaRPr lang="en-US" dirty="0"/>
-          </a:p>
-        </p:txBody>
-      </p:sp>
-      <p:sp>
-        <p:nvSpPr>
-          <p:cNvPr id="4" name="Subtitle 3"/>
-          <p:cNvSpPr>
-            <a:spLocks noGrp="1"/>
-          </p:cNvSpPr>
-          <p:nvPr>
-            <p:ph type="subTitle" idx="1"/>
-          </p:nvPr>
-        </p:nvSpPr>
-        <p:spPr/>
-        <p:txBody>
-          <a:bodyPr/>
-          <a:lstStyle/>
-          <a:p>
-            <a:r>
-              <a:rPr lang="en-US" dirty="0" smtClean="0"/>
-              <a:t>James Chambers | @</a:t>
-            </a:r>
-            <a:r>
-              <a:rPr lang="en-US" dirty="0" err="1" smtClean="0"/>
-              <a:t>CanadianJames</a:t>
-            </a:r>
-            <a:endParaRPr lang="en-US" dirty="0"/>
-          </a:p>
-          <a:p>
-            <a:r>
-              <a:rPr lang="en-US" dirty="0" smtClean="0"/>
-              <a:t>Simon Timms | @</a:t>
-            </a:r>
-            <a:r>
-              <a:rPr lang="en-US" dirty="0" err="1" smtClean="0"/>
-              <a:t>stimms</a:t>
-            </a:r>
-            <a:endParaRPr lang="en-US" dirty="0"/>
+            <a:r>
+              <a:rPr lang="en-US" sz="4000" dirty="0"/>
+              <a:t>Applications on Azure: </a:t>
+            </a:r>
+            <a:r>
+              <a:rPr lang="en-US" sz="4000" dirty="0" smtClean="0"/>
+              <a:t/>
+            </a:r>
+            <a:br>
+              <a:rPr lang="en-US" sz="4000" dirty="0" smtClean="0"/>
+            </a:br>
+            <a:r>
+              <a:rPr lang="en-US" sz="4000" dirty="0" smtClean="0"/>
+              <a:t>Putting </a:t>
+            </a:r>
+            <a:r>
+              <a:rPr lang="en-US" sz="4000" dirty="0"/>
+              <a:t>All the Pieces Together</a:t>
+            </a:r>
           </a:p>
         </p:txBody>
       </p:sp>
     </p:spTree>
     <p:extLst>
       <p:ext uri="{BB962C8B-B14F-4D97-AF65-F5344CB8AC3E}">
-        <p14:creationId xmlns:p14="http://schemas.microsoft.com/office/powerpoint/2010/main" val="897692544"/>
+        <p14:creationId xmlns:p14="http://schemas.microsoft.com/office/powerpoint/2010/main" val="1665733023"/>
+      </p:ext>
+    </p:extLst>
+  </p:cSld>
+  <p:clrMapOvr>
+    <a:masterClrMapping/>
+  </p:clrMapOvr>
+  <p:timing>
+    <p:tnLst>
+      <p:par>
+        <p:cTn id="1" dur="indefinite" restart="never" nodeType="tmRoot"/>
+      </p:par>
+    </p:tnLst>
+  </p:timing>
+</p:sld>
+</file>
+
+<file path=ppt/slides/slide10.xml><?xml version="1.0" encoding="utf-8"?>
+<p:sld xmlns:a="http://schemas.openxmlformats.org/drawingml/2006/main" xmlns:r="http://schemas.openxmlformats.org/officeDocument/2006/relationships" xmlns:p="http://schemas.openxmlformats.org/presentationml/2006/main">
+  <p:cSld>
+    <p:spTree>
+      <p:nvGrpSpPr>
+        <p:cNvPr id="1" name=""/>
+        <p:cNvGrpSpPr/>
+        <p:nvPr/>
+      </p:nvGrpSpPr>
+      <p:grpSpPr>
+        <a:xfrm>
+          <a:off x="0" y="0"/>
+          <a:ext cx="0" cy="0"/>
+          <a:chOff x="0" y="0"/>
+          <a:chExt cx="0" cy="0"/>
+        </a:xfrm>
+      </p:grpSpPr>
+      <p:pic>
+        <p:nvPicPr>
+          <p:cNvPr id="6" name="Content Placeholder 5"/>
+          <p:cNvPicPr>
+            <a:picLocks noGrp="1" noChangeAspect="1"/>
+          </p:cNvPicPr>
+          <p:nvPr>
+            <p:ph sz="quarter" idx="10"/>
+          </p:nvPr>
+        </p:nvPicPr>
+        <p:blipFill>
+          <a:blip r:embed="rId3" cstate="print">
+            <a:extLst>
+              <a:ext uri="{28A0092B-C50C-407E-A947-70E740481C1C}">
+                <a14:useLocalDpi xmlns:a14="http://schemas.microsoft.com/office/drawing/2010/main" val="0"/>
+              </a:ext>
+            </a:extLst>
+          </a:blip>
+          <a:stretch>
+            <a:fillRect/>
+          </a:stretch>
+        </p:blipFill>
+        <p:spPr>
+          <a:xfrm>
+            <a:off x="3551" y="-58901"/>
+            <a:ext cx="12188449" cy="6857063"/>
+          </a:xfrm>
+        </p:spPr>
+      </p:pic>
+      <p:sp>
+        <p:nvSpPr>
+          <p:cNvPr id="3" name="Title 2"/>
+          <p:cNvSpPr>
+            <a:spLocks noGrp="1"/>
+          </p:cNvSpPr>
+          <p:nvPr>
+            <p:ph type="title"/>
+          </p:nvPr>
+        </p:nvSpPr>
+        <p:spPr/>
+        <p:txBody>
+          <a:bodyPr/>
+          <a:lstStyle/>
+          <a:p>
+            <a:endParaRPr lang="en-US"/>
+          </a:p>
+        </p:txBody>
+      </p:sp>
+    </p:spTree>
+    <p:extLst>
+      <p:ext uri="{BB962C8B-B14F-4D97-AF65-F5344CB8AC3E}">
+        <p14:creationId xmlns:p14="http://schemas.microsoft.com/office/powerpoint/2010/main" val="4255679284"/>
+      </p:ext>
+    </p:extLst>
+  </p:cSld>
+  <p:clrMapOvr>
+    <a:masterClrMapping/>
+  </p:clrMapOvr>
+  <p:timing>
+    <p:tnLst>
+      <p:par>
+        <p:cTn id="1" dur="indefinite" restart="never" nodeType="tmRoot"/>
+      </p:par>
+    </p:tnLst>
+  </p:timing>
+</p:sld>
+</file>
+
+<file path=ppt/slides/slide11.xml><?xml version="1.0" encoding="utf-8"?>
+<p:sld xmlns:a="http://schemas.openxmlformats.org/drawingml/2006/main" xmlns:r="http://schemas.openxmlformats.org/officeDocument/2006/relationships" xmlns:p="http://schemas.openxmlformats.org/presentationml/2006/main">
+  <p:cSld>
+    <p:spTree>
+      <p:nvGrpSpPr>
+        <p:cNvPr id="1" name=""/>
+        <p:cNvGrpSpPr/>
+        <p:nvPr/>
+      </p:nvGrpSpPr>
+      <p:grpSpPr>
+        <a:xfrm>
+          <a:off x="0" y="0"/>
+          <a:ext cx="0" cy="0"/>
+          <a:chOff x="0" y="0"/>
+          <a:chExt cx="0" cy="0"/>
+        </a:xfrm>
+      </p:grpSpPr>
+      <p:pic>
+        <p:nvPicPr>
+          <p:cNvPr id="6" name="Content Placeholder 5"/>
+          <p:cNvPicPr>
+            <a:picLocks noGrp="1" noChangeAspect="1"/>
+          </p:cNvPicPr>
+          <p:nvPr>
+            <p:ph sz="quarter" idx="10"/>
+          </p:nvPr>
+        </p:nvPicPr>
+        <p:blipFill>
+          <a:blip r:embed="rId3" cstate="print">
+            <a:extLst>
+              <a:ext uri="{28A0092B-C50C-407E-A947-70E740481C1C}">
+                <a14:useLocalDpi xmlns:a14="http://schemas.microsoft.com/office/drawing/2010/main" val="0"/>
+              </a:ext>
+            </a:extLst>
+          </a:blip>
+          <a:stretch>
+            <a:fillRect/>
+          </a:stretch>
+        </p:blipFill>
+        <p:spPr>
+          <a:xfrm>
+            <a:off x="3551" y="-58901"/>
+            <a:ext cx="12188449" cy="6857063"/>
+          </a:xfrm>
+        </p:spPr>
+      </p:pic>
+      <p:sp>
+        <p:nvSpPr>
+          <p:cNvPr id="8" name="Rectangle 7"/>
+          <p:cNvSpPr/>
+          <p:nvPr/>
+        </p:nvSpPr>
+        <p:spPr>
+          <a:xfrm>
+            <a:off x="2082018" y="1330032"/>
+            <a:ext cx="856689" cy="450000"/>
+          </a:xfrm>
+          <a:prstGeom prst="rect">
+            <a:avLst/>
+          </a:prstGeom>
+          <a:noFill/>
+          <a:ln>
+            <a:solidFill>
+              <a:srgbClr val="FFC000"/>
+            </a:solidFill>
+          </a:ln>
+        </p:spPr>
+        <p:style>
+          <a:lnRef idx="2">
+            <a:schemeClr val="accent1">
+              <a:shade val="50000"/>
+            </a:schemeClr>
+          </a:lnRef>
+          <a:fillRef idx="1">
+            <a:schemeClr val="accent1"/>
+          </a:fillRef>
+          <a:effectRef idx="0">
+            <a:schemeClr val="accent1"/>
+          </a:effectRef>
+          <a:fontRef idx="minor">
+            <a:schemeClr val="lt1"/>
+          </a:fontRef>
+        </p:style>
+        <p:txBody>
+          <a:bodyPr rtlCol="0" anchor="ctr"/>
+          <a:lstStyle/>
+          <a:p>
+            <a:pPr algn="ctr"/>
+            <a:endParaRPr lang="en-US"/>
+          </a:p>
+        </p:txBody>
+      </p:sp>
+      <p:sp>
+        <p:nvSpPr>
+          <p:cNvPr id="9" name="Rectangle 8"/>
+          <p:cNvSpPr/>
+          <p:nvPr/>
+        </p:nvSpPr>
+        <p:spPr>
+          <a:xfrm>
+            <a:off x="2188899" y="2304283"/>
+            <a:ext cx="749808" cy="411480"/>
+          </a:xfrm>
+          <a:prstGeom prst="rect">
+            <a:avLst/>
+          </a:prstGeom>
+          <a:noFill/>
+          <a:ln>
+            <a:solidFill>
+              <a:srgbClr val="FFC000"/>
+            </a:solidFill>
+          </a:ln>
+        </p:spPr>
+        <p:style>
+          <a:lnRef idx="2">
+            <a:schemeClr val="accent1">
+              <a:shade val="50000"/>
+            </a:schemeClr>
+          </a:lnRef>
+          <a:fillRef idx="1">
+            <a:schemeClr val="accent1"/>
+          </a:fillRef>
+          <a:effectRef idx="0">
+            <a:schemeClr val="accent1"/>
+          </a:effectRef>
+          <a:fontRef idx="minor">
+            <a:schemeClr val="lt1"/>
+          </a:fontRef>
+        </p:style>
+        <p:txBody>
+          <a:bodyPr rtlCol="0" anchor="ctr"/>
+          <a:lstStyle/>
+          <a:p>
+            <a:pPr algn="ctr"/>
+            <a:endParaRPr lang="en-US"/>
+          </a:p>
+        </p:txBody>
+      </p:sp>
+      <p:sp>
+        <p:nvSpPr>
+          <p:cNvPr id="10" name="Rectangle 9"/>
+          <p:cNvSpPr/>
+          <p:nvPr/>
+        </p:nvSpPr>
+        <p:spPr>
+          <a:xfrm>
+            <a:off x="7650246" y="2302852"/>
+            <a:ext cx="957306" cy="411480"/>
+          </a:xfrm>
+          <a:prstGeom prst="rect">
+            <a:avLst/>
+          </a:prstGeom>
+          <a:noFill/>
+          <a:ln>
+            <a:solidFill>
+              <a:srgbClr val="FFC000"/>
+            </a:solidFill>
+          </a:ln>
+        </p:spPr>
+        <p:style>
+          <a:lnRef idx="2">
+            <a:schemeClr val="accent1">
+              <a:shade val="50000"/>
+            </a:schemeClr>
+          </a:lnRef>
+          <a:fillRef idx="1">
+            <a:schemeClr val="accent1"/>
+          </a:fillRef>
+          <a:effectRef idx="0">
+            <a:schemeClr val="accent1"/>
+          </a:effectRef>
+          <a:fontRef idx="minor">
+            <a:schemeClr val="lt1"/>
+          </a:fontRef>
+        </p:style>
+        <p:txBody>
+          <a:bodyPr rtlCol="0" anchor="ctr"/>
+          <a:lstStyle/>
+          <a:p>
+            <a:pPr algn="ctr"/>
+            <a:endParaRPr lang="en-US"/>
+          </a:p>
+        </p:txBody>
+      </p:sp>
+      <p:sp>
+        <p:nvSpPr>
+          <p:cNvPr id="11" name="Rectangle 10"/>
+          <p:cNvSpPr/>
+          <p:nvPr/>
+        </p:nvSpPr>
+        <p:spPr>
+          <a:xfrm>
+            <a:off x="7555874" y="4870345"/>
+            <a:ext cx="673725" cy="411480"/>
+          </a:xfrm>
+          <a:prstGeom prst="rect">
+            <a:avLst/>
+          </a:prstGeom>
+          <a:noFill/>
+          <a:ln>
+            <a:solidFill>
+              <a:srgbClr val="FFC000"/>
+            </a:solidFill>
+          </a:ln>
+        </p:spPr>
+        <p:style>
+          <a:lnRef idx="2">
+            <a:schemeClr val="accent1">
+              <a:shade val="50000"/>
+            </a:schemeClr>
+          </a:lnRef>
+          <a:fillRef idx="1">
+            <a:schemeClr val="accent1"/>
+          </a:fillRef>
+          <a:effectRef idx="0">
+            <a:schemeClr val="accent1"/>
+          </a:effectRef>
+          <a:fontRef idx="minor">
+            <a:schemeClr val="lt1"/>
+          </a:fontRef>
+        </p:style>
+        <p:txBody>
+          <a:bodyPr rtlCol="0" anchor="ctr"/>
+          <a:lstStyle/>
+          <a:p>
+            <a:pPr algn="ctr"/>
+            <a:endParaRPr lang="en-US"/>
+          </a:p>
+        </p:txBody>
+      </p:sp>
+      <p:sp>
+        <p:nvSpPr>
+          <p:cNvPr id="12" name="Rectangle 11"/>
+          <p:cNvSpPr/>
+          <p:nvPr/>
+        </p:nvSpPr>
+        <p:spPr>
+          <a:xfrm>
+            <a:off x="2899082" y="4882310"/>
+            <a:ext cx="843861" cy="411480"/>
+          </a:xfrm>
+          <a:prstGeom prst="rect">
+            <a:avLst/>
+          </a:prstGeom>
+          <a:noFill/>
+          <a:ln>
+            <a:solidFill>
+              <a:srgbClr val="FFC000"/>
+            </a:solidFill>
+          </a:ln>
+        </p:spPr>
+        <p:style>
+          <a:lnRef idx="2">
+            <a:schemeClr val="accent1">
+              <a:shade val="50000"/>
+            </a:schemeClr>
+          </a:lnRef>
+          <a:fillRef idx="1">
+            <a:schemeClr val="accent1"/>
+          </a:fillRef>
+          <a:effectRef idx="0">
+            <a:schemeClr val="accent1"/>
+          </a:effectRef>
+          <a:fontRef idx="minor">
+            <a:schemeClr val="lt1"/>
+          </a:fontRef>
+        </p:style>
+        <p:txBody>
+          <a:bodyPr rtlCol="0" anchor="ctr"/>
+          <a:lstStyle/>
+          <a:p>
+            <a:pPr algn="ctr"/>
+            <a:endParaRPr lang="en-US"/>
+          </a:p>
+        </p:txBody>
+      </p:sp>
+      <p:sp>
+        <p:nvSpPr>
+          <p:cNvPr id="13" name="Rectangle 12"/>
+          <p:cNvSpPr/>
+          <p:nvPr/>
+        </p:nvSpPr>
+        <p:spPr>
+          <a:xfrm>
+            <a:off x="318554" y="4896612"/>
+            <a:ext cx="1040420" cy="397178"/>
+          </a:xfrm>
+          <a:prstGeom prst="rect">
+            <a:avLst/>
+          </a:prstGeom>
+          <a:noFill/>
+          <a:ln>
+            <a:solidFill>
+              <a:srgbClr val="FFC000"/>
+            </a:solidFill>
+          </a:ln>
+        </p:spPr>
+        <p:style>
+          <a:lnRef idx="2">
+            <a:schemeClr val="accent1">
+              <a:shade val="50000"/>
+            </a:schemeClr>
+          </a:lnRef>
+          <a:fillRef idx="1">
+            <a:schemeClr val="accent1"/>
+          </a:fillRef>
+          <a:effectRef idx="0">
+            <a:schemeClr val="accent1"/>
+          </a:effectRef>
+          <a:fontRef idx="minor">
+            <a:schemeClr val="lt1"/>
+          </a:fontRef>
+        </p:style>
+        <p:txBody>
+          <a:bodyPr rtlCol="0" anchor="ctr"/>
+          <a:lstStyle/>
+          <a:p>
+            <a:pPr algn="ctr"/>
+            <a:endParaRPr lang="en-US"/>
+          </a:p>
+        </p:txBody>
+      </p:sp>
+      <p:sp>
+        <p:nvSpPr>
+          <p:cNvPr id="14" name="Rectangle 13"/>
+          <p:cNvSpPr/>
+          <p:nvPr/>
+        </p:nvSpPr>
+        <p:spPr>
+          <a:xfrm>
+            <a:off x="1624584" y="4887468"/>
+            <a:ext cx="996696" cy="411480"/>
+          </a:xfrm>
+          <a:prstGeom prst="rect">
+            <a:avLst/>
+          </a:prstGeom>
+          <a:noFill/>
+          <a:ln>
+            <a:solidFill>
+              <a:srgbClr val="FFC000"/>
+            </a:solidFill>
+            <a:prstDash val="sysDash"/>
+          </a:ln>
+        </p:spPr>
+        <p:style>
+          <a:lnRef idx="2">
+            <a:schemeClr val="accent1">
+              <a:shade val="50000"/>
+            </a:schemeClr>
+          </a:lnRef>
+          <a:fillRef idx="1">
+            <a:schemeClr val="accent1"/>
+          </a:fillRef>
+          <a:effectRef idx="0">
+            <a:schemeClr val="accent1"/>
+          </a:effectRef>
+          <a:fontRef idx="minor">
+            <a:schemeClr val="lt1"/>
+          </a:fontRef>
+        </p:style>
+        <p:txBody>
+          <a:bodyPr rtlCol="0" anchor="ctr"/>
+          <a:lstStyle/>
+          <a:p>
+            <a:pPr algn="ctr"/>
+            <a:endParaRPr lang="en-US"/>
+          </a:p>
+        </p:txBody>
+      </p:sp>
+      <p:sp>
+        <p:nvSpPr>
+          <p:cNvPr id="20" name="Rectangle 19"/>
+          <p:cNvSpPr/>
+          <p:nvPr/>
+        </p:nvSpPr>
+        <p:spPr>
+          <a:xfrm>
+            <a:off x="4359342" y="814706"/>
+            <a:ext cx="761297" cy="406611"/>
+          </a:xfrm>
+          <a:prstGeom prst="rect">
+            <a:avLst/>
+          </a:prstGeom>
+          <a:noFill/>
+          <a:ln>
+            <a:solidFill>
+              <a:srgbClr val="FFC000"/>
+            </a:solidFill>
+          </a:ln>
+        </p:spPr>
+        <p:style>
+          <a:lnRef idx="2">
+            <a:schemeClr val="accent1">
+              <a:shade val="50000"/>
+            </a:schemeClr>
+          </a:lnRef>
+          <a:fillRef idx="1">
+            <a:schemeClr val="accent1"/>
+          </a:fillRef>
+          <a:effectRef idx="0">
+            <a:schemeClr val="accent1"/>
+          </a:effectRef>
+          <a:fontRef idx="minor">
+            <a:schemeClr val="lt1"/>
+          </a:fontRef>
+        </p:style>
+        <p:txBody>
+          <a:bodyPr rtlCol="0" anchor="ctr"/>
+          <a:lstStyle/>
+          <a:p>
+            <a:pPr algn="ctr"/>
+            <a:endParaRPr lang="en-US"/>
+          </a:p>
+        </p:txBody>
+      </p:sp>
+      <p:sp>
+        <p:nvSpPr>
+          <p:cNvPr id="16" name="Rectangle 15"/>
+          <p:cNvSpPr/>
+          <p:nvPr/>
+        </p:nvSpPr>
+        <p:spPr>
+          <a:xfrm>
+            <a:off x="9000276" y="3531669"/>
+            <a:ext cx="887436" cy="426749"/>
+          </a:xfrm>
+          <a:prstGeom prst="rect">
+            <a:avLst/>
+          </a:prstGeom>
+          <a:noFill/>
+          <a:ln>
+            <a:solidFill>
+              <a:srgbClr val="FFC000"/>
+            </a:solidFill>
+          </a:ln>
+        </p:spPr>
+        <p:style>
+          <a:lnRef idx="2">
+            <a:schemeClr val="accent1">
+              <a:shade val="50000"/>
+            </a:schemeClr>
+          </a:lnRef>
+          <a:fillRef idx="1">
+            <a:schemeClr val="accent1"/>
+          </a:fillRef>
+          <a:effectRef idx="0">
+            <a:schemeClr val="accent1"/>
+          </a:effectRef>
+          <a:fontRef idx="minor">
+            <a:schemeClr val="lt1"/>
+          </a:fontRef>
+        </p:style>
+        <p:txBody>
+          <a:bodyPr rtlCol="0" anchor="ctr"/>
+          <a:lstStyle/>
+          <a:p>
+            <a:pPr algn="ctr"/>
+            <a:endParaRPr lang="en-US"/>
+          </a:p>
+        </p:txBody>
+      </p:sp>
+      <p:sp>
+        <p:nvSpPr>
+          <p:cNvPr id="17" name="Rectangle 16"/>
+          <p:cNvSpPr/>
+          <p:nvPr/>
+        </p:nvSpPr>
+        <p:spPr>
+          <a:xfrm>
+            <a:off x="8073918" y="814706"/>
+            <a:ext cx="899394" cy="406611"/>
+          </a:xfrm>
+          <a:prstGeom prst="rect">
+            <a:avLst/>
+          </a:prstGeom>
+          <a:noFill/>
+          <a:ln>
+            <a:solidFill>
+              <a:srgbClr val="FFC000"/>
+            </a:solidFill>
+          </a:ln>
+        </p:spPr>
+        <p:style>
+          <a:lnRef idx="2">
+            <a:schemeClr val="accent1">
+              <a:shade val="50000"/>
+            </a:schemeClr>
+          </a:lnRef>
+          <a:fillRef idx="1">
+            <a:schemeClr val="accent1"/>
+          </a:fillRef>
+          <a:effectRef idx="0">
+            <a:schemeClr val="accent1"/>
+          </a:effectRef>
+          <a:fontRef idx="minor">
+            <a:schemeClr val="lt1"/>
+          </a:fontRef>
+        </p:style>
+        <p:txBody>
+          <a:bodyPr rtlCol="0" anchor="ctr"/>
+          <a:lstStyle/>
+          <a:p>
+            <a:pPr algn="ctr"/>
+            <a:endParaRPr lang="en-US"/>
+          </a:p>
+        </p:txBody>
+      </p:sp>
+    </p:spTree>
+    <p:extLst>
+      <p:ext uri="{BB962C8B-B14F-4D97-AF65-F5344CB8AC3E}">
+        <p14:creationId xmlns:p14="http://schemas.microsoft.com/office/powerpoint/2010/main" val="3172141890"/>
+      </p:ext>
+    </p:extLst>
+  </p:cSld>
+  <p:clrMapOvr>
+    <a:masterClrMapping/>
+  </p:clrMapOvr>
+  <p:timing>
+    <p:tnLst>
+      <p:par>
+        <p:cTn id="1" dur="indefinite" restart="never" nodeType="tmRoot"/>
+      </p:par>
+    </p:tnLst>
+  </p:timing>
+</p:sld>
+</file>
+
+<file path=ppt/slides/slide12.xml><?xml version="1.0" encoding="utf-8"?>
+<p:sld xmlns:a="http://schemas.openxmlformats.org/drawingml/2006/main" xmlns:r="http://schemas.openxmlformats.org/officeDocument/2006/relationships" xmlns:p="http://schemas.openxmlformats.org/presentationml/2006/main">
+  <p:cSld>
+    <p:spTree>
+      <p:nvGrpSpPr>
+        <p:cNvPr id="1" name=""/>
+        <p:cNvGrpSpPr/>
+        <p:nvPr/>
+      </p:nvGrpSpPr>
+      <p:grpSpPr>
+        <a:xfrm>
+          <a:off x="0" y="0"/>
+          <a:ext cx="0" cy="0"/>
+          <a:chOff x="0" y="0"/>
+          <a:chExt cx="0" cy="0"/>
+        </a:xfrm>
+      </p:grpSpPr>
+      <p:sp>
+        <p:nvSpPr>
+          <p:cNvPr id="2" name="Title 1"/>
+          <p:cNvSpPr>
+            <a:spLocks noGrp="1"/>
+          </p:cNvSpPr>
+          <p:nvPr>
+            <p:ph type="title"/>
+          </p:nvPr>
+        </p:nvSpPr>
+        <p:spPr/>
+        <p:txBody>
+          <a:bodyPr/>
+          <a:lstStyle/>
+          <a:p>
+            <a:r>
+              <a:rPr lang="en-US" dirty="0" smtClean="0"/>
+              <a:t>Recommended Reading</a:t>
+            </a:r>
+            <a:endParaRPr lang="en-US" dirty="0"/>
+          </a:p>
+        </p:txBody>
+      </p:sp>
+      <p:sp>
+        <p:nvSpPr>
+          <p:cNvPr id="3" name="Content Placeholder 2"/>
+          <p:cNvSpPr>
+            <a:spLocks noGrp="1"/>
+          </p:cNvSpPr>
+          <p:nvPr>
+            <p:ph sz="quarter" idx="10"/>
+          </p:nvPr>
+        </p:nvSpPr>
+        <p:spPr/>
+        <p:txBody>
+          <a:bodyPr/>
+          <a:lstStyle/>
+          <a:p>
+            <a:r>
+              <a:rPr lang="en-US" dirty="0"/>
+              <a:t>https://azure.microsoft.com/en-us/documentation/articles/fundamentals-introduction-to-azure/</a:t>
+            </a:r>
+          </a:p>
+        </p:txBody>
+      </p:sp>
+    </p:spTree>
+    <p:extLst>
+      <p:ext uri="{BB962C8B-B14F-4D97-AF65-F5344CB8AC3E}">
+        <p14:creationId xmlns:p14="http://schemas.microsoft.com/office/powerpoint/2010/main" val="1141153660"/>
+      </p:ext>
+    </p:extLst>
+  </p:cSld>
+  <p:clrMapOvr>
+    <a:masterClrMapping/>
+  </p:clrMapOvr>
+  <p:timing>
+    <p:tnLst>
+      <p:par>
+        <p:cTn id="1" dur="indefinite" restart="never" nodeType="tmRoot"/>
+      </p:par>
+    </p:tnLst>
+  </p:timing>
+</p:sld>
+</file>
+
+<file path=ppt/slides/slide13.xml><?xml version="1.0" encoding="utf-8"?>
+<p:sld xmlns:a="http://schemas.openxmlformats.org/drawingml/2006/main" xmlns:r="http://schemas.openxmlformats.org/officeDocument/2006/relationships" xmlns:p="http://schemas.openxmlformats.org/presentationml/2006/main">
+  <p:cSld>
+    <p:spTree>
+      <p:nvGrpSpPr>
+        <p:cNvPr id="1" name=""/>
+        <p:cNvGrpSpPr/>
+        <p:nvPr/>
+      </p:nvGrpSpPr>
+      <p:grpSpPr>
+        <a:xfrm>
+          <a:off x="0" y="0"/>
+          <a:ext cx="0" cy="0"/>
+          <a:chOff x="0" y="0"/>
+          <a:chExt cx="0" cy="0"/>
+        </a:xfrm>
+      </p:grpSpPr>
+    </p:spTree>
+    <p:extLst>
+      <p:ext uri="{BB962C8B-B14F-4D97-AF65-F5344CB8AC3E}">
+        <p14:creationId xmlns:p14="http://schemas.microsoft.com/office/powerpoint/2010/main" val="898363405"/>
       </p:ext>
     </p:extLst>
   </p:cSld>
@@ -3767,12 +5336,12 @@
       </p:grpSpPr>
       <p:sp>
         <p:nvSpPr>
-          <p:cNvPr id="7" name="Content Placeholder 6"/>
+          <p:cNvPr id="2" name="Title 1"/>
           <p:cNvSpPr>
             <a:spLocks noGrp="1"/>
           </p:cNvSpPr>
           <p:nvPr>
-            <p:ph sz="quarter" idx="10"/>
+            <p:ph type="title"/>
           </p:nvPr>
         </p:nvSpPr>
         <p:spPr/>
@@ -3783,33 +5352,29 @@
           <a:lstStyle/>
           <a:p>
             <a:r>
-              <a:rPr lang="en-GB" dirty="0" smtClean="0"/>
-              <a:t>Topic One</a:t>
-            </a:r>
-          </a:p>
-          <a:p>
-            <a:r>
-              <a:rPr lang="en-GB" dirty="0" smtClean="0"/>
-              <a:t>Topic Two</a:t>
-            </a:r>
-          </a:p>
-          <a:p>
-            <a:r>
-              <a:rPr lang="en-GB" dirty="0" smtClean="0"/>
-              <a:t>Topic Three</a:t>
-            </a:r>
-            <a:endParaRPr lang="en-GB" dirty="0"/>
-          </a:p>
-        </p:txBody>
-      </p:sp>
-      <p:sp>
-        <p:nvSpPr>
-          <p:cNvPr id="2" name="Title 1"/>
+              <a:rPr lang="en-US" sz="4000" dirty="0" smtClean="0"/>
+              <a:t>Meet James Chambers | ‏@</a:t>
+            </a:r>
+            <a:r>
+              <a:rPr lang="en-US" sz="4000" dirty="0" err="1" smtClean="0"/>
+              <a:t>CanadianJames</a:t>
+            </a:r>
+            <a:r>
+              <a:rPr lang="en-US" sz="4000" dirty="0" smtClean="0"/>
+              <a:t> </a:t>
+            </a:r>
+            <a:endParaRPr lang="en-US" sz="4000" dirty="0"/>
+          </a:p>
+        </p:txBody>
+      </p:sp>
+      <p:sp>
+        <p:nvSpPr>
+          <p:cNvPr id="7" name="Content Placeholder 6"/>
           <p:cNvSpPr>
             <a:spLocks noGrp="1"/>
           </p:cNvSpPr>
           <p:nvPr>
-            <p:ph type="title"/>
+            <p:ph idx="10"/>
           </p:nvPr>
         </p:nvSpPr>
         <p:spPr/>
@@ -3818,102 +5383,115 @@
           <a:lstStyle/>
           <a:p>
             <a:r>
-              <a:rPr lang="en-US" smtClean="0"/>
-              <a:t>Module Overview</a:t>
+              <a:rPr lang="en-US" dirty="0" smtClean="0"/>
+              <a:t>Senior Software Engineer</a:t>
+            </a:r>
+          </a:p>
+          <a:p>
+            <a:pPr lvl="1"/>
+            <a:r>
+              <a:rPr lang="en-US" dirty="0" smtClean="0"/>
+              <a:t>Background in healthcare, telecom, transportation ++</a:t>
+            </a:r>
+          </a:p>
+          <a:p>
+            <a:pPr lvl="1"/>
+            <a:r>
+              <a:rPr lang="en-US" dirty="0" smtClean="0"/>
+              <a:t>Currently focusing on building things that scale</a:t>
+            </a:r>
+          </a:p>
+          <a:p>
+            <a:r>
+              <a:rPr lang="en-US" dirty="0" smtClean="0"/>
+              <a:t>Author, Speaker Mentor </a:t>
+            </a:r>
+          </a:p>
+          <a:p>
+            <a:pPr lvl="1"/>
+            <a:r>
+              <a:rPr lang="en-US" dirty="0"/>
+              <a:t>Founding member of Western </a:t>
+            </a:r>
+            <a:r>
+              <a:rPr lang="en-US" dirty="0" err="1"/>
+              <a:t>Devs</a:t>
+            </a:r>
+            <a:r>
+              <a:rPr lang="en-US" dirty="0"/>
+              <a:t> </a:t>
+            </a:r>
+            <a:endParaRPr lang="en-US" dirty="0" smtClean="0"/>
+          </a:p>
+          <a:p>
+            <a:pPr lvl="1"/>
+            <a:r>
+              <a:rPr lang="en-US" dirty="0" smtClean="0"/>
+              <a:t>Frequent contributor to user groups, brown bags and conferences</a:t>
+            </a:r>
+          </a:p>
+          <a:p>
+            <a:pPr lvl="1"/>
+            <a:r>
+              <a:rPr lang="en-US" dirty="0" smtClean="0"/>
+              <a:t>Four-time ASP.NET/IIS MVP</a:t>
             </a:r>
             <a:endParaRPr lang="en-US" dirty="0"/>
           </a:p>
-        </p:txBody>
-      </p:sp>
-      <p:sp>
-        <p:nvSpPr>
-          <p:cNvPr id="4" name="TextBox 3"/>
-          <p:cNvSpPr txBox="1"/>
+          <a:p>
+            <a:pPr lvl="1"/>
+            <a:endParaRPr lang="en-US" dirty="0" smtClean="0"/>
+          </a:p>
+        </p:txBody>
+      </p:sp>
+      <p:pic>
+        <p:nvPicPr>
+          <p:cNvPr id="4" name="Picture 3"/>
+          <p:cNvPicPr>
+            <a:picLocks noChangeAspect="1"/>
+          </p:cNvPicPr>
           <p:nvPr/>
-        </p:nvSpPr>
+        </p:nvPicPr>
+        <p:blipFill>
+          <a:blip r:embed="rId3" cstate="print">
+            <a:extLst>
+              <a:ext uri="{28A0092B-C50C-407E-A947-70E740481C1C}">
+                <a14:useLocalDpi xmlns:a14="http://schemas.microsoft.com/office/drawing/2010/main" val="0"/>
+              </a:ext>
+            </a:extLst>
+          </a:blip>
+          <a:stretch>
+            <a:fillRect/>
+          </a:stretch>
+        </p:blipFill>
         <p:spPr>
           <a:xfrm>
-            <a:off x="4432363" y="1155171"/>
-            <a:ext cx="3671248" cy="646331"/>
+            <a:off x="9671088" y="0"/>
+            <a:ext cx="2520912" cy="2636399"/>
           </a:xfrm>
           <a:prstGeom prst="rect">
             <a:avLst/>
           </a:prstGeom>
-          <a:solidFill>
-            <a:srgbClr val="FFFF00"/>
-          </a:solidFill>
         </p:spPr>
-        <p:txBody>
-          <a:bodyPr wrap="square" rtlCol="0">
-            <a:spAutoFit/>
-          </a:bodyPr>
-          <a:lstStyle/>
-          <a:p>
-            <a:r>
-              <a:rPr lang="en-US" dirty="0" smtClean="0"/>
-              <a:t>Please make sure there’s a “Module Overview” slide for every module</a:t>
-            </a:r>
-            <a:endParaRPr lang="en-US" dirty="0"/>
-          </a:p>
-        </p:txBody>
-      </p:sp>
-      <p:sp>
-        <p:nvSpPr>
-          <p:cNvPr id="5" name="TextBox 4"/>
-          <p:cNvSpPr txBox="1"/>
-          <p:nvPr/>
-        </p:nvSpPr>
-        <p:spPr>
-          <a:xfrm>
-            <a:off x="9906000" y="-1"/>
-            <a:ext cx="2286000" cy="2031325"/>
-          </a:xfrm>
-          <a:prstGeom prst="rect">
-            <a:avLst/>
-          </a:prstGeom>
-          <a:solidFill>
-            <a:srgbClr val="FFFF00"/>
-          </a:solidFill>
-          <a:ln>
-            <a:noFill/>
-          </a:ln>
-        </p:spPr>
-        <p:txBody>
-          <a:bodyPr wrap="square" rtlCol="0">
-            <a:spAutoFit/>
-          </a:bodyPr>
-          <a:lstStyle/>
-          <a:p>
-            <a:pPr algn="ctr"/>
-            <a:endParaRPr lang="en-US" dirty="0" smtClean="0"/>
-          </a:p>
-          <a:p>
-            <a:pPr algn="ctr"/>
-            <a:endParaRPr lang="en-US" dirty="0"/>
-          </a:p>
-          <a:p>
-            <a:pPr algn="ctr"/>
-            <a:r>
-              <a:rPr lang="en-US" dirty="0" smtClean="0"/>
-              <a:t>Please leave this area blank to allow for picture in picture recording</a:t>
-            </a:r>
-          </a:p>
-          <a:p>
-            <a:pPr algn="ctr"/>
-            <a:endParaRPr lang="en-US" dirty="0"/>
-          </a:p>
-        </p:txBody>
-      </p:sp>
+      </p:pic>
     </p:spTree>
     <p:extLst>
       <p:ext uri="{BB962C8B-B14F-4D97-AF65-F5344CB8AC3E}">
-        <p14:creationId xmlns:p14="http://schemas.microsoft.com/office/powerpoint/2010/main" val="318349970"/>
+        <p14:creationId xmlns:p14="http://schemas.microsoft.com/office/powerpoint/2010/main" val="4238450048"/>
       </p:ext>
     </p:extLst>
   </p:cSld>
   <p:clrMapOvr>
     <a:masterClrMapping/>
   </p:clrMapOvr>
+  <mc:AlternateContent xmlns:mc="http://schemas.openxmlformats.org/markup-compatibility/2006" xmlns:p14="http://schemas.microsoft.com/office/powerpoint/2010/main">
+    <mc:Choice Requires="p14">
+      <p:transition spd="slow" p14:dur="2000"/>
+    </mc:Choice>
+    <mc:Fallback xmlns="">
+      <p:transition spd="slow"/>
+    </mc:Fallback>
+  </mc:AlternateContent>
   <p:timing>
     <p:tnLst>
       <p:par>
@@ -3953,79 +5531,214 @@
         </p:nvSpPr>
         <p:spPr/>
         <p:txBody>
+          <a:bodyPr>
+            <a:normAutofit/>
+          </a:bodyPr>
+          <a:lstStyle/>
+          <a:p>
+            <a:r>
+              <a:rPr lang="en-US" sz="4000" dirty="0" smtClean="0"/>
+              <a:t>Meet Simon Timms | ‏@</a:t>
+            </a:r>
+            <a:r>
+              <a:rPr lang="en-US" sz="4000" dirty="0" err="1" smtClean="0"/>
+              <a:t>stimms</a:t>
+            </a:r>
+            <a:r>
+              <a:rPr lang="en-US" sz="4000" dirty="0" smtClean="0"/>
+              <a:t> </a:t>
+            </a:r>
+            <a:endParaRPr lang="en-US" sz="4000" dirty="0"/>
+          </a:p>
+        </p:txBody>
+      </p:sp>
+      <p:sp>
+        <p:nvSpPr>
+          <p:cNvPr id="7" name="Content Placeholder 6"/>
+          <p:cNvSpPr>
+            <a:spLocks noGrp="1"/>
+          </p:cNvSpPr>
+          <p:nvPr>
+            <p:ph idx="10"/>
+          </p:nvPr>
+        </p:nvSpPr>
+        <p:spPr/>
+        <p:txBody>
           <a:bodyPr/>
           <a:lstStyle/>
           <a:p>
             <a:r>
               <a:rPr lang="en-US" dirty="0" smtClean="0"/>
-              <a:t>Lesson slide</a:t>
+              <a:t>Senior Software Engineer</a:t>
+            </a:r>
+          </a:p>
+          <a:p>
+            <a:pPr lvl="1"/>
+            <a:r>
+              <a:rPr lang="en-US" dirty="0" smtClean="0"/>
+              <a:t>Spent years working on Linux, Unix and even z/OS</a:t>
+            </a:r>
+          </a:p>
+          <a:p>
+            <a:pPr lvl="1"/>
+            <a:r>
+              <a:rPr lang="en-US" dirty="0" smtClean="0"/>
+              <a:t>Lots of oil and gas experience</a:t>
+            </a:r>
+          </a:p>
+          <a:p>
+            <a:r>
+              <a:rPr lang="en-US" dirty="0" smtClean="0"/>
+              <a:t>Author, Speaker Mentor </a:t>
+            </a:r>
+          </a:p>
+          <a:p>
+            <a:pPr lvl="1"/>
+            <a:r>
+              <a:rPr lang="en-US" dirty="0" smtClean="0"/>
+              <a:t>Founding member of Western </a:t>
+            </a:r>
+            <a:r>
+              <a:rPr lang="en-US" dirty="0" err="1" smtClean="0"/>
+              <a:t>Devs</a:t>
             </a:r>
             <a:endParaRPr lang="en-US" dirty="0"/>
           </a:p>
-        </p:txBody>
-      </p:sp>
-      <p:sp>
-        <p:nvSpPr>
-          <p:cNvPr id="3" name="Content Placeholder 2"/>
-          <p:cNvSpPr>
-            <a:spLocks noGrp="1"/>
-          </p:cNvSpPr>
-          <p:nvPr>
-            <p:ph sz="quarter" idx="10"/>
-          </p:nvPr>
-        </p:nvSpPr>
-        <p:spPr/>
-        <p:txBody>
-          <a:bodyPr/>
-          <a:lstStyle/>
-          <a:p>
+          <a:p>
+            <a:pPr lvl="1"/>
+            <a:r>
+              <a:rPr lang="en-US" dirty="0" smtClean="0"/>
+              <a:t>Calgary </a:t>
+            </a:r>
+            <a:r>
+              <a:rPr lang="en-US" dirty="0" err="1" smtClean="0"/>
+              <a:t>.net</a:t>
+            </a:r>
+            <a:r>
+              <a:rPr lang="en-US" dirty="0" smtClean="0"/>
+              <a:t> User Group</a:t>
+            </a:r>
+          </a:p>
+          <a:p>
+            <a:pPr lvl="1"/>
+            <a:r>
+              <a:rPr lang="en-US" dirty="0" smtClean="0"/>
+              <a:t>Two time MVP in </a:t>
+            </a:r>
+            <a:r>
+              <a:rPr lang="en-US" dirty="0" err="1" smtClean="0"/>
+              <a:t>ASP.net</a:t>
+            </a:r>
             <a:endParaRPr lang="en-US" dirty="0"/>
           </a:p>
-        </p:txBody>
-      </p:sp>
-      <p:sp>
-        <p:nvSpPr>
-          <p:cNvPr id="4" name="TextBox 3"/>
-          <p:cNvSpPr txBox="1"/>
+          <a:p>
+            <a:pPr lvl="1"/>
+            <a:endParaRPr lang="en-US" dirty="0" smtClean="0"/>
+          </a:p>
+        </p:txBody>
+      </p:sp>
+      <p:pic>
+        <p:nvPicPr>
+          <p:cNvPr id="4" name="Picture 3"/>
+          <p:cNvPicPr>
+            <a:picLocks noChangeAspect="1"/>
+          </p:cNvPicPr>
           <p:nvPr/>
-        </p:nvSpPr>
+        </p:nvPicPr>
+        <p:blipFill>
+          <a:blip r:embed="rId3">
+            <a:extLst>
+              <a:ext uri="{28A0092B-C50C-407E-A947-70E740481C1C}">
+                <a14:useLocalDpi xmlns:a14="http://schemas.microsoft.com/office/drawing/2010/main" val="0"/>
+              </a:ext>
+            </a:extLst>
+          </a:blip>
+          <a:stretch>
+            <a:fillRect/>
+          </a:stretch>
+        </p:blipFill>
         <p:spPr>
           <a:xfrm>
-            <a:off x="9906000" y="-1"/>
-            <a:ext cx="2286000" cy="2031325"/>
+            <a:off x="9753600" y="0"/>
+            <a:ext cx="2438400" cy="2909824"/>
           </a:xfrm>
           <a:prstGeom prst="rect">
             <a:avLst/>
           </a:prstGeom>
+        </p:spPr>
+      </p:pic>
+    </p:spTree>
+    <p:extLst>
+      <p:ext uri="{BB962C8B-B14F-4D97-AF65-F5344CB8AC3E}">
+        <p14:creationId xmlns:p14="http://schemas.microsoft.com/office/powerpoint/2010/main" val="2160823740"/>
+      </p:ext>
+    </p:extLst>
+  </p:cSld>
+  <p:clrMapOvr>
+    <a:masterClrMapping/>
+  </p:clrMapOvr>
+  <mc:AlternateContent xmlns:mc="http://schemas.openxmlformats.org/markup-compatibility/2006" xmlns:p14="http://schemas.microsoft.com/office/powerpoint/2010/main">
+    <mc:Choice Requires="p14">
+      <p:transition spd="slow" p14:dur="2000"/>
+    </mc:Choice>
+    <mc:Fallback xmlns="">
+      <p:transition spd="slow"/>
+    </mc:Fallback>
+  </mc:AlternateContent>
+  <p:timing>
+    <p:tnLst>
+      <p:par>
+        <p:cTn id="1" dur="indefinite" restart="never" nodeType="tmRoot"/>
+      </p:par>
+    </p:tnLst>
+  </p:timing>
+</p:sld>
+</file>
+
+<file path=ppt/slides/slide4.xml><?xml version="1.0" encoding="utf-8"?>
+<p:sld xmlns:a="http://schemas.openxmlformats.org/drawingml/2006/main" xmlns:r="http://schemas.openxmlformats.org/officeDocument/2006/relationships" xmlns:p="http://schemas.openxmlformats.org/presentationml/2006/main">
+  <p:cSld>
+    <p:spTree>
+      <p:nvGrpSpPr>
+        <p:cNvPr id="1" name=""/>
+        <p:cNvGrpSpPr/>
+        <p:nvPr/>
+      </p:nvGrpSpPr>
+      <p:grpSpPr>
+        <a:xfrm>
+          <a:off x="0" y="0"/>
+          <a:ext cx="0" cy="0"/>
+          <a:chOff x="0" y="0"/>
+          <a:chExt cx="0" cy="0"/>
+        </a:xfrm>
+      </p:grpSpPr>
+      <p:sp>
+        <p:nvSpPr>
+          <p:cNvPr id="5" name="Text Placeholder 4"/>
+          <p:cNvSpPr>
+            <a:spLocks noGrp="1"/>
+          </p:cNvSpPr>
+          <p:nvPr>
+            <p:ph type="body" sz="quarter" idx="10"/>
+          </p:nvPr>
+        </p:nvSpPr>
+        <p:spPr>
           <a:solidFill>
-            <a:srgbClr val="FFFF00"/>
+            <a:srgbClr val="007233"/>
           </a:solidFill>
           <a:ln>
             <a:noFill/>
           </a:ln>
         </p:spPr>
         <p:txBody>
-          <a:bodyPr wrap="square" rtlCol="0">
-            <a:spAutoFit/>
-          </a:bodyPr>
+          <a:bodyPr/>
           <a:lstStyle/>
           <a:p>
-            <a:pPr algn="ctr"/>
-            <a:endParaRPr lang="en-US" dirty="0" smtClean="0"/>
-          </a:p>
-          <a:p>
-            <a:pPr algn="ctr"/>
-            <a:endParaRPr lang="en-US" dirty="0"/>
-          </a:p>
-          <a:p>
-            <a:pPr algn="ctr"/>
+            <a:pPr marL="914400" indent="-914400"/>
             <a:r>
               <a:rPr lang="en-US" dirty="0" smtClean="0"/>
-              <a:t>Please leave this area blank to allow for picture in picture recording</a:t>
-            </a:r>
-          </a:p>
-          <a:p>
-            <a:pPr algn="ctr"/>
+              <a:t>Topics</a:t>
+            </a:r>
             <a:endParaRPr lang="en-US" dirty="0"/>
           </a:p>
         </p:txBody>
@@ -4033,7 +5746,794 @@
     </p:spTree>
     <p:extLst>
       <p:ext uri="{BB962C8B-B14F-4D97-AF65-F5344CB8AC3E}">
-        <p14:creationId xmlns:p14="http://schemas.microsoft.com/office/powerpoint/2010/main" val="255798916"/>
+        <p14:creationId xmlns:p14="http://schemas.microsoft.com/office/powerpoint/2010/main" val="2608947210"/>
+      </p:ext>
+    </p:extLst>
+  </p:cSld>
+  <p:clrMapOvr>
+    <a:masterClrMapping/>
+  </p:clrMapOvr>
+  <p:timing>
+    <p:tnLst>
+      <p:par>
+        <p:cTn id="1" dur="indefinite" restart="never" nodeType="tmRoot"/>
+      </p:par>
+    </p:tnLst>
+  </p:timing>
+</p:sld>
+</file>
+
+<file path=ppt/slides/slide5.xml><?xml version="1.0" encoding="utf-8"?>
+<p:sld xmlns:a="http://schemas.openxmlformats.org/drawingml/2006/main" xmlns:r="http://schemas.openxmlformats.org/officeDocument/2006/relationships" xmlns:p="http://schemas.openxmlformats.org/presentationml/2006/main">
+  <p:cSld>
+    <p:spTree>
+      <p:nvGrpSpPr>
+        <p:cNvPr id="1" name=""/>
+        <p:cNvGrpSpPr/>
+        <p:nvPr/>
+      </p:nvGrpSpPr>
+      <p:grpSpPr>
+        <a:xfrm>
+          <a:off x="0" y="0"/>
+          <a:ext cx="0" cy="0"/>
+          <a:chOff x="0" y="0"/>
+          <a:chExt cx="0" cy="0"/>
+        </a:xfrm>
+      </p:grpSpPr>
+      <p:sp>
+        <p:nvSpPr>
+          <p:cNvPr id="2" name="Title 1"/>
+          <p:cNvSpPr>
+            <a:spLocks noGrp="1"/>
+          </p:cNvSpPr>
+          <p:nvPr>
+            <p:ph type="title"/>
+          </p:nvPr>
+        </p:nvSpPr>
+        <p:spPr/>
+        <p:txBody>
+          <a:bodyPr>
+            <a:normAutofit/>
+          </a:bodyPr>
+          <a:lstStyle/>
+          <a:p>
+            <a:pPr lvl="0"/>
+            <a:r>
+              <a:rPr lang="en-US" dirty="0" smtClean="0"/>
+              <a:t>Course Topics</a:t>
+            </a:r>
+            <a:endParaRPr lang="en-US" dirty="0"/>
+          </a:p>
+        </p:txBody>
+      </p:sp>
+      <p:graphicFrame>
+        <p:nvGraphicFramePr>
+          <p:cNvPr id="4" name="Content Placeholder 3"/>
+          <p:cNvGraphicFramePr>
+            <a:graphicFrameLocks noGrp="1"/>
+          </p:cNvGraphicFramePr>
+          <p:nvPr>
+            <p:ph sz="quarter" idx="10"/>
+            <p:extLst>
+              <p:ext uri="{D42A27DB-BD31-4B8C-83A1-F6EECF244321}">
+                <p14:modId xmlns:p14="http://schemas.microsoft.com/office/powerpoint/2010/main" val="3820718967"/>
+              </p:ext>
+            </p:extLst>
+          </p:nvPr>
+        </p:nvGraphicFramePr>
+        <p:xfrm>
+          <a:off x="379413" y="1417636"/>
+          <a:ext cx="11525250" cy="3838160"/>
+        </p:xfrm>
+        <a:graphic>
+          <a:graphicData uri="http://schemas.openxmlformats.org/drawingml/2006/table">
+            <a:tbl>
+              <a:tblPr firstRow="1" bandRow="1">
+                <a:tableStyleId>{5C22544A-7EE6-4342-B048-85BDC9FD1C3A}</a:tableStyleId>
+              </a:tblPr>
+              <a:tblGrid>
+                <a:gridCol w="5762625">
+                  <a:extLst>
+                    <a:ext uri="{9D8B030D-6E8A-4147-A177-3AD203B41FA5}">
+                      <a16:colId xmlns="" xmlns:a16="http://schemas.microsoft.com/office/drawing/2014/main" val="1632794655"/>
+                    </a:ext>
+                  </a:extLst>
+                </a:gridCol>
+                <a:gridCol w="5762625">
+                  <a:extLst>
+                    <a:ext uri="{9D8B030D-6E8A-4147-A177-3AD203B41FA5}">
+                      <a16:colId xmlns="" xmlns:a16="http://schemas.microsoft.com/office/drawing/2014/main" val="2011313899"/>
+                    </a:ext>
+                  </a:extLst>
+                </a:gridCol>
+              </a:tblGrid>
+              <a:tr h="767632">
+                <a:tc gridSpan="2">
+                  <a:txBody>
+                    <a:bodyPr/>
+                    <a:lstStyle/>
+                    <a:p>
+                      <a:r>
+                        <a:rPr lang="en-US" sz="3600" dirty="0" smtClean="0">
+                          <a:latin typeface="Segoe UI Light" panose="020B0502040204020203" pitchFamily="34" charset="0"/>
+                          <a:cs typeface="Segoe UI Light" panose="020B0502040204020203" pitchFamily="34" charset="0"/>
+                        </a:rPr>
+                        <a:t>Applications on Azure: Putting All the Pieces Together</a:t>
+                      </a:r>
+                      <a:endParaRPr lang="en-US" sz="3600" dirty="0">
+                        <a:latin typeface="Segoe UI Light" panose="020B0502040204020203" pitchFamily="34" charset="0"/>
+                        <a:cs typeface="Segoe UI Light" panose="020B0502040204020203" pitchFamily="34" charset="0"/>
+                      </a:endParaRPr>
+                    </a:p>
+                  </a:txBody>
+                  <a:tcPr anchor="ctr"/>
+                </a:tc>
+                <a:tc hMerge="1">
+                  <a:txBody>
+                    <a:bodyPr/>
+                    <a:lstStyle/>
+                    <a:p>
+                      <a:endParaRPr lang="en-US" dirty="0"/>
+                    </a:p>
+                  </a:txBody>
+                  <a:tcPr/>
+                </a:tc>
+                <a:extLst>
+                  <a:ext uri="{0D108BD9-81ED-4DB2-BD59-A6C34878D82A}">
+                    <a16:rowId xmlns="" xmlns:a16="http://schemas.microsoft.com/office/drawing/2014/main" val="1789177411"/>
+                  </a:ext>
+                </a:extLst>
+              </a:tr>
+              <a:tr h="767632">
+                <a:tc>
+                  <a:txBody>
+                    <a:bodyPr/>
+                    <a:lstStyle/>
+                    <a:p>
+                      <a:r>
+                        <a:rPr lang="en-US" sz="2400" dirty="0" smtClean="0">
+                          <a:latin typeface="Segoe UI Light" panose="020B0502040204020203" pitchFamily="34" charset="0"/>
+                          <a:cs typeface="Segoe UI Light" panose="020B0502040204020203" pitchFamily="34" charset="0"/>
+                        </a:rPr>
+                        <a:t>01 | Intro</a:t>
+                      </a:r>
+                      <a:endParaRPr lang="en-US" sz="2400" dirty="0">
+                        <a:latin typeface="Segoe UI Light" panose="020B0502040204020203" pitchFamily="34" charset="0"/>
+                        <a:cs typeface="Segoe UI Light" panose="020B0502040204020203" pitchFamily="34" charset="0"/>
+                      </a:endParaRPr>
+                    </a:p>
+                  </a:txBody>
+                  <a:tcPr anchor="ctr"/>
+                </a:tc>
+                <a:tc>
+                  <a:txBody>
+                    <a:bodyPr/>
+                    <a:lstStyle/>
+                    <a:p>
+                      <a:r>
+                        <a:rPr lang="en-US" sz="2400" dirty="0" smtClean="0">
+                          <a:latin typeface="Segoe UI Light" panose="020B0502040204020203" pitchFamily="34" charset="0"/>
+                          <a:cs typeface="Segoe UI Light" panose="020B0502040204020203" pitchFamily="34" charset="0"/>
+                        </a:rPr>
+                        <a:t>05 | Storing Data and Objects in Azure</a:t>
+                      </a:r>
+                      <a:endParaRPr lang="en-US" sz="2400" dirty="0">
+                        <a:latin typeface="Segoe UI Light" panose="020B0502040204020203" pitchFamily="34" charset="0"/>
+                        <a:cs typeface="Segoe UI Light" panose="020B0502040204020203" pitchFamily="34" charset="0"/>
+                      </a:endParaRPr>
+                    </a:p>
+                  </a:txBody>
+                  <a:tcPr anchor="ctr"/>
+                </a:tc>
+                <a:extLst>
+                  <a:ext uri="{0D108BD9-81ED-4DB2-BD59-A6C34878D82A}">
+                    <a16:rowId xmlns="" xmlns:a16="http://schemas.microsoft.com/office/drawing/2014/main" val="3842815335"/>
+                  </a:ext>
+                </a:extLst>
+              </a:tr>
+              <a:tr h="767632">
+                <a:tc>
+                  <a:txBody>
+                    <a:bodyPr/>
+                    <a:lstStyle/>
+                    <a:p>
+                      <a:r>
+                        <a:rPr lang="en-US" sz="2400" dirty="0" smtClean="0">
+                          <a:latin typeface="Segoe UI Light" panose="020B0502040204020203" pitchFamily="34" charset="0"/>
+                          <a:cs typeface="Segoe UI Light" panose="020B0502040204020203" pitchFamily="34" charset="0"/>
+                        </a:rPr>
+                        <a:t>02 | Exploring Application Architecture</a:t>
+                      </a:r>
+                      <a:endParaRPr lang="en-US" sz="2400" dirty="0">
+                        <a:latin typeface="Segoe UI Light" panose="020B0502040204020203" pitchFamily="34" charset="0"/>
+                        <a:cs typeface="Segoe UI Light" panose="020B0502040204020203" pitchFamily="34" charset="0"/>
+                      </a:endParaRPr>
+                    </a:p>
+                  </a:txBody>
+                  <a:tcPr anchor="ctr"/>
+                </a:tc>
+                <a:tc>
+                  <a:txBody>
+                    <a:bodyPr/>
+                    <a:lstStyle/>
+                    <a:p>
+                      <a:r>
+                        <a:rPr lang="en-US" sz="2400" dirty="0" smtClean="0">
+                          <a:latin typeface="Segoe UI Light" panose="020B0502040204020203" pitchFamily="34" charset="0"/>
+                          <a:cs typeface="Segoe UI Light" panose="020B0502040204020203" pitchFamily="34" charset="0"/>
+                        </a:rPr>
+                        <a:t>06 | </a:t>
+                      </a:r>
+                      <a:r>
+                        <a:rPr lang="en-US" sz="2400" dirty="0" err="1" smtClean="0">
+                          <a:latin typeface="Segoe UI Light" panose="020B0502040204020203" pitchFamily="34" charset="0"/>
+                          <a:cs typeface="Segoe UI Light" panose="020B0502040204020203" pitchFamily="34" charset="0"/>
+                        </a:rPr>
+                        <a:t>ElasticSearch</a:t>
+                      </a:r>
+                      <a:r>
+                        <a:rPr lang="en-US" sz="2400" dirty="0" smtClean="0">
+                          <a:latin typeface="Segoe UI Light" panose="020B0502040204020203" pitchFamily="34" charset="0"/>
+                          <a:cs typeface="Segoe UI Light" panose="020B0502040204020203" pitchFamily="34" charset="0"/>
+                        </a:rPr>
+                        <a:t>,</a:t>
+                      </a:r>
+                      <a:r>
+                        <a:rPr lang="en-US" sz="2400" baseline="0" dirty="0" smtClean="0">
+                          <a:latin typeface="Segoe UI Light" panose="020B0502040204020203" pitchFamily="34" charset="0"/>
+                          <a:cs typeface="Segoe UI Light" panose="020B0502040204020203" pitchFamily="34" charset="0"/>
+                        </a:rPr>
+                        <a:t> </a:t>
+                      </a:r>
+                      <a:r>
+                        <a:rPr lang="en-US" sz="2400" dirty="0" smtClean="0">
+                          <a:latin typeface="Segoe UI Light" panose="020B0502040204020203" pitchFamily="34" charset="0"/>
+                          <a:cs typeface="Segoe UI Light" panose="020B0502040204020203" pitchFamily="34" charset="0"/>
+                        </a:rPr>
+                        <a:t>Docker and YOU</a:t>
+                      </a:r>
+                      <a:endParaRPr lang="en-US" sz="2400" dirty="0">
+                        <a:latin typeface="Segoe UI Light" panose="020B0502040204020203" pitchFamily="34" charset="0"/>
+                        <a:cs typeface="Segoe UI Light" panose="020B0502040204020203" pitchFamily="34" charset="0"/>
+                      </a:endParaRPr>
+                    </a:p>
+                  </a:txBody>
+                  <a:tcPr anchor="ctr"/>
+                </a:tc>
+                <a:extLst>
+                  <a:ext uri="{0D108BD9-81ED-4DB2-BD59-A6C34878D82A}">
+                    <a16:rowId xmlns="" xmlns:a16="http://schemas.microsoft.com/office/drawing/2014/main" val="321066646"/>
+                  </a:ext>
+                </a:extLst>
+              </a:tr>
+              <a:tr h="767632">
+                <a:tc>
+                  <a:txBody>
+                    <a:bodyPr/>
+                    <a:lstStyle/>
+                    <a:p>
+                      <a:pPr marL="0" marR="0" indent="0" algn="l" defTabSz="914088" rtl="0" eaLnBrk="1" fontAlgn="auto" latinLnBrk="0" hangingPunct="1">
+                        <a:lnSpc>
+                          <a:spcPct val="100000"/>
+                        </a:lnSpc>
+                        <a:spcBef>
+                          <a:spcPts val="0"/>
+                        </a:spcBef>
+                        <a:spcAft>
+                          <a:spcPts val="0"/>
+                        </a:spcAft>
+                        <a:buClrTx/>
+                        <a:buSzTx/>
+                        <a:buFontTx/>
+                        <a:buNone/>
+                        <a:tabLst/>
+                        <a:defRPr/>
+                      </a:pPr>
+                      <a:r>
+                        <a:rPr lang="en-US" sz="2400" dirty="0" smtClean="0">
+                          <a:latin typeface="Segoe UI Light" panose="020B0502040204020203" pitchFamily="34" charset="0"/>
+                          <a:cs typeface="Segoe UI Light" panose="020B0502040204020203" pitchFamily="34" charset="0"/>
+                        </a:rPr>
+                        <a:t>03</a:t>
+                      </a:r>
+                      <a:r>
+                        <a:rPr lang="en-US" sz="2400" baseline="0" dirty="0" smtClean="0">
+                          <a:latin typeface="Segoe UI Light" panose="020B0502040204020203" pitchFamily="34" charset="0"/>
+                          <a:cs typeface="Segoe UI Light" panose="020B0502040204020203" pitchFamily="34" charset="0"/>
+                        </a:rPr>
+                        <a:t> | Working with Azure DNS Services</a:t>
+                      </a:r>
+                      <a:endParaRPr lang="en-US" sz="2400" dirty="0" smtClean="0">
+                        <a:latin typeface="Segoe UI Light" panose="020B0502040204020203" pitchFamily="34" charset="0"/>
+                        <a:cs typeface="Segoe UI Light" panose="020B0502040204020203" pitchFamily="34" charset="0"/>
+                      </a:endParaRPr>
+                    </a:p>
+                  </a:txBody>
+                  <a:tcPr anchor="ctr"/>
+                </a:tc>
+                <a:tc>
+                  <a:txBody>
+                    <a:bodyPr/>
+                    <a:lstStyle/>
+                    <a:p>
+                      <a:r>
+                        <a:rPr lang="en-US" sz="2400" dirty="0" smtClean="0">
+                          <a:latin typeface="Segoe UI Light" panose="020B0502040204020203" pitchFamily="34" charset="0"/>
+                          <a:cs typeface="Segoe UI Light" panose="020B0502040204020203" pitchFamily="34" charset="0"/>
+                        </a:rPr>
+                        <a:t>07 | Scaling Your Application Under Load</a:t>
+                      </a:r>
+                      <a:endParaRPr lang="en-US" sz="2400" dirty="0">
+                        <a:latin typeface="Segoe UI Light" panose="020B0502040204020203" pitchFamily="34" charset="0"/>
+                        <a:cs typeface="Segoe UI Light" panose="020B0502040204020203" pitchFamily="34" charset="0"/>
+                      </a:endParaRPr>
+                    </a:p>
+                  </a:txBody>
+                  <a:tcPr anchor="ctr"/>
+                </a:tc>
+                <a:extLst>
+                  <a:ext uri="{0D108BD9-81ED-4DB2-BD59-A6C34878D82A}">
+                    <a16:rowId xmlns="" xmlns:a16="http://schemas.microsoft.com/office/drawing/2014/main" val="3812060533"/>
+                  </a:ext>
+                </a:extLst>
+              </a:tr>
+              <a:tr h="767632">
+                <a:tc>
+                  <a:txBody>
+                    <a:bodyPr/>
+                    <a:lstStyle/>
+                    <a:p>
+                      <a:r>
+                        <a:rPr lang="en-US" sz="2400" dirty="0" smtClean="0">
+                          <a:latin typeface="Segoe UI Light" panose="020B0502040204020203" pitchFamily="34" charset="0"/>
+                          <a:cs typeface="Segoe UI Light" panose="020B0502040204020203" pitchFamily="34" charset="0"/>
+                        </a:rPr>
+                        <a:t>04 | Executing Large Tasks in the Cloud</a:t>
+                      </a:r>
+                      <a:endParaRPr lang="en-US" sz="2400" dirty="0">
+                        <a:latin typeface="Segoe UI Light" panose="020B0502040204020203" pitchFamily="34" charset="0"/>
+                        <a:cs typeface="Segoe UI Light" panose="020B0502040204020203" pitchFamily="34" charset="0"/>
+                      </a:endParaRPr>
+                    </a:p>
+                  </a:txBody>
+                  <a:tcPr anchor="ctr"/>
+                </a:tc>
+                <a:tc>
+                  <a:txBody>
+                    <a:bodyPr/>
+                    <a:lstStyle/>
+                    <a:p>
+                      <a:r>
+                        <a:rPr lang="en-US" sz="2400" dirty="0" smtClean="0">
+                          <a:latin typeface="Segoe UI Light" panose="020B0502040204020203" pitchFamily="34" charset="0"/>
+                          <a:cs typeface="Segoe UI Light" panose="020B0502040204020203" pitchFamily="34" charset="0"/>
+                        </a:rPr>
+                        <a:t>08 | Rewind</a:t>
+                      </a:r>
+                      <a:endParaRPr lang="en-US" sz="2400" dirty="0">
+                        <a:latin typeface="Segoe UI Light" panose="020B0502040204020203" pitchFamily="34" charset="0"/>
+                        <a:cs typeface="Segoe UI Light" panose="020B0502040204020203" pitchFamily="34" charset="0"/>
+                      </a:endParaRPr>
+                    </a:p>
+                  </a:txBody>
+                  <a:tcPr anchor="ctr"/>
+                </a:tc>
+                <a:extLst>
+                  <a:ext uri="{0D108BD9-81ED-4DB2-BD59-A6C34878D82A}">
+                    <a16:rowId xmlns="" xmlns:a16="http://schemas.microsoft.com/office/drawing/2014/main" val="733235577"/>
+                  </a:ext>
+                </a:extLst>
+              </a:tr>
+            </a:tbl>
+          </a:graphicData>
+        </a:graphic>
+      </p:graphicFrame>
+    </p:spTree>
+    <p:extLst>
+      <p:ext uri="{BB962C8B-B14F-4D97-AF65-F5344CB8AC3E}">
+        <p14:creationId xmlns:p14="http://schemas.microsoft.com/office/powerpoint/2010/main" val="4178564752"/>
+      </p:ext>
+    </p:extLst>
+  </p:cSld>
+  <p:clrMapOvr>
+    <a:masterClrMapping/>
+  </p:clrMapOvr>
+  <mc:AlternateContent xmlns:mc="http://schemas.openxmlformats.org/markup-compatibility/2006" xmlns:p14="http://schemas.microsoft.com/office/powerpoint/2010/main">
+    <mc:Choice Requires="p14">
+      <p:transition spd="slow" p14:dur="2000"/>
+    </mc:Choice>
+    <mc:Fallback xmlns="">
+      <p:transition spd="slow"/>
+    </mc:Fallback>
+  </mc:AlternateContent>
+  <p:timing>
+    <p:tnLst>
+      <p:par>
+        <p:cTn id="1" dur="indefinite" restart="never" nodeType="tmRoot"/>
+      </p:par>
+    </p:tnLst>
+  </p:timing>
+</p:sld>
+</file>
+
+<file path=ppt/slides/slide6.xml><?xml version="1.0" encoding="utf-8"?>
+<p:sld xmlns:a="http://schemas.openxmlformats.org/drawingml/2006/main" xmlns:r="http://schemas.openxmlformats.org/officeDocument/2006/relationships" xmlns:p="http://schemas.openxmlformats.org/presentationml/2006/main">
+  <p:cSld>
+    <p:spTree>
+      <p:nvGrpSpPr>
+        <p:cNvPr id="1" name=""/>
+        <p:cNvGrpSpPr/>
+        <p:nvPr/>
+      </p:nvGrpSpPr>
+      <p:grpSpPr>
+        <a:xfrm>
+          <a:off x="0" y="0"/>
+          <a:ext cx="0" cy="0"/>
+          <a:chOff x="0" y="0"/>
+          <a:chExt cx="0" cy="0"/>
+        </a:xfrm>
+      </p:grpSpPr>
+      <p:sp>
+        <p:nvSpPr>
+          <p:cNvPr id="2" name="Title 1"/>
+          <p:cNvSpPr>
+            <a:spLocks noGrp="1"/>
+          </p:cNvSpPr>
+          <p:nvPr>
+            <p:ph type="title"/>
+          </p:nvPr>
+        </p:nvSpPr>
+        <p:spPr/>
+        <p:txBody>
+          <a:bodyPr/>
+          <a:lstStyle/>
+          <a:p>
+            <a:pPr lvl="0"/>
+            <a:r>
+              <a:rPr lang="en-US" smtClean="0"/>
+              <a:t>Setting Expectations</a:t>
+            </a:r>
+            <a:endParaRPr lang="en-US" dirty="0"/>
+          </a:p>
+        </p:txBody>
+      </p:sp>
+      <p:sp>
+        <p:nvSpPr>
+          <p:cNvPr id="3" name="Content Placeholder 2"/>
+          <p:cNvSpPr>
+            <a:spLocks noGrp="1"/>
+          </p:cNvSpPr>
+          <p:nvPr>
+            <p:ph sz="quarter" idx="10"/>
+          </p:nvPr>
+        </p:nvSpPr>
+        <p:spPr/>
+        <p:txBody>
+          <a:bodyPr/>
+          <a:lstStyle/>
+          <a:p>
+            <a:r>
+              <a:rPr lang="en-US" dirty="0" smtClean="0"/>
+              <a:t>Target Audience</a:t>
+            </a:r>
+          </a:p>
+          <a:p>
+            <a:pPr lvl="1"/>
+            <a:r>
+              <a:rPr lang="en-US" dirty="0" smtClean="0"/>
+              <a:t>People who know about computers</a:t>
+            </a:r>
+          </a:p>
+          <a:p>
+            <a:pPr lvl="1"/>
+            <a:r>
+              <a:rPr lang="en-US" dirty="0" smtClean="0"/>
+              <a:t>Developers. Could be </a:t>
+            </a:r>
+            <a:r>
+              <a:rPr lang="en-US" dirty="0" err="1" smtClean="0"/>
+              <a:t>.net</a:t>
+            </a:r>
+            <a:r>
+              <a:rPr lang="en-US" dirty="0" smtClean="0"/>
+              <a:t> but for most of this stuff it doesn’t matter</a:t>
+            </a:r>
+          </a:p>
+          <a:p>
+            <a:r>
+              <a:rPr lang="en-US" dirty="0" smtClean="0"/>
+              <a:t>Suggested Prerequisites/Supporting Material</a:t>
+            </a:r>
+          </a:p>
+          <a:p>
+            <a:pPr lvl="1"/>
+            <a:r>
+              <a:rPr lang="en-US" dirty="0" smtClean="0"/>
+              <a:t>Rudimentary knowledge of Azure</a:t>
+            </a:r>
+            <a:endParaRPr lang="en-US" dirty="0"/>
+          </a:p>
+          <a:p>
+            <a:pPr lvl="1"/>
+            <a:r>
+              <a:rPr lang="en-US" dirty="0" smtClean="0"/>
+              <a:t>Some understanding of distributed systems</a:t>
+            </a:r>
+            <a:endParaRPr lang="en-US" dirty="0"/>
+          </a:p>
+          <a:p>
+            <a:pPr lvl="1"/>
+            <a:endParaRPr lang="en-US" dirty="0" smtClean="0"/>
+          </a:p>
+        </p:txBody>
+      </p:sp>
+    </p:spTree>
+    <p:extLst>
+      <p:ext uri="{BB962C8B-B14F-4D97-AF65-F5344CB8AC3E}">
+        <p14:creationId xmlns:p14="http://schemas.microsoft.com/office/powerpoint/2010/main" val="1967407312"/>
+      </p:ext>
+    </p:extLst>
+  </p:cSld>
+  <p:clrMapOvr>
+    <a:masterClrMapping/>
+  </p:clrMapOvr>
+  <p:timing>
+    <p:tnLst>
+      <p:par>
+        <p:cTn id="1" dur="indefinite" restart="never" nodeType="tmRoot"/>
+      </p:par>
+    </p:tnLst>
+  </p:timing>
+</p:sld>
+</file>
+
+<file path=ppt/slides/slide7.xml><?xml version="1.0" encoding="utf-8"?>
+<p:sld xmlns:a="http://schemas.openxmlformats.org/drawingml/2006/main" xmlns:r="http://schemas.openxmlformats.org/officeDocument/2006/relationships" xmlns:p="http://schemas.openxmlformats.org/presentationml/2006/main">
+  <p:cSld>
+    <p:spTree>
+      <p:nvGrpSpPr>
+        <p:cNvPr id="1" name=""/>
+        <p:cNvGrpSpPr/>
+        <p:nvPr/>
+      </p:nvGrpSpPr>
+      <p:grpSpPr>
+        <a:xfrm>
+          <a:off x="0" y="0"/>
+          <a:ext cx="0" cy="0"/>
+          <a:chOff x="0" y="0"/>
+          <a:chExt cx="0" cy="0"/>
+        </a:xfrm>
+      </p:grpSpPr>
+      <p:sp>
+        <p:nvSpPr>
+          <p:cNvPr id="5" name="Text Placeholder 4"/>
+          <p:cNvSpPr>
+            <a:spLocks noGrp="1"/>
+          </p:cNvSpPr>
+          <p:nvPr>
+            <p:ph type="body" sz="quarter" idx="10"/>
+          </p:nvPr>
+        </p:nvSpPr>
+        <p:spPr>
+          <a:xfrm>
+            <a:off x="334911" y="3466407"/>
+            <a:ext cx="8215796" cy="1485524"/>
+          </a:xfrm>
+          <a:solidFill>
+            <a:srgbClr val="007233"/>
+          </a:solidFill>
+          <a:ln>
+            <a:noFill/>
+          </a:ln>
+        </p:spPr>
+        <p:txBody>
+          <a:bodyPr/>
+          <a:lstStyle/>
+          <a:p>
+            <a:pPr marL="914400" indent="-914400"/>
+            <a:r>
+              <a:rPr lang="en-US" dirty="0" smtClean="0"/>
+              <a:t>Azure</a:t>
+            </a:r>
+            <a:endParaRPr lang="en-US" dirty="0"/>
+          </a:p>
+        </p:txBody>
+      </p:sp>
+    </p:spTree>
+    <p:extLst>
+      <p:ext uri="{BB962C8B-B14F-4D97-AF65-F5344CB8AC3E}">
+        <p14:creationId xmlns:p14="http://schemas.microsoft.com/office/powerpoint/2010/main" val="2608947210"/>
+      </p:ext>
+    </p:extLst>
+  </p:cSld>
+  <p:clrMapOvr>
+    <a:masterClrMapping/>
+  </p:clrMapOvr>
+  <p:timing>
+    <p:tnLst>
+      <p:par>
+        <p:cTn id="1" dur="indefinite" restart="never" nodeType="tmRoot"/>
+      </p:par>
+    </p:tnLst>
+  </p:timing>
+</p:sld>
+</file>
+
+<file path=ppt/slides/slide8.xml><?xml version="1.0" encoding="utf-8"?>
+<p:sld xmlns:a="http://schemas.openxmlformats.org/drawingml/2006/main" xmlns:r="http://schemas.openxmlformats.org/officeDocument/2006/relationships" xmlns:p="http://schemas.openxmlformats.org/presentationml/2006/main">
+  <p:cSld>
+    <p:spTree>
+      <p:nvGrpSpPr>
+        <p:cNvPr id="1" name=""/>
+        <p:cNvGrpSpPr/>
+        <p:nvPr/>
+      </p:nvGrpSpPr>
+      <p:grpSpPr>
+        <a:xfrm>
+          <a:off x="0" y="0"/>
+          <a:ext cx="0" cy="0"/>
+          <a:chOff x="0" y="0"/>
+          <a:chExt cx="0" cy="0"/>
+        </a:xfrm>
+      </p:grpSpPr>
+      <p:sp>
+        <p:nvSpPr>
+          <p:cNvPr id="2" name="Title 1"/>
+          <p:cNvSpPr>
+            <a:spLocks noGrp="1"/>
+          </p:cNvSpPr>
+          <p:nvPr>
+            <p:ph type="title"/>
+          </p:nvPr>
+        </p:nvSpPr>
+        <p:spPr/>
+        <p:txBody>
+          <a:bodyPr/>
+          <a:lstStyle/>
+          <a:p>
+            <a:pPr lvl="0"/>
+            <a:r>
+              <a:rPr lang="en-US" dirty="0" smtClean="0"/>
+              <a:t>Regions</a:t>
+            </a:r>
+            <a:endParaRPr lang="en-US" dirty="0"/>
+          </a:p>
+        </p:txBody>
+      </p:sp>
+      <p:pic>
+        <p:nvPicPr>
+          <p:cNvPr id="1026" name="Picture 2" descr="https://acom.azurecomcdn.net/80C57D/cdn/cvt-4ced24c232bc8055d5017eeeeb0b7e46eed87626021d7b101aea83ff3f056a5b/images/page/regions/map.png"/>
+          <p:cNvPicPr>
+            <a:picLocks noGrp="1" noChangeAspect="1" noChangeArrowheads="1"/>
+          </p:cNvPicPr>
+          <p:nvPr>
+            <p:ph sz="quarter" idx="10"/>
+          </p:nvPr>
+        </p:nvPicPr>
+        <p:blipFill>
+          <a:blip r:embed="rId3">
+            <a:extLst>
+              <a:ext uri="{28A0092B-C50C-407E-A947-70E740481C1C}">
+                <a14:useLocalDpi xmlns:a14="http://schemas.microsoft.com/office/drawing/2010/main" val="0"/>
+              </a:ext>
+            </a:extLst>
+          </a:blip>
+          <a:srcRect/>
+          <a:stretch>
+            <a:fillRect/>
+          </a:stretch>
+        </p:blipFill>
+        <p:spPr bwMode="auto">
+          <a:xfrm>
+            <a:off x="1024128" y="1068264"/>
+            <a:ext cx="8605396" cy="4985064"/>
+          </a:xfrm>
+          <a:prstGeom prst="rect">
+            <a:avLst/>
+          </a:prstGeom>
+          <a:noFill/>
+          <a:extLst>
+            <a:ext uri="{909E8E84-426E-40dd-AFC4-6F175D3DCCD1}">
+              <a14:hiddenFill xmlns:a14="http://schemas.microsoft.com/office/drawing/2010/main" xmlns="">
+                <a:solidFill>
+                  <a:srgbClr val="FFFFFF"/>
+                </a:solidFill>
+              </a14:hiddenFill>
+            </a:ext>
+          </a:extLst>
+        </p:spPr>
+      </p:pic>
+    </p:spTree>
+    <p:extLst>
+      <p:ext uri="{BB962C8B-B14F-4D97-AF65-F5344CB8AC3E}">
+        <p14:creationId xmlns:p14="http://schemas.microsoft.com/office/powerpoint/2010/main" val="3869065676"/>
+      </p:ext>
+    </p:extLst>
+  </p:cSld>
+  <p:clrMapOvr>
+    <a:masterClrMapping/>
+  </p:clrMapOvr>
+  <p:timing>
+    <p:tnLst>
+      <p:par>
+        <p:cTn id="1" dur="indefinite" restart="never" nodeType="tmRoot"/>
+      </p:par>
+    </p:tnLst>
+  </p:timing>
+</p:sld>
+</file>
+
+<file path=ppt/slides/slide9.xml><?xml version="1.0" encoding="utf-8"?>
+<p:sld xmlns:a="http://schemas.openxmlformats.org/drawingml/2006/main" xmlns:r="http://schemas.openxmlformats.org/officeDocument/2006/relationships" xmlns:p="http://schemas.openxmlformats.org/presentationml/2006/main">
+  <p:cSld>
+    <p:spTree>
+      <p:nvGrpSpPr>
+        <p:cNvPr id="1" name=""/>
+        <p:cNvGrpSpPr/>
+        <p:nvPr/>
+      </p:nvGrpSpPr>
+      <p:grpSpPr>
+        <a:xfrm>
+          <a:off x="0" y="0"/>
+          <a:ext cx="0" cy="0"/>
+          <a:chOff x="0" y="0"/>
+          <a:chExt cx="0" cy="0"/>
+        </a:xfrm>
+      </p:grpSpPr>
+      <p:sp>
+        <p:nvSpPr>
+          <p:cNvPr id="2" name="Title 1"/>
+          <p:cNvSpPr>
+            <a:spLocks noGrp="1"/>
+          </p:cNvSpPr>
+          <p:nvPr>
+            <p:ph type="title"/>
+          </p:nvPr>
+        </p:nvSpPr>
+        <p:spPr/>
+        <p:txBody>
+          <a:bodyPr/>
+          <a:lstStyle/>
+          <a:p>
+            <a:r>
+              <a:rPr lang="en-US" dirty="0" smtClean="0"/>
+              <a:t>IaaS, PaaS</a:t>
+            </a:r>
+            <a:r>
+              <a:rPr lang="en-US" dirty="0" smtClean="0"/>
+              <a:t>, </a:t>
+            </a:r>
+            <a:r>
+              <a:rPr lang="en-US" dirty="0" smtClean="0"/>
+              <a:t>SaaS</a:t>
+            </a:r>
+            <a:endParaRPr lang="en-US" dirty="0"/>
+          </a:p>
+        </p:txBody>
+      </p:sp>
+      <p:sp>
+        <p:nvSpPr>
+          <p:cNvPr id="3" name="Content Placeholder 2"/>
+          <p:cNvSpPr>
+            <a:spLocks noGrp="1"/>
+          </p:cNvSpPr>
+          <p:nvPr>
+            <p:ph sz="quarter" idx="10"/>
+          </p:nvPr>
+        </p:nvSpPr>
+        <p:spPr/>
+        <p:txBody>
+          <a:bodyPr/>
+          <a:lstStyle/>
+          <a:p>
+            <a:endParaRPr lang="en-US"/>
+          </a:p>
+        </p:txBody>
+      </p:sp>
+    </p:spTree>
+    <p:extLst>
+      <p:ext uri="{BB962C8B-B14F-4D97-AF65-F5344CB8AC3E}">
+        <p14:creationId xmlns:p14="http://schemas.microsoft.com/office/powerpoint/2010/main" val="618824778"/>
       </p:ext>
     </p:extLst>
   </p:cSld>
@@ -4378,7 +6878,7 @@
     </a:clrScheme>
     <a:fontScheme name="Office">
       <a:majorFont>
-        <a:latin typeface="Calibri Light" panose="020F0302020204030204"/>
+        <a:latin typeface="Calibri Light"/>
         <a:ea typeface=""/>
         <a:cs typeface=""/>
         <a:font script="Jpan" typeface="ＭＳ Ｐゴシック"/>
@@ -4413,7 +6913,7 @@
         <a:font script="Geor" typeface="Sylfaen"/>
       </a:majorFont>
       <a:minorFont>
-        <a:latin typeface="Calibri" panose="020F0502020204030204"/>
+        <a:latin typeface="Calibri"/>
         <a:ea typeface=""/>
         <a:cs typeface=""/>
         <a:font script="Jpan" typeface="ＭＳ Ｐゴシック"/>
@@ -4639,7 +7139,7 @@
     </a:clrScheme>
     <a:fontScheme name="Office">
       <a:majorFont>
-        <a:latin typeface="Calibri Light" panose="020F0302020204030204"/>
+        <a:latin typeface="Calibri Light"/>
         <a:ea typeface=""/>
         <a:cs typeface=""/>
         <a:font script="Jpan" typeface="ＭＳ Ｐゴシック"/>
@@ -4674,7 +7174,7 @@
         <a:font script="Geor" typeface="Sylfaen"/>
       </a:majorFont>
       <a:minorFont>
-        <a:latin typeface="Calibri" panose="020F0502020204030204"/>
+        <a:latin typeface="Calibri"/>
         <a:ea typeface=""/>
         <a:cs typeface=""/>
         <a:font script="Jpan" typeface="ＭＳ Ｐゴシック"/>
@@ -4867,6 +7367,49 @@
 </file>
 
 <file path=customXml/item2.xml><?xml version="1.0" encoding="utf-8"?>
+<p:properties xmlns:p="http://schemas.microsoft.com/office/2006/metadata/properties" xmlns:xsi="http://www.w3.org/2001/XMLSchema-instance" xmlns:pc="http://schemas.microsoft.com/office/infopath/2007/PartnerControls">
+  <documentManagement>
+    <TaxCatchAll xmlns="230e9df3-be65-4c73-a93b-d1236ebd677e"/>
+    <PublishingExpirationDate xmlns="http://schemas.microsoft.com/sharepoint/v3" xsi:nil="true"/>
+    <PublishingStartDate xmlns="http://schemas.microsoft.com/sharepoint/v3" xsi:nil="true"/>
+    <TaxKeywordTaxHTField xmlns="230e9df3-be65-4c73-a93b-d1236ebd677e">
+      <Terms xmlns="http://schemas.microsoft.com/office/infopath/2007/PartnerControls"/>
+    </TaxKeywordTaxHTField>
+    <SharedWithUsers xmlns="27aa9422-7f1f-4c84-9cdf-302b1a67e513">
+      <UserInfo>
+        <DisplayName>Shriram Natarajan (SHRI)</DisplayName>
+        <AccountId>3899</AccountId>
+        <AccountType/>
+      </UserInfo>
+      <UserInfo>
+        <DisplayName>Andrew Nickels</DisplayName>
+        <AccountId>24014</AccountId>
+        <AccountType/>
+      </UserInfo>
+      <UserInfo>
+        <DisplayName>Steven Goddard (WSSC)</DisplayName>
+        <AccountId>29711</AccountId>
+        <AccountType/>
+      </UserInfo>
+      <UserInfo>
+        <DisplayName>Jim Clark (LEARNING)</DisplayName>
+        <AccountId>86</AccountId>
+        <AccountType/>
+      </UserInfo>
+      <UserInfo>
+        <DisplayName>Vijay Kumar</DisplayName>
+        <AccountId>53758</AccountId>
+        <AccountType/>
+      </UserInfo>
+    </SharedWithUsers>
+    <SharingHintHash xmlns="27aa9422-7f1f-4c84-9cdf-302b1a67e513">1366665793</SharingHintHash>
+    <_ip_UnifiedCompliancePolicyUIAction xmlns="http://schemas.microsoft.com/sharepoint/v3" xsi:nil="true"/>
+    <_ip_UnifiedCompliancePolicyProperties xmlns="http://schemas.microsoft.com/sharepoint/v3" xsi:nil="true"/>
+  </documentManagement>
+</p:properties>
+</file>
+
+<file path=customXml/item3.xml><?xml version="1.0" encoding="utf-8"?>
 <ct:contentTypeSchema xmlns:ct="http://schemas.microsoft.com/office/2006/metadata/contentType" xmlns:ma="http://schemas.microsoft.com/office/2006/metadata/properties/metaAttributes" ct:_="" ma:_="" ma:contentTypeName="Document" ma:contentTypeID="0x010100496889825850D44592AC5D2F43187AE4" ma:contentTypeVersion="9" ma:contentTypeDescription="Create a new document." ma:contentTypeScope="" ma:versionID="fa7e7aa81c9af57d0e724452ff5695cd">
   <xsd:schema xmlns:xsd="http://www.w3.org/2001/XMLSchema" xmlns:xs="http://www.w3.org/2001/XMLSchema" xmlns:p="http://schemas.microsoft.com/office/2006/metadata/properties" xmlns:ns1="http://schemas.microsoft.com/sharepoint/v3" xmlns:ns2="230e9df3-be65-4c73-a93b-d1236ebd677e" xmlns:ns3="27aa9422-7f1f-4c84-9cdf-302b1a67e513" targetNamespace="http://schemas.microsoft.com/office/2006/metadata/properties" ma:root="true" ma:fieldsID="ef7d28e69d816f0a5e355ee49f463c96" ns1:_="" ns2:_="" ns3:_="">
     <xsd:import namespace="http://schemas.microsoft.com/sharepoint/v3"/>
@@ -5074,49 +7617,6 @@
 </ct:contentTypeSchema>
 </file>
 
-<file path=customXml/item3.xml><?xml version="1.0" encoding="utf-8"?>
-<p:properties xmlns:p="http://schemas.microsoft.com/office/2006/metadata/properties" xmlns:xsi="http://www.w3.org/2001/XMLSchema-instance" xmlns:pc="http://schemas.microsoft.com/office/infopath/2007/PartnerControls">
-  <documentManagement>
-    <TaxCatchAll xmlns="230e9df3-be65-4c73-a93b-d1236ebd677e"/>
-    <PublishingExpirationDate xmlns="http://schemas.microsoft.com/sharepoint/v3" xsi:nil="true"/>
-    <PublishingStartDate xmlns="http://schemas.microsoft.com/sharepoint/v3" xsi:nil="true"/>
-    <TaxKeywordTaxHTField xmlns="230e9df3-be65-4c73-a93b-d1236ebd677e">
-      <Terms xmlns="http://schemas.microsoft.com/office/infopath/2007/PartnerControls"/>
-    </TaxKeywordTaxHTField>
-    <SharedWithUsers xmlns="27aa9422-7f1f-4c84-9cdf-302b1a67e513">
-      <UserInfo>
-        <DisplayName>Shriram Natarajan (SHRI)</DisplayName>
-        <AccountId>3899</AccountId>
-        <AccountType/>
-      </UserInfo>
-      <UserInfo>
-        <DisplayName>Andrew Nickels</DisplayName>
-        <AccountId>24014</AccountId>
-        <AccountType/>
-      </UserInfo>
-      <UserInfo>
-        <DisplayName>Steven Goddard (WSSC)</DisplayName>
-        <AccountId>29711</AccountId>
-        <AccountType/>
-      </UserInfo>
-      <UserInfo>
-        <DisplayName>Jim Clark (LEARNING)</DisplayName>
-        <AccountId>86</AccountId>
-        <AccountType/>
-      </UserInfo>
-      <UserInfo>
-        <DisplayName>Vijay Kumar</DisplayName>
-        <AccountId>53758</AccountId>
-        <AccountType/>
-      </UserInfo>
-    </SharedWithUsers>
-    <SharingHintHash xmlns="27aa9422-7f1f-4c84-9cdf-302b1a67e513">1366665793</SharingHintHash>
-    <_ip_UnifiedCompliancePolicyUIAction xmlns="http://schemas.microsoft.com/sharepoint/v3" xsi:nil="true"/>
-    <_ip_UnifiedCompliancePolicyProperties xmlns="http://schemas.microsoft.com/sharepoint/v3" xsi:nil="true"/>
-  </documentManagement>
-</p:properties>
-</file>
-
 <file path=customXml/itemProps1.xml><?xml version="1.0" encoding="utf-8"?>
 <ds:datastoreItem xmlns:ds="http://schemas.openxmlformats.org/officeDocument/2006/customXml" ds:itemID="{B0CA13EC-1D3C-4D6F-8D1C-E8A452CFC79A}">
   <ds:schemaRefs>
@@ -5126,6 +7626,24 @@
 </file>
 
 <file path=customXml/itemProps2.xml><?xml version="1.0" encoding="utf-8"?>
+<ds:datastoreItem xmlns:ds="http://schemas.openxmlformats.org/officeDocument/2006/customXml" ds:itemID="{7025FDD9-4C58-4084-9F89-0E6ADD6FFF55}">
+  <ds:schemaRefs>
+    <ds:schemaRef ds:uri="http://purl.org/dc/elements/1.1/"/>
+    <ds:schemaRef ds:uri="http://schemas.microsoft.com/office/2006/documentManagement/types"/>
+    <ds:schemaRef ds:uri="http://schemas.microsoft.com/office/infopath/2007/PartnerControls"/>
+    <ds:schemaRef ds:uri="http://schemas.microsoft.com/sharepoint/v3"/>
+    <ds:schemaRef ds:uri="230e9df3-be65-4c73-a93b-d1236ebd677e"/>
+    <ds:schemaRef ds:uri="http://schemas.openxmlformats.org/package/2006/metadata/core-properties"/>
+    <ds:schemaRef ds:uri="http://www.w3.org/XML/1998/namespace"/>
+    <ds:schemaRef ds:uri="http://purl.org/dc/dcmitype/"/>
+    <ds:schemaRef ds:uri="27aa9422-7f1f-4c84-9cdf-302b1a67e513"/>
+    <ds:schemaRef ds:uri="http://schemas.microsoft.com/office/2006/metadata/properties"/>
+    <ds:schemaRef ds:uri="http://purl.org/dc/terms/"/>
+  </ds:schemaRefs>
+</ds:datastoreItem>
+</file>
+
+<file path=customXml/itemProps3.xml><?xml version="1.0" encoding="utf-8"?>
 <ds:datastoreItem xmlns:ds="http://schemas.openxmlformats.org/officeDocument/2006/customXml" ds:itemID="{B8E57EAE-DEC5-48ED-98EA-03E186D6E9F9}">
   <ds:schemaRefs>
     <ds:schemaRef ds:uri="http://schemas.microsoft.com/office/2006/metadata/contentType"/>
@@ -5143,22 +7661,4 @@
     <ds:schemaRef ds:uri="http://schemas.microsoft.com/internal/obd"/>
   </ds:schemaRefs>
 </ds:datastoreItem>
-</file>
-
-<file path=customXml/itemProps3.xml><?xml version="1.0" encoding="utf-8"?>
-<ds:datastoreItem xmlns:ds="http://schemas.openxmlformats.org/officeDocument/2006/customXml" ds:itemID="{7025FDD9-4C58-4084-9F89-0E6ADD6FFF55}">
-  <ds:schemaRefs>
-    <ds:schemaRef ds:uri="230e9df3-be65-4c73-a93b-d1236ebd677e"/>
-    <ds:schemaRef ds:uri="http://www.w3.org/XML/1998/namespace"/>
-    <ds:schemaRef ds:uri="http://schemas.microsoft.com/office/infopath/2007/PartnerControls"/>
-    <ds:schemaRef ds:uri="http://purl.org/dc/terms/"/>
-    <ds:schemaRef ds:uri="http://schemas.microsoft.com/sharepoint/v3"/>
-    <ds:schemaRef ds:uri="http://schemas.openxmlformats.org/package/2006/metadata/core-properties"/>
-    <ds:schemaRef ds:uri="http://schemas.microsoft.com/office/2006/documentManagement/types"/>
-    <ds:schemaRef ds:uri="27aa9422-7f1f-4c84-9cdf-302b1a67e513"/>
-    <ds:schemaRef ds:uri="http://schemas.microsoft.com/office/2006/metadata/properties"/>
-    <ds:schemaRef ds:uri="http://purl.org/dc/dcmitype/"/>
-    <ds:schemaRef ds:uri="http://purl.org/dc/elements/1.1/"/>
-  </ds:schemaRefs>
-</ds:datastoreItem>
 </file>